--- a/Dossier Fenetre Volet/Dossier Fenetre Volet.pptx
+++ b/Dossier Fenetre Volet/Dossier Fenetre Volet.pptx
@@ -5,10 +5,10 @@
     <p:sldMasterId id="2147483660" r:id="rId1"/>
   </p:sldMasterIdLst>
   <p:notesMasterIdLst>
-    <p:notesMasterId r:id="rId20"/>
+    <p:notesMasterId r:id="rId23"/>
   </p:notesMasterIdLst>
   <p:handoutMasterIdLst>
-    <p:handoutMasterId r:id="rId21"/>
+    <p:handoutMasterId r:id="rId24"/>
   </p:handoutMasterIdLst>
   <p:sldIdLst>
     <p:sldId id="256" r:id="rId2"/>
@@ -16,19 +16,22 @@
     <p:sldId id="329" r:id="rId4"/>
     <p:sldId id="331" r:id="rId5"/>
     <p:sldId id="378" r:id="rId6"/>
-    <p:sldId id="333" r:id="rId7"/>
-    <p:sldId id="379" r:id="rId8"/>
-    <p:sldId id="380" r:id="rId9"/>
-    <p:sldId id="383" r:id="rId10"/>
-    <p:sldId id="384" r:id="rId11"/>
-    <p:sldId id="334" r:id="rId12"/>
-    <p:sldId id="335" r:id="rId13"/>
-    <p:sldId id="376" r:id="rId14"/>
-    <p:sldId id="377" r:id="rId15"/>
-    <p:sldId id="375" r:id="rId16"/>
-    <p:sldId id="257" r:id="rId17"/>
-    <p:sldId id="381" r:id="rId18"/>
-    <p:sldId id="382" r:id="rId19"/>
+    <p:sldId id="387" r:id="rId7"/>
+    <p:sldId id="333" r:id="rId8"/>
+    <p:sldId id="385" r:id="rId9"/>
+    <p:sldId id="379" r:id="rId10"/>
+    <p:sldId id="380" r:id="rId11"/>
+    <p:sldId id="383" r:id="rId12"/>
+    <p:sldId id="386" r:id="rId13"/>
+    <p:sldId id="384" r:id="rId14"/>
+    <p:sldId id="334" r:id="rId15"/>
+    <p:sldId id="335" r:id="rId16"/>
+    <p:sldId id="376" r:id="rId17"/>
+    <p:sldId id="377" r:id="rId18"/>
+    <p:sldId id="375" r:id="rId19"/>
+    <p:sldId id="257" r:id="rId20"/>
+    <p:sldId id="381" r:id="rId21"/>
+    <p:sldId id="382" r:id="rId22"/>
   </p:sldIdLst>
   <p:sldSz cx="15119350" cy="10799763"/>
   <p:notesSz cx="6797675" cy="9926638"/>
@@ -220,7 +223,7 @@
           <a:p>
             <a:fld id="{175ECC00-C06A-4323-852F-768318D8586A}" type="datetimeFigureOut">
               <a:rPr lang="fr-FR" smtClean="0"/>
-              <a:t>02/03/2025</a:t>
+              <a:t>05/03/2025</a:t>
             </a:fld>
             <a:endParaRPr lang="fr-FR"/>
           </a:p>
@@ -385,7 +388,7 @@
           <a:p>
             <a:fld id="{AE8DAB01-C85E-4F33-91A5-B6D112914A5D}" type="datetimeFigureOut">
               <a:rPr lang="fr-FR" smtClean="0"/>
-              <a:t>02/03/2025</a:t>
+              <a:t>05/03/2025</a:t>
             </a:fld>
             <a:endParaRPr lang="fr-FR"/>
           </a:p>
@@ -784,7 +787,7 @@
           <a:p>
             <a:fld id="{A69F3118-5675-4AEB-B17B-1E109ACFC119}" type="datetimeFigureOut">
               <a:rPr lang="fr-FR" smtClean="0"/>
-              <a:t>02/03/2025</a:t>
+              <a:t>05/03/2025</a:t>
             </a:fld>
             <a:endParaRPr lang="fr-FR"/>
           </a:p>
@@ -954,7 +957,7 @@
           <a:p>
             <a:fld id="{A69F3118-5675-4AEB-B17B-1E109ACFC119}" type="datetimeFigureOut">
               <a:rPr lang="fr-FR" smtClean="0"/>
-              <a:t>02/03/2025</a:t>
+              <a:t>05/03/2025</a:t>
             </a:fld>
             <a:endParaRPr lang="fr-FR"/>
           </a:p>
@@ -1134,7 +1137,7 @@
           <a:p>
             <a:fld id="{A69F3118-5675-4AEB-B17B-1E109ACFC119}" type="datetimeFigureOut">
               <a:rPr lang="fr-FR" smtClean="0"/>
-              <a:t>02/03/2025</a:t>
+              <a:t>05/03/2025</a:t>
             </a:fld>
             <a:endParaRPr lang="fr-FR"/>
           </a:p>
@@ -1304,7 +1307,7 @@
           <a:p>
             <a:fld id="{A69F3118-5675-4AEB-B17B-1E109ACFC119}" type="datetimeFigureOut">
               <a:rPr lang="fr-FR" smtClean="0"/>
-              <a:t>02/03/2025</a:t>
+              <a:t>05/03/2025</a:t>
             </a:fld>
             <a:endParaRPr lang="fr-FR"/>
           </a:p>
@@ -1548,7 +1551,7 @@
           <a:p>
             <a:fld id="{A69F3118-5675-4AEB-B17B-1E109ACFC119}" type="datetimeFigureOut">
               <a:rPr lang="fr-FR" smtClean="0"/>
-              <a:t>02/03/2025</a:t>
+              <a:t>05/03/2025</a:t>
             </a:fld>
             <a:endParaRPr lang="fr-FR"/>
           </a:p>
@@ -1780,7 +1783,7 @@
           <a:p>
             <a:fld id="{A69F3118-5675-4AEB-B17B-1E109ACFC119}" type="datetimeFigureOut">
               <a:rPr lang="fr-FR" smtClean="0"/>
-              <a:t>02/03/2025</a:t>
+              <a:t>05/03/2025</a:t>
             </a:fld>
             <a:endParaRPr lang="fr-FR"/>
           </a:p>
@@ -2147,7 +2150,7 @@
           <a:p>
             <a:fld id="{A69F3118-5675-4AEB-B17B-1E109ACFC119}" type="datetimeFigureOut">
               <a:rPr lang="fr-FR" smtClean="0"/>
-              <a:t>02/03/2025</a:t>
+              <a:t>05/03/2025</a:t>
             </a:fld>
             <a:endParaRPr lang="fr-FR"/>
           </a:p>
@@ -2265,7 +2268,7 @@
           <a:p>
             <a:fld id="{A69F3118-5675-4AEB-B17B-1E109ACFC119}" type="datetimeFigureOut">
               <a:rPr lang="fr-FR" smtClean="0"/>
-              <a:t>02/03/2025</a:t>
+              <a:t>05/03/2025</a:t>
             </a:fld>
             <a:endParaRPr lang="fr-FR"/>
           </a:p>
@@ -2360,7 +2363,7 @@
           <a:p>
             <a:fld id="{A69F3118-5675-4AEB-B17B-1E109ACFC119}" type="datetimeFigureOut">
               <a:rPr lang="fr-FR" smtClean="0"/>
-              <a:t>02/03/2025</a:t>
+              <a:t>05/03/2025</a:t>
             </a:fld>
             <a:endParaRPr lang="fr-FR"/>
           </a:p>
@@ -2637,7 +2640,7 @@
           <a:p>
             <a:fld id="{A69F3118-5675-4AEB-B17B-1E109ACFC119}" type="datetimeFigureOut">
               <a:rPr lang="fr-FR" smtClean="0"/>
-              <a:t>02/03/2025</a:t>
+              <a:t>05/03/2025</a:t>
             </a:fld>
             <a:endParaRPr lang="fr-FR"/>
           </a:p>
@@ -2894,7 +2897,7 @@
           <a:p>
             <a:fld id="{A69F3118-5675-4AEB-B17B-1E109ACFC119}" type="datetimeFigureOut">
               <a:rPr lang="fr-FR" smtClean="0"/>
-              <a:t>02/03/2025</a:t>
+              <a:t>05/03/2025</a:t>
             </a:fld>
             <a:endParaRPr lang="fr-FR"/>
           </a:p>
@@ -3107,7 +3110,7 @@
           <a:p>
             <a:fld id="{A69F3118-5675-4AEB-B17B-1E109ACFC119}" type="datetimeFigureOut">
               <a:rPr lang="fr-FR" smtClean="0"/>
-              <a:t>02/03/2025</a:t>
+              <a:t>05/03/2025</a:t>
             </a:fld>
             <a:endParaRPr lang="fr-FR"/>
           </a:p>
@@ -3573,49 +3576,7 @@
                 <a:ea typeface="JetBrains Mono" panose="02000009000000000000" pitchFamily="49" charset="0"/>
                 <a:cs typeface="Arial" panose="020B0604020202020204" pitchFamily="34" charset="0"/>
               </a:rPr>
-              <a:t>Les matériaux composites bois</a:t>
-            </a:r>
-          </a:p>
-          <a:p>
-            <a:pPr marL="357750" indent="-285750">
-              <a:buFont typeface="Arial" panose="020B0604020202020204" pitchFamily="34" charset="0"/>
-              <a:buChar char="•"/>
-            </a:pPr>
-            <a:endParaRPr lang="fr-FR" sz="1600" dirty="0">
-              <a:solidFill>
-                <a:schemeClr val="tx1"/>
-              </a:solidFill>
-              <a:latin typeface="Comic Sans MS" panose="030F0702030302020204" pitchFamily="66" charset="0"/>
-              <a:ea typeface="JetBrains Mono" panose="02000009000000000000" pitchFamily="49" charset="0"/>
-              <a:cs typeface="Arial" panose="020B0604020202020204" pitchFamily="34" charset="0"/>
-            </a:endParaRPr>
-          </a:p>
-          <a:p>
-            <a:pPr marL="357750" indent="-285750">
-              <a:buFont typeface="Arial" panose="020B0604020202020204" pitchFamily="34" charset="0"/>
-              <a:buChar char="•"/>
-            </a:pPr>
-            <a:endParaRPr lang="fr-FR" sz="1600" dirty="0">
-              <a:solidFill>
-                <a:schemeClr val="tx1"/>
-              </a:solidFill>
-              <a:latin typeface="Comic Sans MS" panose="030F0702030302020204" pitchFamily="66" charset="0"/>
-              <a:ea typeface="JetBrains Mono" panose="02000009000000000000" pitchFamily="49" charset="0"/>
-              <a:cs typeface="Arial" panose="020B0604020202020204" pitchFamily="34" charset="0"/>
-            </a:endParaRPr>
-          </a:p>
-          <a:p>
-            <a:pPr marL="72000"/>
-            <a:r>
-              <a:rPr lang="fr-FR" sz="1600" b="1" dirty="0">
-                <a:solidFill>
-                  <a:schemeClr val="tx1"/>
-                </a:solidFill>
-                <a:latin typeface="Comic Sans MS" panose="030F0702030302020204" pitchFamily="66" charset="0"/>
-                <a:ea typeface="JetBrains Mono" panose="02000009000000000000" pitchFamily="49" charset="0"/>
-                <a:cs typeface="Arial" panose="020B0604020202020204" pitchFamily="34" charset="0"/>
-              </a:rPr>
-              <a:t>Ajout complémentaire :</a:t>
+              <a:t>Le vocabulaire des fenêtres</a:t>
             </a:r>
           </a:p>
           <a:p>
@@ -3632,7 +3593,7 @@
                 <a:ea typeface="JetBrains Mono" panose="02000009000000000000" pitchFamily="49" charset="0"/>
                 <a:cs typeface="Arial" panose="020B0604020202020204" pitchFamily="34" charset="0"/>
               </a:rPr>
-              <a:t>Le vocabulaire des fenêtres</a:t>
+              <a:t>Le vocabulaire des volets</a:t>
             </a:r>
           </a:p>
           <a:p>
@@ -3649,7 +3610,7 @@
                 <a:ea typeface="JetBrains Mono" panose="02000009000000000000" pitchFamily="49" charset="0"/>
                 <a:cs typeface="Arial" panose="020B0604020202020204" pitchFamily="34" charset="0"/>
               </a:rPr>
-              <a:t>Le vocabulaire des volets</a:t>
+              <a:t>Le vocabulaire de la pose en chantier </a:t>
             </a:r>
           </a:p>
           <a:p>
@@ -3666,7 +3627,7 @@
                 <a:ea typeface="JetBrains Mono" panose="02000009000000000000" pitchFamily="49" charset="0"/>
                 <a:cs typeface="Arial" panose="020B0604020202020204" pitchFamily="34" charset="0"/>
               </a:rPr>
-              <a:t>Le vocabulaire de la pose en chantier </a:t>
+              <a:t>Lecture de plan d’ensemble</a:t>
             </a:r>
           </a:p>
           <a:p>
@@ -3683,44 +3644,8 @@
                 <a:ea typeface="JetBrains Mono" panose="02000009000000000000" pitchFamily="49" charset="0"/>
                 <a:cs typeface="Arial" panose="020B0604020202020204" pitchFamily="34" charset="0"/>
               </a:rPr>
-              <a:t>Lecture de plan d’ensemble</a:t>
-            </a:r>
-          </a:p>
-          <a:p>
-            <a:pPr marL="357750" indent="-285750">
-              <a:buFont typeface="Arial" panose="020B0604020202020204" pitchFamily="34" charset="0"/>
-              <a:buChar char="•"/>
-            </a:pPr>
-            <a:r>
-              <a:rPr lang="fr-FR" sz="1600" dirty="0">
-                <a:solidFill>
-                  <a:schemeClr val="tx1"/>
-                </a:solidFill>
-                <a:latin typeface="Comic Sans MS" panose="030F0702030302020204" pitchFamily="66" charset="0"/>
-                <a:ea typeface="JetBrains Mono" panose="02000009000000000000" pitchFamily="49" charset="0"/>
-                <a:cs typeface="Arial" panose="020B0604020202020204" pitchFamily="34" charset="0"/>
-              </a:rPr>
-              <a:t>La </a:t>
-            </a:r>
-            <a:r>
-              <a:rPr lang="fr-FR" sz="1600">
-                <a:solidFill>
-                  <a:schemeClr val="tx1"/>
-                </a:solidFill>
-                <a:latin typeface="Comic Sans MS" panose="030F0702030302020204" pitchFamily="66" charset="0"/>
-                <a:ea typeface="JetBrains Mono" panose="02000009000000000000" pitchFamily="49" charset="0"/>
-                <a:cs typeface="Arial" panose="020B0604020202020204" pitchFamily="34" charset="0"/>
-              </a:rPr>
-              <a:t>retractabilité</a:t>
-            </a:r>
-            <a:endParaRPr lang="fr-FR" sz="1600" dirty="0">
-              <a:solidFill>
-                <a:schemeClr val="tx1"/>
-              </a:solidFill>
-              <a:latin typeface="Comic Sans MS" panose="030F0702030302020204" pitchFamily="66" charset="0"/>
-              <a:ea typeface="JetBrains Mono" panose="02000009000000000000" pitchFamily="49" charset="0"/>
-              <a:cs typeface="Arial" panose="020B0604020202020204" pitchFamily="34" charset="0"/>
-            </a:endParaRPr>
+              <a:t>La rétractabilité</a:t>
+            </a:r>
           </a:p>
           <a:p>
             <a:pPr marL="357750" indent="-285750">
@@ -4183,6 +4108,2152 @@
 </file>
 
 <file path=ppt/slides/slide10.xml><?xml version="1.0" encoding="utf-8"?>
+<p:sld xmlns:a="http://schemas.openxmlformats.org/drawingml/2006/main" xmlns:r="http://schemas.openxmlformats.org/officeDocument/2006/relationships" xmlns:p="http://schemas.openxmlformats.org/presentationml/2006/main">
+  <p:cSld>
+    <p:spTree>
+      <p:nvGrpSpPr>
+        <p:cNvPr id="1" name=""/>
+        <p:cNvGrpSpPr/>
+        <p:nvPr/>
+      </p:nvGrpSpPr>
+      <p:grpSpPr>
+        <a:xfrm>
+          <a:off x="0" y="0"/>
+          <a:ext cx="0" cy="0"/>
+          <a:chOff x="0" y="0"/>
+          <a:chExt cx="0" cy="0"/>
+        </a:xfrm>
+      </p:grpSpPr>
+      <p:sp>
+        <p:nvSpPr>
+          <p:cNvPr id="17" name="Rectangle 16"/>
+          <p:cNvSpPr/>
+          <p:nvPr/>
+        </p:nvSpPr>
+        <p:spPr>
+          <a:xfrm>
+            <a:off x="4039557" y="179881"/>
+            <a:ext cx="7040235" cy="10440000"/>
+          </a:xfrm>
+          <a:prstGeom prst="rect">
+            <a:avLst/>
+          </a:prstGeom>
+          <a:ln w="57150"/>
+        </p:spPr>
+        <p:style>
+          <a:lnRef idx="2">
+            <a:schemeClr val="dk1"/>
+          </a:lnRef>
+          <a:fillRef idx="1">
+            <a:schemeClr val="lt1"/>
+          </a:fillRef>
+          <a:effectRef idx="0">
+            <a:schemeClr val="dk1"/>
+          </a:effectRef>
+          <a:fontRef idx="minor">
+            <a:schemeClr val="dk1"/>
+          </a:fontRef>
+        </p:style>
+        <p:txBody>
+          <a:bodyPr rtlCol="0" anchor="t"/>
+          <a:lstStyle/>
+          <a:p>
+            <a:pPr marL="72000"/>
+            <a:endParaRPr lang="fr-FR" b="1" dirty="0">
+              <a:solidFill>
+                <a:schemeClr val="tx1"/>
+              </a:solidFill>
+              <a:latin typeface="Comic Sans MS" panose="030F0702030302020204" pitchFamily="66" charset="0"/>
+              <a:ea typeface="JetBrains Mono" panose="02000009000000000000" pitchFamily="49" charset="0"/>
+              <a:cs typeface="Arial" panose="020B0604020202020204" pitchFamily="34" charset="0"/>
+            </a:endParaRPr>
+          </a:p>
+          <a:p>
+            <a:pPr marL="72000"/>
+            <a:r>
+              <a:rPr lang="fr-FR" b="1" dirty="0">
+                <a:solidFill>
+                  <a:schemeClr val="tx1"/>
+                </a:solidFill>
+                <a:latin typeface="Comic Sans MS" panose="030F0702030302020204" pitchFamily="66" charset="0"/>
+                <a:ea typeface="JetBrains Mono" panose="02000009000000000000" pitchFamily="49" charset="0"/>
+                <a:cs typeface="Arial" panose="020B0604020202020204" pitchFamily="34" charset="0"/>
+              </a:rPr>
+              <a:t>Critères de notation :</a:t>
+            </a:r>
+          </a:p>
+        </p:txBody>
+      </p:sp>
+      <p:sp>
+        <p:nvSpPr>
+          <p:cNvPr id="18" name="Rectangle 17"/>
+          <p:cNvSpPr/>
+          <p:nvPr/>
+        </p:nvSpPr>
+        <p:spPr>
+          <a:xfrm>
+            <a:off x="142517" y="1390649"/>
+            <a:ext cx="3763202" cy="9229231"/>
+          </a:xfrm>
+          <a:prstGeom prst="rect">
+            <a:avLst/>
+          </a:prstGeom>
+          <a:ln w="57150"/>
+        </p:spPr>
+        <p:style>
+          <a:lnRef idx="2">
+            <a:schemeClr val="dk1"/>
+          </a:lnRef>
+          <a:fillRef idx="1">
+            <a:schemeClr val="lt1"/>
+          </a:fillRef>
+          <a:effectRef idx="0">
+            <a:schemeClr val="dk1"/>
+          </a:effectRef>
+          <a:fontRef idx="minor">
+            <a:schemeClr val="dk1"/>
+          </a:fontRef>
+        </p:style>
+        <p:txBody>
+          <a:bodyPr rtlCol="0" anchor="ctr"/>
+          <a:lstStyle/>
+          <a:p>
+            <a:pPr marL="72000"/>
+            <a:r>
+              <a:rPr lang="fr-FR" sz="1600" b="1" dirty="0">
+                <a:solidFill>
+                  <a:schemeClr val="tx1"/>
+                </a:solidFill>
+                <a:ea typeface="JetBrains Mono" panose="02000009000000000000" pitchFamily="49" charset="0"/>
+                <a:cs typeface="Courier New" panose="02070309020205020404" pitchFamily="49" charset="0"/>
+              </a:rPr>
+              <a:t>Noms et prénoms de l’élève :</a:t>
+            </a:r>
+          </a:p>
+          <a:p>
+            <a:pPr marL="72000"/>
+            <a:endParaRPr lang="fr-FR" sz="1600" b="1" dirty="0">
+              <a:solidFill>
+                <a:schemeClr val="tx1"/>
+              </a:solidFill>
+              <a:ea typeface="JetBrains Mono" panose="02000009000000000000" pitchFamily="49" charset="0"/>
+              <a:cs typeface="Courier New" panose="02070309020205020404" pitchFamily="49" charset="0"/>
+            </a:endParaRPr>
+          </a:p>
+          <a:p>
+            <a:pPr marL="72000"/>
+            <a:r>
+              <a:rPr lang="fr-FR" sz="1600" b="1" dirty="0">
+                <a:solidFill>
+                  <a:schemeClr val="tx1"/>
+                </a:solidFill>
+                <a:ea typeface="JetBrains Mono" panose="02000009000000000000" pitchFamily="49" charset="0"/>
+                <a:cs typeface="Courier New" panose="02070309020205020404" pitchFamily="49" charset="0"/>
+              </a:rPr>
+              <a:t>………………………………………………… (TTMA)</a:t>
+            </a:r>
+          </a:p>
+          <a:p>
+            <a:pPr marL="72000"/>
+            <a:endParaRPr lang="fr-FR" sz="1600" b="1" dirty="0">
+              <a:solidFill>
+                <a:schemeClr val="tx1"/>
+              </a:solidFill>
+              <a:ea typeface="JetBrains Mono" panose="02000009000000000000" pitchFamily="49" charset="0"/>
+              <a:cs typeface="Courier New" panose="02070309020205020404" pitchFamily="49" charset="0"/>
+            </a:endParaRPr>
+          </a:p>
+          <a:p>
+            <a:pPr marL="72000"/>
+            <a:r>
+              <a:rPr lang="fr-FR" sz="1600" b="1" dirty="0">
+                <a:solidFill>
+                  <a:schemeClr val="tx1"/>
+                </a:solidFill>
+                <a:ea typeface="JetBrains Mono" panose="02000009000000000000" pitchFamily="49" charset="0"/>
+                <a:cs typeface="Courier New" panose="02070309020205020404" pitchFamily="49" charset="0"/>
+              </a:rPr>
+              <a:t>Instructions :</a:t>
+            </a:r>
+          </a:p>
+          <a:p>
+            <a:pPr marL="72000"/>
+            <a:endParaRPr lang="fr-FR" sz="1600" b="1" dirty="0">
+              <a:solidFill>
+                <a:schemeClr val="tx1"/>
+              </a:solidFill>
+              <a:ea typeface="JetBrains Mono" panose="02000009000000000000" pitchFamily="49" charset="0"/>
+              <a:cs typeface="Courier New" panose="02070309020205020404" pitchFamily="49" charset="0"/>
+            </a:endParaRPr>
+          </a:p>
+          <a:p>
+            <a:pPr marL="72000"/>
+            <a:r>
+              <a:rPr lang="fr-FR" sz="1600" dirty="0">
+                <a:solidFill>
+                  <a:schemeClr val="tx1"/>
+                </a:solidFill>
+                <a:ea typeface="JetBrains Mono" panose="02000009000000000000" pitchFamily="49" charset="0"/>
+                <a:cs typeface="Courier New" panose="02070309020205020404" pitchFamily="49" charset="0"/>
+              </a:rPr>
+              <a:t>Débiter, plaquer et affleurer les portes de l’ouvrage</a:t>
+            </a:r>
+          </a:p>
+          <a:p>
+            <a:pPr marL="72000"/>
+            <a:endParaRPr lang="fr-FR" sz="1600" b="1" dirty="0">
+              <a:solidFill>
+                <a:schemeClr val="tx1"/>
+              </a:solidFill>
+              <a:ea typeface="JetBrains Mono" panose="02000009000000000000" pitchFamily="49" charset="0"/>
+              <a:cs typeface="Courier New" panose="02070309020205020404" pitchFamily="49" charset="0"/>
+            </a:endParaRPr>
+          </a:p>
+          <a:p>
+            <a:pPr marL="72000"/>
+            <a:r>
+              <a:rPr lang="fr-FR" sz="1600" b="1" dirty="0">
+                <a:solidFill>
+                  <a:schemeClr val="tx1"/>
+                </a:solidFill>
+                <a:ea typeface="JetBrains Mono" panose="02000009000000000000" pitchFamily="49" charset="0"/>
+                <a:cs typeface="Courier New" panose="02070309020205020404" pitchFamily="49" charset="0"/>
+              </a:rPr>
+              <a:t>A Vérifier :</a:t>
+            </a:r>
+          </a:p>
+          <a:p>
+            <a:pPr marL="72000"/>
+            <a:endParaRPr lang="fr-FR" sz="1600" b="1" dirty="0">
+              <a:solidFill>
+                <a:schemeClr val="tx1"/>
+              </a:solidFill>
+              <a:ea typeface="JetBrains Mono" panose="02000009000000000000" pitchFamily="49" charset="0"/>
+              <a:cs typeface="Courier New" panose="02070309020205020404" pitchFamily="49" charset="0"/>
+            </a:endParaRPr>
+          </a:p>
+          <a:p>
+            <a:pPr marL="72000"/>
+            <a:r>
+              <a:rPr lang="fr-FR" sz="1600" dirty="0">
+                <a:solidFill>
+                  <a:schemeClr val="tx1"/>
+                </a:solidFill>
+                <a:ea typeface="JetBrains Mono" panose="02000009000000000000" pitchFamily="49" charset="0"/>
+                <a:cs typeface="Courier New" panose="02070309020205020404" pitchFamily="49" charset="0"/>
+              </a:rPr>
+              <a:t>Les portes sont débités et respectent les mesures du caisson</a:t>
+            </a:r>
+          </a:p>
+          <a:p>
+            <a:pPr marL="72000"/>
+            <a:endParaRPr lang="fr-FR" sz="1600" dirty="0">
+              <a:solidFill>
+                <a:schemeClr val="tx1"/>
+              </a:solidFill>
+              <a:ea typeface="JetBrains Mono" panose="02000009000000000000" pitchFamily="49" charset="0"/>
+              <a:cs typeface="Courier New" panose="02070309020205020404" pitchFamily="49" charset="0"/>
+            </a:endParaRPr>
+          </a:p>
+          <a:p>
+            <a:pPr marL="72000"/>
+            <a:r>
+              <a:rPr lang="fr-FR" sz="1600" dirty="0">
+                <a:solidFill>
+                  <a:schemeClr val="tx1"/>
+                </a:solidFill>
+                <a:ea typeface="JetBrains Mono" panose="02000009000000000000" pitchFamily="49" charset="0"/>
+                <a:cs typeface="Courier New" panose="02070309020205020404" pitchFamily="49" charset="0"/>
+              </a:rPr>
+              <a:t>Les portes sont plaqués des deux cotés</a:t>
+            </a:r>
+          </a:p>
+          <a:p>
+            <a:pPr marL="72000"/>
+            <a:endParaRPr lang="fr-FR" sz="1600" dirty="0"/>
+          </a:p>
+          <a:p>
+            <a:pPr marL="72000"/>
+            <a:r>
+              <a:rPr lang="fr-FR" sz="1600" dirty="0"/>
+              <a:t>La placage n’est pas vif sur les arrêtes du meubles, un chanfrein ou un ponçage a été réalisé</a:t>
+            </a:r>
+          </a:p>
+          <a:p>
+            <a:pPr marL="72000"/>
+            <a:endParaRPr lang="fr-FR" sz="1600" dirty="0"/>
+          </a:p>
+          <a:p>
+            <a:pPr marL="72000"/>
+            <a:r>
+              <a:rPr lang="fr-FR" sz="1600" dirty="0"/>
+              <a:t>Le placage doit être parfaitement appliqué, sans laisser apparaître de traces de colle, de perforations ou d'écarts sur les arêtes des portes</a:t>
+            </a:r>
+          </a:p>
+          <a:p>
+            <a:pPr marL="72000"/>
+            <a:endParaRPr lang="fr-FR" sz="1600" dirty="0"/>
+          </a:p>
+          <a:p>
+            <a:pPr marL="72000"/>
+            <a:r>
+              <a:rPr lang="fr-FR" sz="1600" dirty="0"/>
+              <a:t>Les portes sont poncés et prêtent à accueillir la finition</a:t>
+            </a:r>
+          </a:p>
+          <a:p>
+            <a:pPr marL="72000"/>
+            <a:endParaRPr lang="fr-FR" sz="1600" dirty="0">
+              <a:solidFill>
+                <a:schemeClr val="tx1"/>
+              </a:solidFill>
+              <a:ea typeface="JetBrains Mono" panose="02000009000000000000" pitchFamily="49" charset="0"/>
+              <a:cs typeface="Courier New" panose="02070309020205020404" pitchFamily="49" charset="0"/>
+            </a:endParaRPr>
+          </a:p>
+          <a:p>
+            <a:pPr marL="72000"/>
+            <a:endParaRPr lang="fr-FR" sz="1600" dirty="0">
+              <a:solidFill>
+                <a:schemeClr val="tx1"/>
+              </a:solidFill>
+              <a:ea typeface="JetBrains Mono" panose="02000009000000000000" pitchFamily="49" charset="0"/>
+              <a:cs typeface="Courier New" panose="02070309020205020404" pitchFamily="49" charset="0"/>
+            </a:endParaRPr>
+          </a:p>
+          <a:p>
+            <a:pPr marL="72000"/>
+            <a:endParaRPr lang="fr-FR" sz="1600" dirty="0">
+              <a:solidFill>
+                <a:schemeClr val="tx1"/>
+              </a:solidFill>
+              <a:ea typeface="JetBrains Mono" panose="02000009000000000000" pitchFamily="49" charset="0"/>
+              <a:cs typeface="Courier New" panose="02070309020205020404" pitchFamily="49" charset="0"/>
+            </a:endParaRPr>
+          </a:p>
+          <a:p>
+            <a:pPr marL="72000"/>
+            <a:endParaRPr lang="fr-FR" sz="1600" dirty="0">
+              <a:solidFill>
+                <a:schemeClr val="tx1"/>
+              </a:solidFill>
+              <a:ea typeface="JetBrains Mono" panose="02000009000000000000" pitchFamily="49" charset="0"/>
+              <a:cs typeface="Courier New" panose="02070309020205020404" pitchFamily="49" charset="0"/>
+            </a:endParaRPr>
+          </a:p>
+        </p:txBody>
+      </p:sp>
+      <p:sp>
+        <p:nvSpPr>
+          <p:cNvPr id="19" name="Rectangle 18"/>
+          <p:cNvSpPr/>
+          <p:nvPr/>
+        </p:nvSpPr>
+        <p:spPr>
+          <a:xfrm>
+            <a:off x="11213630" y="1390649"/>
+            <a:ext cx="3726044" cy="9229231"/>
+          </a:xfrm>
+          <a:prstGeom prst="rect">
+            <a:avLst/>
+          </a:prstGeom>
+          <a:ln w="57150"/>
+        </p:spPr>
+        <p:style>
+          <a:lnRef idx="2">
+            <a:schemeClr val="dk1"/>
+          </a:lnRef>
+          <a:fillRef idx="1">
+            <a:schemeClr val="lt1"/>
+          </a:fillRef>
+          <a:effectRef idx="0">
+            <a:schemeClr val="dk1"/>
+          </a:effectRef>
+          <a:fontRef idx="minor">
+            <a:schemeClr val="dk1"/>
+          </a:fontRef>
+        </p:style>
+        <p:txBody>
+          <a:bodyPr rtlCol="0" anchor="ctr"/>
+          <a:lstStyle/>
+          <a:p>
+            <a:r>
+              <a:rPr lang="fr-FR" sz="1400" b="1" dirty="0"/>
+              <a:t>Compétences évaluées :</a:t>
+            </a:r>
+          </a:p>
+          <a:p>
+            <a:endParaRPr lang="fr-FR" sz="1400" b="1" dirty="0"/>
+          </a:p>
+          <a:p>
+            <a:r>
+              <a:rPr lang="fr-FR" sz="1400" b="1" dirty="0"/>
+              <a:t>C3.6 Conduire les opérations de montage et de finition</a:t>
+            </a:r>
+          </a:p>
+          <a:p>
+            <a:r>
+              <a:rPr lang="fr-FR" sz="1400" b="1" dirty="0"/>
+              <a:t>	Sous-compétences :</a:t>
+            </a:r>
+          </a:p>
+          <a:p>
+            <a:r>
+              <a:rPr lang="fr-FR" sz="1400" b="1" dirty="0"/>
+              <a:t>	</a:t>
+            </a:r>
+            <a:r>
+              <a:rPr lang="fr-FR" sz="1400" dirty="0"/>
+              <a:t>C3.62 Cadrer, monter et</a:t>
+            </a:r>
+          </a:p>
+          <a:p>
+            <a:r>
+              <a:rPr lang="fr-FR" sz="1400" dirty="0"/>
+              <a:t>	solidariser les sous-</a:t>
+            </a:r>
+          </a:p>
+          <a:p>
+            <a:r>
+              <a:rPr lang="fr-FR" sz="1400" dirty="0"/>
+              <a:t>	ensembles</a:t>
+            </a:r>
+          </a:p>
+          <a:p>
+            <a:r>
+              <a:rPr lang="fr-FR" sz="1400" dirty="0"/>
+              <a:t>	C3.65 Contrôler en cours, en fin</a:t>
+            </a:r>
+          </a:p>
+          <a:p>
+            <a:r>
+              <a:rPr lang="fr-FR" sz="1400" dirty="0"/>
+              <a:t>	de montage et de finition :</a:t>
+            </a:r>
+          </a:p>
+          <a:p>
+            <a:r>
+              <a:rPr lang="fr-FR" sz="1400" dirty="0"/>
+              <a:t>	les caractéristiques</a:t>
+            </a:r>
+          </a:p>
+          <a:p>
+            <a:r>
+              <a:rPr lang="fr-FR" sz="1400" dirty="0"/>
+              <a:t>	fonctionnelles,</a:t>
+            </a:r>
+          </a:p>
+          <a:p>
+            <a:r>
+              <a:rPr lang="fr-FR" sz="1400" dirty="0"/>
+              <a:t>	dimensionnelles,</a:t>
+            </a:r>
+          </a:p>
+          <a:p>
+            <a:r>
+              <a:rPr lang="fr-FR" sz="1400" dirty="0"/>
+              <a:t>	géométriques, esthétiques</a:t>
+            </a:r>
+          </a:p>
+          <a:p>
+            <a:endParaRPr lang="fr-FR" sz="1400" b="1" dirty="0"/>
+          </a:p>
+          <a:p>
+            <a:r>
+              <a:rPr lang="fr-FR" sz="1400" b="1" dirty="0"/>
+              <a:t>C3.5 Conduire les opérations de mise en forme et de placage</a:t>
+            </a:r>
+          </a:p>
+          <a:p>
+            <a:r>
+              <a:rPr lang="fr-FR" sz="1400" b="1" dirty="0"/>
+              <a:t>	</a:t>
+            </a:r>
+            <a:r>
+              <a:rPr lang="fr-FR" sz="1400" dirty="0"/>
+              <a:t>C3.52 Encoller et/ou insérer les</a:t>
+            </a:r>
+          </a:p>
+          <a:p>
+            <a:r>
+              <a:rPr lang="fr-FR" sz="1400" dirty="0"/>
+              <a:t>	pièces et les composants</a:t>
+            </a:r>
+          </a:p>
+          <a:p>
+            <a:r>
+              <a:rPr lang="fr-FR" sz="1400" dirty="0"/>
+              <a:t>	C3.54 Contrôler les</a:t>
+            </a:r>
+          </a:p>
+          <a:p>
+            <a:r>
+              <a:rPr lang="fr-FR" sz="1400" dirty="0"/>
+              <a:t>	caractéristiques</a:t>
+            </a:r>
+          </a:p>
+          <a:p>
+            <a:r>
+              <a:rPr lang="fr-FR" sz="1400" dirty="0"/>
+              <a:t>	mécaniques</a:t>
+            </a:r>
+          </a:p>
+          <a:p>
+            <a:r>
+              <a:rPr lang="fr-FR" sz="1400" dirty="0"/>
+              <a:t>	dimensionnelles,</a:t>
+            </a:r>
+          </a:p>
+          <a:p>
+            <a:r>
+              <a:rPr lang="fr-FR" sz="1400" dirty="0"/>
+              <a:t>	géométriques et esthétique</a:t>
+            </a:r>
+          </a:p>
+          <a:p>
+            <a:endParaRPr lang="fr-FR" sz="1400" b="1" dirty="0"/>
+          </a:p>
+          <a:p>
+            <a:pPr lvl="2"/>
+            <a:endParaRPr lang="fr-FR" sz="1400" dirty="0"/>
+          </a:p>
+        </p:txBody>
+      </p:sp>
+      <p:sp>
+        <p:nvSpPr>
+          <p:cNvPr id="24" name="Rectangle 23"/>
+          <p:cNvSpPr/>
+          <p:nvPr/>
+        </p:nvSpPr>
+        <p:spPr>
+          <a:xfrm>
+            <a:off x="11213629" y="179881"/>
+            <a:ext cx="3726045" cy="1067028"/>
+          </a:xfrm>
+          <a:prstGeom prst="rect">
+            <a:avLst/>
+          </a:prstGeom>
+          <a:ln w="57150"/>
+        </p:spPr>
+        <p:style>
+          <a:lnRef idx="2">
+            <a:schemeClr val="dk1"/>
+          </a:lnRef>
+          <a:fillRef idx="1">
+            <a:schemeClr val="lt1"/>
+          </a:fillRef>
+          <a:effectRef idx="0">
+            <a:schemeClr val="dk1"/>
+          </a:effectRef>
+          <a:fontRef idx="minor">
+            <a:schemeClr val="dk1"/>
+          </a:fontRef>
+        </p:style>
+        <p:txBody>
+          <a:bodyPr rtlCol="0" anchor="ctr"/>
+          <a:lstStyle/>
+          <a:p>
+            <a:pPr algn="ctr"/>
+            <a:r>
+              <a:rPr lang="fr-FR" sz="1600" spc="300" dirty="0">
+                <a:latin typeface="Comic Sans MS" panose="030F0702030302020204" pitchFamily="66" charset="0"/>
+                <a:ea typeface="JetBrains Mono" panose="02000009000000000000" pitchFamily="49" charset="0"/>
+                <a:cs typeface="JetBrains Mono" panose="02000009000000000000" pitchFamily="49" charset="0"/>
+              </a:rPr>
+              <a:t>Technicien</a:t>
+            </a:r>
+          </a:p>
+          <a:p>
+            <a:pPr algn="ctr"/>
+            <a:r>
+              <a:rPr lang="fr-FR" sz="1600" spc="300" dirty="0">
+                <a:latin typeface="Comic Sans MS" panose="030F0702030302020204" pitchFamily="66" charset="0"/>
+                <a:ea typeface="JetBrains Mono" panose="02000009000000000000" pitchFamily="49" charset="0"/>
+                <a:cs typeface="JetBrains Mono" panose="02000009000000000000" pitchFamily="49" charset="0"/>
+              </a:rPr>
+              <a:t>Menuisier Agenceur</a:t>
+            </a:r>
+          </a:p>
+        </p:txBody>
+      </p:sp>
+      <p:sp>
+        <p:nvSpPr>
+          <p:cNvPr id="25" name="Rectangle 24"/>
+          <p:cNvSpPr/>
+          <p:nvPr/>
+        </p:nvSpPr>
+        <p:spPr>
+          <a:xfrm>
+            <a:off x="142517" y="179881"/>
+            <a:ext cx="3763201" cy="1067028"/>
+          </a:xfrm>
+          <a:prstGeom prst="rect">
+            <a:avLst/>
+          </a:prstGeom>
+          <a:ln w="57150"/>
+        </p:spPr>
+        <p:style>
+          <a:lnRef idx="2">
+            <a:schemeClr val="dk1"/>
+          </a:lnRef>
+          <a:fillRef idx="1">
+            <a:schemeClr val="lt1"/>
+          </a:fillRef>
+          <a:effectRef idx="0">
+            <a:schemeClr val="dk1"/>
+          </a:effectRef>
+          <a:fontRef idx="minor">
+            <a:schemeClr val="dk1"/>
+          </a:fontRef>
+        </p:style>
+        <p:txBody>
+          <a:bodyPr rtlCol="0" anchor="ctr"/>
+          <a:lstStyle/>
+          <a:p>
+            <a:pPr algn="ctr"/>
+            <a:r>
+              <a:rPr lang="fr-FR" b="1" dirty="0">
+                <a:latin typeface="Comic Sans MS" panose="030F0702030302020204" pitchFamily="66" charset="0"/>
+                <a:ea typeface="JetBrains Mono" panose="02000009000000000000" pitchFamily="49" charset="0"/>
+                <a:cs typeface="JetBrains Mono" panose="02000009000000000000" pitchFamily="49" charset="0"/>
+              </a:rPr>
+              <a:t>Sujet : fabrication et installation des portes</a:t>
+            </a:r>
+          </a:p>
+        </p:txBody>
+      </p:sp>
+      <p:graphicFrame>
+        <p:nvGraphicFramePr>
+          <p:cNvPr id="2" name="Table 1">
+            <a:extLst>
+              <a:ext uri="{FF2B5EF4-FFF2-40B4-BE49-F238E27FC236}">
+                <a16:creationId xmlns:a16="http://schemas.microsoft.com/office/drawing/2014/main" id="{AFCB8B3A-B6F8-4548-A2DA-06057CDA9A4C}"/>
+              </a:ext>
+            </a:extLst>
+          </p:cNvPr>
+          <p:cNvGraphicFramePr>
+            <a:graphicFrameLocks noGrp="1"/>
+          </p:cNvGraphicFramePr>
+          <p:nvPr>
+            <p:extLst/>
+          </p:nvPr>
+        </p:nvGraphicFramePr>
+        <p:xfrm>
+          <a:off x="4039556" y="944558"/>
+          <a:ext cx="7040233" cy="9675322"/>
+        </p:xfrm>
+        <a:graphic>
+          <a:graphicData uri="http://schemas.openxmlformats.org/drawingml/2006/table">
+            <a:tbl>
+              <a:tblPr firstRow="1" bandRow="1">
+                <a:tableStyleId>{5940675A-B579-460E-94D1-54222C63F5DA}</a:tableStyleId>
+              </a:tblPr>
+              <a:tblGrid>
+                <a:gridCol w="2253173">
+                  <a:extLst>
+                    <a:ext uri="{9D8B030D-6E8A-4147-A177-3AD203B41FA5}">
+                      <a16:colId xmlns:a16="http://schemas.microsoft.com/office/drawing/2014/main" val="2787692130"/>
+                    </a:ext>
+                  </a:extLst>
+                </a:gridCol>
+                <a:gridCol w="957412">
+                  <a:extLst>
+                    <a:ext uri="{9D8B030D-6E8A-4147-A177-3AD203B41FA5}">
+                      <a16:colId xmlns:a16="http://schemas.microsoft.com/office/drawing/2014/main" val="607649727"/>
+                    </a:ext>
+                  </a:extLst>
+                </a:gridCol>
+                <a:gridCol w="957412">
+                  <a:extLst>
+                    <a:ext uri="{9D8B030D-6E8A-4147-A177-3AD203B41FA5}">
+                      <a16:colId xmlns:a16="http://schemas.microsoft.com/office/drawing/2014/main" val="2879588787"/>
+                    </a:ext>
+                  </a:extLst>
+                </a:gridCol>
+                <a:gridCol w="957412">
+                  <a:extLst>
+                    <a:ext uri="{9D8B030D-6E8A-4147-A177-3AD203B41FA5}">
+                      <a16:colId xmlns:a16="http://schemas.microsoft.com/office/drawing/2014/main" val="963493659"/>
+                    </a:ext>
+                  </a:extLst>
+                </a:gridCol>
+                <a:gridCol w="957412">
+                  <a:extLst>
+                    <a:ext uri="{9D8B030D-6E8A-4147-A177-3AD203B41FA5}">
+                      <a16:colId xmlns:a16="http://schemas.microsoft.com/office/drawing/2014/main" val="283199609"/>
+                    </a:ext>
+                  </a:extLst>
+                </a:gridCol>
+                <a:gridCol w="957412">
+                  <a:extLst>
+                    <a:ext uri="{9D8B030D-6E8A-4147-A177-3AD203B41FA5}">
+                      <a16:colId xmlns:a16="http://schemas.microsoft.com/office/drawing/2014/main" val="3524401581"/>
+                    </a:ext>
+                  </a:extLst>
+                </a:gridCol>
+              </a:tblGrid>
+              <a:tr h="1371600">
+                <a:tc>
+                  <a:txBody>
+                    <a:bodyPr/>
+                    <a:lstStyle/>
+                    <a:p>
+                      <a:pPr algn="ctr"/>
+                      <a:r>
+                        <a:rPr lang="fr-FR" sz="1400" dirty="0">
+                          <a:solidFill>
+                            <a:schemeClr val="bg1"/>
+                          </a:solidFill>
+                        </a:rPr>
+                        <a:t>Critère évalué</a:t>
+                      </a:r>
+                    </a:p>
+                  </a:txBody>
+                  <a:tcPr anchor="ctr">
+                    <a:solidFill>
+                      <a:schemeClr val="tx1"/>
+                    </a:solidFill>
+                  </a:tcPr>
+                </a:tc>
+                <a:tc>
+                  <a:txBody>
+                    <a:bodyPr/>
+                    <a:lstStyle/>
+                    <a:p>
+                      <a:pPr algn="ctr"/>
+                      <a:r>
+                        <a:rPr lang="fr-FR" sz="900" dirty="0"/>
+                        <a:t>Absence</a:t>
+                      </a:r>
+                    </a:p>
+                  </a:txBody>
+                  <a:tcPr anchor="ctr">
+                    <a:solidFill>
+                      <a:schemeClr val="bg2">
+                        <a:lumMod val="75000"/>
+                      </a:schemeClr>
+                    </a:solidFill>
+                  </a:tcPr>
+                </a:tc>
+                <a:tc>
+                  <a:txBody>
+                    <a:bodyPr/>
+                    <a:lstStyle/>
+                    <a:p>
+                      <a:pPr algn="ctr"/>
+                      <a:r>
+                        <a:rPr lang="fr-FR" sz="900" dirty="0"/>
+                        <a:t>Non maitrisé</a:t>
+                      </a:r>
+                    </a:p>
+                  </a:txBody>
+                  <a:tcPr anchor="ctr">
+                    <a:solidFill>
+                      <a:srgbClr val="FF0000"/>
+                    </a:solidFill>
+                  </a:tcPr>
+                </a:tc>
+                <a:tc>
+                  <a:txBody>
+                    <a:bodyPr/>
+                    <a:lstStyle/>
+                    <a:p>
+                      <a:pPr algn="ctr"/>
+                      <a:r>
+                        <a:rPr lang="fr-FR" sz="900" dirty="0"/>
+                        <a:t>Moyennement acquis</a:t>
+                      </a:r>
+                    </a:p>
+                  </a:txBody>
+                  <a:tcPr anchor="ctr">
+                    <a:solidFill>
+                      <a:schemeClr val="accent4"/>
+                    </a:solidFill>
+                  </a:tcPr>
+                </a:tc>
+                <a:tc>
+                  <a:txBody>
+                    <a:bodyPr/>
+                    <a:lstStyle/>
+                    <a:p>
+                      <a:pPr algn="ctr"/>
+                      <a:r>
+                        <a:rPr lang="fr-FR" sz="900" dirty="0"/>
+                        <a:t>satisfaisant</a:t>
+                      </a:r>
+                    </a:p>
+                  </a:txBody>
+                  <a:tcPr anchor="ctr">
+                    <a:solidFill>
+                      <a:srgbClr val="FFFF00"/>
+                    </a:solidFill>
+                  </a:tcPr>
+                </a:tc>
+                <a:tc>
+                  <a:txBody>
+                    <a:bodyPr/>
+                    <a:lstStyle/>
+                    <a:p>
+                      <a:pPr algn="ctr"/>
+                      <a:r>
+                        <a:rPr lang="fr-FR" sz="900" dirty="0"/>
+                        <a:t>Très satisfaisant</a:t>
+                      </a:r>
+                    </a:p>
+                  </a:txBody>
+                  <a:tcPr anchor="ctr">
+                    <a:solidFill>
+                      <a:schemeClr val="accent6"/>
+                    </a:solidFill>
+                  </a:tcPr>
+                </a:tc>
+                <a:extLst>
+                  <a:ext uri="{0D108BD9-81ED-4DB2-BD59-A6C34878D82A}">
+                    <a16:rowId xmlns:a16="http://schemas.microsoft.com/office/drawing/2014/main" val="3340223667"/>
+                  </a:ext>
+                </a:extLst>
+              </a:tr>
+              <a:tr h="1186246">
+                <a:tc>
+                  <a:txBody>
+                    <a:bodyPr/>
+                    <a:lstStyle/>
+                    <a:p>
+                      <a:pPr marL="0" marR="0" lvl="0" indent="0" algn="l" defTabSz="1439997" rtl="0" eaLnBrk="1" fontAlgn="auto" latinLnBrk="0" hangingPunct="1">
+                        <a:lnSpc>
+                          <a:spcPct val="100000"/>
+                        </a:lnSpc>
+                        <a:spcBef>
+                          <a:spcPts val="0"/>
+                        </a:spcBef>
+                        <a:spcAft>
+                          <a:spcPts val="0"/>
+                        </a:spcAft>
+                        <a:buClrTx/>
+                        <a:buSzTx/>
+                        <a:buFontTx/>
+                        <a:buNone/>
+                        <a:tabLst/>
+                        <a:defRPr/>
+                      </a:pPr>
+                      <a:r>
+                        <a:rPr lang="fr-FR" sz="1400" dirty="0"/>
+                        <a:t>Les portes sont plaquées des deux cotés (4 pts)</a:t>
+                      </a:r>
+                    </a:p>
+                  </a:txBody>
+                  <a:tcPr anchor="ctr"/>
+                </a:tc>
+                <a:tc>
+                  <a:txBody>
+                    <a:bodyPr/>
+                    <a:lstStyle/>
+                    <a:p>
+                      <a:endParaRPr lang="fr-FR" sz="1400" dirty="0"/>
+                    </a:p>
+                  </a:txBody>
+                  <a:tcPr anchor="ctr">
+                    <a:blipFill>
+                      <a:blip r:embed="rId2"/>
+                      <a:tile tx="0" ty="0" sx="100000" sy="100000" flip="none" algn="tl"/>
+                    </a:blipFill>
+                  </a:tcPr>
+                </a:tc>
+                <a:tc>
+                  <a:txBody>
+                    <a:bodyPr/>
+                    <a:lstStyle/>
+                    <a:p>
+                      <a:pPr algn="ctr"/>
+                      <a:r>
+                        <a:rPr lang="fr-FR" sz="900" dirty="0"/>
+                        <a:t>Non effectué</a:t>
+                      </a:r>
+                    </a:p>
+                  </a:txBody>
+                  <a:tcPr anchor="ctr">
+                    <a:noFill/>
+                  </a:tcPr>
+                </a:tc>
+                <a:tc>
+                  <a:txBody>
+                    <a:bodyPr/>
+                    <a:lstStyle/>
+                    <a:p>
+                      <a:pPr algn="ctr"/>
+                      <a:endParaRPr lang="fr-FR" sz="900" dirty="0"/>
+                    </a:p>
+                  </a:txBody>
+                  <a:tcPr anchor="ctr">
+                    <a:solidFill>
+                      <a:schemeClr val="bg1">
+                        <a:lumMod val="65000"/>
+                      </a:schemeClr>
+                    </a:solidFill>
+                  </a:tcPr>
+                </a:tc>
+                <a:tc>
+                  <a:txBody>
+                    <a:bodyPr/>
+                    <a:lstStyle/>
+                    <a:p>
+                      <a:pPr algn="ctr"/>
+                      <a:endParaRPr lang="fr-FR" sz="900" dirty="0"/>
+                    </a:p>
+                  </a:txBody>
+                  <a:tcPr anchor="ctr">
+                    <a:solidFill>
+                      <a:schemeClr val="bg1">
+                        <a:lumMod val="65000"/>
+                      </a:schemeClr>
+                    </a:solidFill>
+                  </a:tcPr>
+                </a:tc>
+                <a:tc>
+                  <a:txBody>
+                    <a:bodyPr/>
+                    <a:lstStyle/>
+                    <a:p>
+                      <a:pPr algn="ctr"/>
+                      <a:r>
+                        <a:rPr lang="fr-FR" sz="900" dirty="0"/>
+                        <a:t>effectué</a:t>
+                      </a:r>
+                    </a:p>
+                  </a:txBody>
+                  <a:tcPr anchor="ctr"/>
+                </a:tc>
+                <a:extLst>
+                  <a:ext uri="{0D108BD9-81ED-4DB2-BD59-A6C34878D82A}">
+                    <a16:rowId xmlns:a16="http://schemas.microsoft.com/office/drawing/2014/main" val="3605164153"/>
+                  </a:ext>
+                </a:extLst>
+              </a:tr>
+              <a:tr h="1186246">
+                <a:tc>
+                  <a:txBody>
+                    <a:bodyPr/>
+                    <a:lstStyle/>
+                    <a:p>
+                      <a:r>
+                        <a:rPr lang="fr-FR" sz="1400" dirty="0"/>
+                        <a:t>Les portes sont débités aux cotes (4 pts)</a:t>
+                      </a:r>
+                    </a:p>
+                  </a:txBody>
+                  <a:tcPr anchor="ctr"/>
+                </a:tc>
+                <a:tc>
+                  <a:txBody>
+                    <a:bodyPr/>
+                    <a:lstStyle/>
+                    <a:p>
+                      <a:endParaRPr lang="fr-FR" sz="1400" dirty="0"/>
+                    </a:p>
+                  </a:txBody>
+                  <a:tcPr anchor="ctr">
+                    <a:blipFill>
+                      <a:blip r:embed="rId2"/>
+                      <a:tile tx="0" ty="0" sx="100000" sy="100000" flip="none" algn="tl"/>
+                    </a:blipFill>
+                  </a:tcPr>
+                </a:tc>
+                <a:tc>
+                  <a:txBody>
+                    <a:bodyPr/>
+                    <a:lstStyle/>
+                    <a:p>
+                      <a:pPr algn="ctr"/>
+                      <a:r>
+                        <a:rPr lang="fr-FR" sz="900" dirty="0"/>
+                        <a:t>Décalage de plus de 2 mm</a:t>
+                      </a:r>
+                    </a:p>
+                  </a:txBody>
+                  <a:tcPr anchor="ctr"/>
+                </a:tc>
+                <a:tc>
+                  <a:txBody>
+                    <a:bodyPr/>
+                    <a:lstStyle/>
+                    <a:p>
+                      <a:pPr algn="ctr"/>
+                      <a:r>
+                        <a:rPr lang="fr-FR" sz="900" dirty="0"/>
+                        <a:t>Décalage de </a:t>
+                      </a:r>
+                    </a:p>
+                    <a:p>
+                      <a:pPr algn="ctr"/>
+                      <a:r>
+                        <a:rPr lang="fr-FR" sz="900" dirty="0"/>
+                        <a:t>2 mm</a:t>
+                      </a:r>
+                    </a:p>
+                  </a:txBody>
+                  <a:tcPr anchor="ctr"/>
+                </a:tc>
+                <a:tc>
+                  <a:txBody>
+                    <a:bodyPr/>
+                    <a:lstStyle/>
+                    <a:p>
+                      <a:pPr algn="ctr"/>
+                      <a:r>
+                        <a:rPr lang="fr-FR" sz="900" dirty="0"/>
+                        <a:t>Décalage de </a:t>
+                      </a:r>
+                    </a:p>
+                    <a:p>
+                      <a:pPr algn="ctr"/>
+                      <a:r>
+                        <a:rPr lang="fr-FR" sz="900" dirty="0"/>
+                        <a:t>1 mm</a:t>
+                      </a:r>
+                    </a:p>
+                  </a:txBody>
+                  <a:tcPr anchor="ctr"/>
+                </a:tc>
+                <a:tc>
+                  <a:txBody>
+                    <a:bodyPr/>
+                    <a:lstStyle/>
+                    <a:p>
+                      <a:pPr algn="ctr"/>
+                      <a:r>
+                        <a:rPr lang="fr-FR" sz="900" dirty="0"/>
+                        <a:t>Aucun décalage</a:t>
+                      </a:r>
+                    </a:p>
+                  </a:txBody>
+                  <a:tcPr anchor="ctr"/>
+                </a:tc>
+                <a:extLst>
+                  <a:ext uri="{0D108BD9-81ED-4DB2-BD59-A6C34878D82A}">
+                    <a16:rowId xmlns:a16="http://schemas.microsoft.com/office/drawing/2014/main" val="2998772913"/>
+                  </a:ext>
+                </a:extLst>
+              </a:tr>
+              <a:tr h="1186246">
+                <a:tc>
+                  <a:txBody>
+                    <a:bodyPr/>
+                    <a:lstStyle/>
+                    <a:p>
+                      <a:endParaRPr lang="fr-FR" sz="1400" dirty="0">
+                        <a:highlight>
+                          <a:srgbClr val="FFFF00"/>
+                        </a:highlight>
+                      </a:endParaRPr>
+                    </a:p>
+                  </a:txBody>
+                  <a:tcPr anchor="ctr">
+                    <a:solidFill>
+                      <a:srgbClr val="A6A6A6"/>
+                    </a:solidFill>
+                  </a:tcPr>
+                </a:tc>
+                <a:tc>
+                  <a:txBody>
+                    <a:bodyPr/>
+                    <a:lstStyle/>
+                    <a:p>
+                      <a:endParaRPr lang="fr-FR" sz="1400" dirty="0"/>
+                    </a:p>
+                  </a:txBody>
+                  <a:tcPr anchor="ctr">
+                    <a:solidFill>
+                      <a:srgbClr val="A6A6A6"/>
+                    </a:solidFill>
+                  </a:tcPr>
+                </a:tc>
+                <a:tc>
+                  <a:txBody>
+                    <a:bodyPr/>
+                    <a:lstStyle/>
+                    <a:p>
+                      <a:pPr algn="ctr"/>
+                      <a:endParaRPr lang="fr-FR" sz="900" dirty="0"/>
+                    </a:p>
+                  </a:txBody>
+                  <a:tcPr anchor="ctr">
+                    <a:solidFill>
+                      <a:srgbClr val="A6A6A6"/>
+                    </a:solidFill>
+                  </a:tcPr>
+                </a:tc>
+                <a:tc>
+                  <a:txBody>
+                    <a:bodyPr/>
+                    <a:lstStyle/>
+                    <a:p>
+                      <a:pPr algn="ctr"/>
+                      <a:endParaRPr lang="fr-FR" sz="900" dirty="0"/>
+                    </a:p>
+                  </a:txBody>
+                  <a:tcPr anchor="ctr">
+                    <a:solidFill>
+                      <a:srgbClr val="A6A6A6"/>
+                    </a:solidFill>
+                  </a:tcPr>
+                </a:tc>
+                <a:tc>
+                  <a:txBody>
+                    <a:bodyPr/>
+                    <a:lstStyle/>
+                    <a:p>
+                      <a:pPr algn="ctr"/>
+                      <a:endParaRPr lang="fr-FR" sz="900" dirty="0"/>
+                    </a:p>
+                  </a:txBody>
+                  <a:tcPr anchor="ctr">
+                    <a:solidFill>
+                      <a:srgbClr val="A6A6A6"/>
+                    </a:solidFill>
+                  </a:tcPr>
+                </a:tc>
+                <a:tc>
+                  <a:txBody>
+                    <a:bodyPr/>
+                    <a:lstStyle/>
+                    <a:p>
+                      <a:pPr algn="ctr"/>
+                      <a:endParaRPr lang="fr-FR" sz="900" dirty="0"/>
+                    </a:p>
+                  </a:txBody>
+                  <a:tcPr anchor="ctr">
+                    <a:solidFill>
+                      <a:srgbClr val="A6A6A6"/>
+                    </a:solidFill>
+                  </a:tcPr>
+                </a:tc>
+                <a:extLst>
+                  <a:ext uri="{0D108BD9-81ED-4DB2-BD59-A6C34878D82A}">
+                    <a16:rowId xmlns:a16="http://schemas.microsoft.com/office/drawing/2014/main" val="263690387"/>
+                  </a:ext>
+                </a:extLst>
+              </a:tr>
+              <a:tr h="1186246">
+                <a:tc>
+                  <a:txBody>
+                    <a:bodyPr/>
+                    <a:lstStyle/>
+                    <a:p>
+                      <a:pPr marL="0" marR="0" lvl="0" indent="0" algn="l" defTabSz="1439997" rtl="0" eaLnBrk="1" fontAlgn="auto" latinLnBrk="0" hangingPunct="1">
+                        <a:lnSpc>
+                          <a:spcPct val="100000"/>
+                        </a:lnSpc>
+                        <a:spcBef>
+                          <a:spcPts val="0"/>
+                        </a:spcBef>
+                        <a:spcAft>
+                          <a:spcPts val="0"/>
+                        </a:spcAft>
+                        <a:buClrTx/>
+                        <a:buSzTx/>
+                        <a:buFontTx/>
+                        <a:buNone/>
+                        <a:tabLst/>
+                        <a:defRPr/>
+                      </a:pPr>
+                      <a:r>
+                        <a:rPr lang="fr-FR" sz="1400" dirty="0"/>
+                        <a:t>Le placage est parfaitement appliqué. </a:t>
+                      </a:r>
+                    </a:p>
+                    <a:p>
+                      <a:r>
+                        <a:rPr lang="fr-FR" sz="1400" dirty="0"/>
+                        <a:t>(4 pts)</a:t>
+                      </a:r>
+                    </a:p>
+                  </a:txBody>
+                  <a:tcPr anchor="ctr"/>
+                </a:tc>
+                <a:tc>
+                  <a:txBody>
+                    <a:bodyPr/>
+                    <a:lstStyle/>
+                    <a:p>
+                      <a:endParaRPr lang="fr-FR" sz="1400" dirty="0"/>
+                    </a:p>
+                  </a:txBody>
+                  <a:tcPr anchor="ctr">
+                    <a:blipFill>
+                      <a:blip r:embed="rId2"/>
+                      <a:tile tx="0" ty="0" sx="100000" sy="100000" flip="none" algn="tl"/>
+                    </a:blipFill>
+                  </a:tcPr>
+                </a:tc>
+                <a:tc>
+                  <a:txBody>
+                    <a:bodyPr/>
+                    <a:lstStyle/>
+                    <a:p>
+                      <a:pPr algn="ctr"/>
+                      <a:r>
+                        <a:rPr lang="fr-FR" sz="900" dirty="0"/>
+                        <a:t>Il y a plus d’une trace de colle, plus d’une arrête n’est pas fermée</a:t>
+                      </a:r>
+                    </a:p>
+                  </a:txBody>
+                  <a:tcPr anchor="ctr"/>
+                </a:tc>
+                <a:tc>
+                  <a:txBody>
+                    <a:bodyPr/>
+                    <a:lstStyle/>
+                    <a:p>
+                      <a:pPr algn="ctr"/>
+                      <a:endParaRPr lang="fr-FR" sz="900" dirty="0"/>
+                    </a:p>
+                  </a:txBody>
+                  <a:tcPr anchor="ctr">
+                    <a:solidFill>
+                      <a:srgbClr val="A6A6A6"/>
+                    </a:solidFill>
+                  </a:tcPr>
+                </a:tc>
+                <a:tc>
+                  <a:txBody>
+                    <a:bodyPr/>
+                    <a:lstStyle/>
+                    <a:p>
+                      <a:pPr algn="ctr"/>
+                      <a:r>
+                        <a:rPr lang="fr-FR" sz="900" dirty="0"/>
+                        <a:t>Il y a une traces de colles ou une arrête n’est pas fermée </a:t>
+                      </a:r>
+                    </a:p>
+                  </a:txBody>
+                  <a:tcPr anchor="ctr"/>
+                </a:tc>
+                <a:tc>
+                  <a:txBody>
+                    <a:bodyPr/>
+                    <a:lstStyle/>
+                    <a:p>
+                      <a:pPr algn="ctr"/>
+                      <a:r>
+                        <a:rPr lang="fr-FR" sz="900" dirty="0"/>
+                        <a:t>Toute les arrêtes sont parfaitement fermées, la surface est propre</a:t>
+                      </a:r>
+                    </a:p>
+                  </a:txBody>
+                  <a:tcPr anchor="ctr"/>
+                </a:tc>
+                <a:extLst>
+                  <a:ext uri="{0D108BD9-81ED-4DB2-BD59-A6C34878D82A}">
+                    <a16:rowId xmlns:a16="http://schemas.microsoft.com/office/drawing/2014/main" val="1047825679"/>
+                  </a:ext>
+                </a:extLst>
+              </a:tr>
+              <a:tr h="1186246">
+                <a:tc>
+                  <a:txBody>
+                    <a:bodyPr/>
+                    <a:lstStyle/>
+                    <a:p>
+                      <a:pPr marL="0" marR="0" lvl="0" indent="0" algn="l" defTabSz="1439997" rtl="0" eaLnBrk="1" fontAlgn="auto" latinLnBrk="0" hangingPunct="1">
+                        <a:lnSpc>
+                          <a:spcPct val="100000"/>
+                        </a:lnSpc>
+                        <a:spcBef>
+                          <a:spcPts val="0"/>
+                        </a:spcBef>
+                        <a:spcAft>
+                          <a:spcPts val="0"/>
+                        </a:spcAft>
+                        <a:buClrTx/>
+                        <a:buSzTx/>
+                        <a:buFontTx/>
+                        <a:buNone/>
+                        <a:tabLst/>
+                        <a:defRPr/>
+                      </a:pPr>
+                      <a:r>
+                        <a:rPr lang="fr-FR" sz="1400" dirty="0"/>
+                        <a:t>La placage n’est pas vif sur les arrêtes du meubles, un chanfrein ou un ponçage a été réalisé</a:t>
+                      </a:r>
+                    </a:p>
+                    <a:p>
+                      <a:r>
+                        <a:rPr lang="fr-FR" sz="1400" dirty="0"/>
+                        <a:t>(4 pts)</a:t>
+                      </a:r>
+                    </a:p>
+                  </a:txBody>
+                  <a:tcPr anchor="ctr"/>
+                </a:tc>
+                <a:tc>
+                  <a:txBody>
+                    <a:bodyPr/>
+                    <a:lstStyle/>
+                    <a:p>
+                      <a:endParaRPr lang="fr-FR" sz="1400" dirty="0"/>
+                    </a:p>
+                  </a:txBody>
+                  <a:tcPr anchor="ctr">
+                    <a:blipFill>
+                      <a:blip r:embed="rId2"/>
+                      <a:tile tx="0" ty="0" sx="100000" sy="100000" flip="none" algn="tl"/>
+                    </a:blipFill>
+                  </a:tcPr>
+                </a:tc>
+                <a:tc>
+                  <a:txBody>
+                    <a:bodyPr/>
+                    <a:lstStyle/>
+                    <a:p>
+                      <a:pPr marL="0" marR="0" lvl="0" indent="0" algn="ctr" defTabSz="1439997" rtl="0" eaLnBrk="1" fontAlgn="auto" latinLnBrk="0" hangingPunct="1">
+                        <a:lnSpc>
+                          <a:spcPct val="100000"/>
+                        </a:lnSpc>
+                        <a:spcBef>
+                          <a:spcPts val="0"/>
+                        </a:spcBef>
+                        <a:spcAft>
+                          <a:spcPts val="0"/>
+                        </a:spcAft>
+                        <a:buClrTx/>
+                        <a:buSzTx/>
+                        <a:buFontTx/>
+                        <a:buNone/>
+                        <a:tabLst/>
+                        <a:defRPr/>
+                      </a:pPr>
+                      <a:r>
+                        <a:rPr lang="fr-FR" sz="900" dirty="0"/>
+                        <a:t>Plus de deux arrêtes vives</a:t>
+                      </a:r>
+                    </a:p>
+                    <a:p>
+                      <a:pPr algn="ctr"/>
+                      <a:endParaRPr lang="fr-FR" sz="900" dirty="0"/>
+                    </a:p>
+                  </a:txBody>
+                  <a:tcPr anchor="ctr"/>
+                </a:tc>
+                <a:tc>
+                  <a:txBody>
+                    <a:bodyPr/>
+                    <a:lstStyle/>
+                    <a:p>
+                      <a:pPr marL="0" marR="0" lvl="0" indent="0" algn="ctr" defTabSz="1439997" rtl="0" eaLnBrk="1" fontAlgn="auto" latinLnBrk="0" hangingPunct="1">
+                        <a:lnSpc>
+                          <a:spcPct val="100000"/>
+                        </a:lnSpc>
+                        <a:spcBef>
+                          <a:spcPts val="0"/>
+                        </a:spcBef>
+                        <a:spcAft>
+                          <a:spcPts val="0"/>
+                        </a:spcAft>
+                        <a:buClrTx/>
+                        <a:buSzTx/>
+                        <a:buFontTx/>
+                        <a:buNone/>
+                        <a:tabLst/>
+                        <a:defRPr/>
+                      </a:pPr>
+                      <a:r>
+                        <a:rPr lang="fr-FR" sz="900" dirty="0"/>
+                        <a:t>Deux arrêtes vives</a:t>
+                      </a:r>
+                    </a:p>
+                    <a:p>
+                      <a:pPr algn="ctr"/>
+                      <a:endParaRPr lang="fr-FR" sz="900" dirty="0"/>
+                    </a:p>
+                  </a:txBody>
+                  <a:tcPr anchor="ctr"/>
+                </a:tc>
+                <a:tc>
+                  <a:txBody>
+                    <a:bodyPr/>
+                    <a:lstStyle/>
+                    <a:p>
+                      <a:pPr algn="ctr"/>
+                      <a:r>
+                        <a:rPr lang="fr-FR" sz="900" dirty="0"/>
+                        <a:t>Une arrête vive</a:t>
+                      </a:r>
+                    </a:p>
+                  </a:txBody>
+                  <a:tcPr anchor="ctr"/>
+                </a:tc>
+                <a:tc>
+                  <a:txBody>
+                    <a:bodyPr/>
+                    <a:lstStyle/>
+                    <a:p>
+                      <a:pPr algn="ctr"/>
+                      <a:r>
+                        <a:rPr lang="fr-FR" sz="900" dirty="0"/>
+                        <a:t>Aucune arête vives</a:t>
+                      </a:r>
+                    </a:p>
+                  </a:txBody>
+                  <a:tcPr anchor="ctr"/>
+                </a:tc>
+                <a:extLst>
+                  <a:ext uri="{0D108BD9-81ED-4DB2-BD59-A6C34878D82A}">
+                    <a16:rowId xmlns:a16="http://schemas.microsoft.com/office/drawing/2014/main" val="1911863720"/>
+                  </a:ext>
+                </a:extLst>
+              </a:tr>
+              <a:tr h="1186246">
+                <a:tc>
+                  <a:txBody>
+                    <a:bodyPr/>
+                    <a:lstStyle/>
+                    <a:p>
+                      <a:pPr marL="0" marR="0" lvl="0" indent="0" algn="l" defTabSz="1439997" rtl="0" eaLnBrk="1" fontAlgn="auto" latinLnBrk="0" hangingPunct="1">
+                        <a:lnSpc>
+                          <a:spcPct val="100000"/>
+                        </a:lnSpc>
+                        <a:spcBef>
+                          <a:spcPts val="0"/>
+                        </a:spcBef>
+                        <a:spcAft>
+                          <a:spcPts val="0"/>
+                        </a:spcAft>
+                        <a:buClrTx/>
+                        <a:buSzTx/>
+                        <a:buFontTx/>
+                        <a:buNone/>
+                        <a:tabLst/>
+                        <a:defRPr/>
+                      </a:pPr>
+                      <a:r>
+                        <a:rPr lang="fr-FR" sz="1400" dirty="0"/>
+                        <a:t>Les portes sont poncés et prêtent à accueillir la finition </a:t>
+                      </a:r>
+                    </a:p>
+                    <a:p>
+                      <a:r>
+                        <a:rPr lang="fr-FR" sz="1400" dirty="0"/>
+                        <a:t>(4 pts)</a:t>
+                      </a:r>
+                    </a:p>
+                  </a:txBody>
+                  <a:tcPr anchor="ctr"/>
+                </a:tc>
+                <a:tc>
+                  <a:txBody>
+                    <a:bodyPr/>
+                    <a:lstStyle/>
+                    <a:p>
+                      <a:endParaRPr lang="fr-FR" sz="1400" dirty="0"/>
+                    </a:p>
+                  </a:txBody>
+                  <a:tcPr anchor="ctr">
+                    <a:blipFill>
+                      <a:blip r:embed="rId2"/>
+                      <a:tile tx="0" ty="0" sx="100000" sy="100000" flip="none" algn="tl"/>
+                    </a:blipFill>
+                  </a:tcPr>
+                </a:tc>
+                <a:tc>
+                  <a:txBody>
+                    <a:bodyPr/>
+                    <a:lstStyle/>
+                    <a:p>
+                      <a:pPr algn="ctr"/>
+                      <a:r>
+                        <a:rPr lang="fr-FR" sz="900" dirty="0"/>
+                        <a:t>Non effectué</a:t>
+                      </a:r>
+                    </a:p>
+                  </a:txBody>
+                  <a:tcPr anchor="ctr"/>
+                </a:tc>
+                <a:tc>
+                  <a:txBody>
+                    <a:bodyPr/>
+                    <a:lstStyle/>
+                    <a:p>
+                      <a:pPr algn="ctr"/>
+                      <a:endParaRPr lang="fr-FR" sz="900" dirty="0"/>
+                    </a:p>
+                  </a:txBody>
+                  <a:tcPr anchor="ctr">
+                    <a:solidFill>
+                      <a:srgbClr val="A6A6A6"/>
+                    </a:solidFill>
+                  </a:tcPr>
+                </a:tc>
+                <a:tc>
+                  <a:txBody>
+                    <a:bodyPr/>
+                    <a:lstStyle/>
+                    <a:p>
+                      <a:pPr algn="ctr"/>
+                      <a:endParaRPr lang="fr-FR" sz="900" dirty="0"/>
+                    </a:p>
+                  </a:txBody>
+                  <a:tcPr anchor="ctr">
+                    <a:solidFill>
+                      <a:srgbClr val="A6A6A6"/>
+                    </a:solidFill>
+                  </a:tcPr>
+                </a:tc>
+                <a:tc>
+                  <a:txBody>
+                    <a:bodyPr/>
+                    <a:lstStyle/>
+                    <a:p>
+                      <a:pPr algn="ctr"/>
+                      <a:r>
+                        <a:rPr lang="fr-FR" sz="900" dirty="0"/>
+                        <a:t>effectué</a:t>
+                      </a:r>
+                    </a:p>
+                  </a:txBody>
+                  <a:tcPr anchor="ctr"/>
+                </a:tc>
+                <a:extLst>
+                  <a:ext uri="{0D108BD9-81ED-4DB2-BD59-A6C34878D82A}">
+                    <a16:rowId xmlns:a16="http://schemas.microsoft.com/office/drawing/2014/main" val="3673042529"/>
+                  </a:ext>
+                </a:extLst>
+              </a:tr>
+              <a:tr h="1186246">
+                <a:tc>
+                  <a:txBody>
+                    <a:bodyPr/>
+                    <a:lstStyle/>
+                    <a:p>
+                      <a:pPr algn="ctr"/>
+                      <a:r>
+                        <a:rPr lang="fr-FR" dirty="0"/>
+                        <a:t>Note finale: </a:t>
+                      </a:r>
+                    </a:p>
+                  </a:txBody>
+                  <a:tcPr anchor="ctr"/>
+                </a:tc>
+                <a:tc gridSpan="5">
+                  <a:txBody>
+                    <a:bodyPr/>
+                    <a:lstStyle/>
+                    <a:p>
+                      <a:endParaRPr lang="fr-FR" sz="1400" dirty="0"/>
+                    </a:p>
+                  </a:txBody>
+                  <a:tcPr anchor="ctr"/>
+                </a:tc>
+                <a:tc hMerge="1">
+                  <a:txBody>
+                    <a:bodyPr/>
+                    <a:lstStyle/>
+                    <a:p>
+                      <a:endParaRPr lang="fr-FR" sz="1400" dirty="0"/>
+                    </a:p>
+                  </a:txBody>
+                  <a:tcPr anchor="ctr"/>
+                </a:tc>
+                <a:tc hMerge="1">
+                  <a:txBody>
+                    <a:bodyPr/>
+                    <a:lstStyle/>
+                    <a:p>
+                      <a:endParaRPr lang="fr-FR" sz="1400" dirty="0"/>
+                    </a:p>
+                  </a:txBody>
+                  <a:tcPr anchor="ctr"/>
+                </a:tc>
+                <a:tc hMerge="1">
+                  <a:txBody>
+                    <a:bodyPr/>
+                    <a:lstStyle/>
+                    <a:p>
+                      <a:endParaRPr lang="fr-FR" sz="1400" dirty="0"/>
+                    </a:p>
+                  </a:txBody>
+                  <a:tcPr anchor="ctr"/>
+                </a:tc>
+                <a:tc hMerge="1">
+                  <a:txBody>
+                    <a:bodyPr/>
+                    <a:lstStyle/>
+                    <a:p>
+                      <a:endParaRPr lang="fr-FR" sz="1400" dirty="0"/>
+                    </a:p>
+                  </a:txBody>
+                  <a:tcPr anchor="ctr"/>
+                </a:tc>
+                <a:extLst>
+                  <a:ext uri="{0D108BD9-81ED-4DB2-BD59-A6C34878D82A}">
+                    <a16:rowId xmlns:a16="http://schemas.microsoft.com/office/drawing/2014/main" val="3834295413"/>
+                  </a:ext>
+                </a:extLst>
+              </a:tr>
+            </a:tbl>
+          </a:graphicData>
+        </a:graphic>
+      </p:graphicFrame>
+    </p:spTree>
+    <p:extLst>
+      <p:ext uri="{BB962C8B-B14F-4D97-AF65-F5344CB8AC3E}">
+        <p14:creationId xmlns:p14="http://schemas.microsoft.com/office/powerpoint/2010/main" val="3264843400"/>
+      </p:ext>
+    </p:extLst>
+  </p:cSld>
+  <p:clrMapOvr>
+    <a:masterClrMapping/>
+  </p:clrMapOvr>
+</p:sld>
+</file>
+
+<file path=ppt/slides/slide11.xml><?xml version="1.0" encoding="utf-8"?>
+<p:sld xmlns:a="http://schemas.openxmlformats.org/drawingml/2006/main" xmlns:r="http://schemas.openxmlformats.org/officeDocument/2006/relationships" xmlns:p="http://schemas.openxmlformats.org/presentationml/2006/main">
+  <p:cSld>
+    <p:spTree>
+      <p:nvGrpSpPr>
+        <p:cNvPr id="1" name=""/>
+        <p:cNvGrpSpPr/>
+        <p:nvPr/>
+      </p:nvGrpSpPr>
+      <p:grpSpPr>
+        <a:xfrm>
+          <a:off x="0" y="0"/>
+          <a:ext cx="0" cy="0"/>
+          <a:chOff x="0" y="0"/>
+          <a:chExt cx="0" cy="0"/>
+        </a:xfrm>
+      </p:grpSpPr>
+      <p:sp>
+        <p:nvSpPr>
+          <p:cNvPr id="17" name="Rectangle 16"/>
+          <p:cNvSpPr/>
+          <p:nvPr/>
+        </p:nvSpPr>
+        <p:spPr>
+          <a:xfrm>
+            <a:off x="0" y="179881"/>
+            <a:ext cx="15119349" cy="10440000"/>
+          </a:xfrm>
+          <a:prstGeom prst="rect">
+            <a:avLst/>
+          </a:prstGeom>
+          <a:ln w="57150">
+            <a:solidFill>
+              <a:schemeClr val="bg1"/>
+            </a:solidFill>
+          </a:ln>
+        </p:spPr>
+        <p:style>
+          <a:lnRef idx="2">
+            <a:schemeClr val="dk1"/>
+          </a:lnRef>
+          <a:fillRef idx="1">
+            <a:schemeClr val="lt1"/>
+          </a:fillRef>
+          <a:effectRef idx="0">
+            <a:schemeClr val="dk1"/>
+          </a:effectRef>
+          <a:fontRef idx="minor">
+            <a:schemeClr val="dk1"/>
+          </a:fontRef>
+        </p:style>
+        <p:txBody>
+          <a:bodyPr rtlCol="0" anchor="ctr"/>
+          <a:lstStyle/>
+          <a:p>
+            <a:pPr marL="72000" algn="ctr">
+              <a:lnSpc>
+                <a:spcPct val="120000"/>
+              </a:lnSpc>
+            </a:pPr>
+            <a:r>
+              <a:rPr lang="fr-FR" sz="4000" b="1" dirty="0">
+                <a:solidFill>
+                  <a:schemeClr val="tx1"/>
+                </a:solidFill>
+                <a:latin typeface="Comic Sans MS" panose="030F0702030302020204" pitchFamily="66" charset="0"/>
+                <a:ea typeface="JetBrains Mono" panose="02000009000000000000" pitchFamily="49" charset="0"/>
+                <a:cs typeface="Arial" panose="020B0604020202020204" pitchFamily="34" charset="0"/>
+              </a:rPr>
+              <a:t>Les baies</a:t>
+            </a:r>
+            <a:endParaRPr lang="fr-FR" sz="4000" dirty="0">
+              <a:solidFill>
+                <a:schemeClr val="tx1"/>
+              </a:solidFill>
+              <a:latin typeface="Comic Sans MS" panose="030F0702030302020204" pitchFamily="66" charset="0"/>
+              <a:ea typeface="JetBrains Mono" panose="02000009000000000000" pitchFamily="49" charset="0"/>
+              <a:cs typeface="Arial" panose="020B0604020202020204" pitchFamily="34" charset="0"/>
+            </a:endParaRPr>
+          </a:p>
+        </p:txBody>
+      </p:sp>
+    </p:spTree>
+    <p:extLst>
+      <p:ext uri="{BB962C8B-B14F-4D97-AF65-F5344CB8AC3E}">
+        <p14:creationId xmlns:p14="http://schemas.microsoft.com/office/powerpoint/2010/main" val="1581133045"/>
+      </p:ext>
+    </p:extLst>
+  </p:cSld>
+  <p:clrMapOvr>
+    <a:masterClrMapping/>
+  </p:clrMapOvr>
+</p:sld>
+</file>
+
+<file path=ppt/slides/slide12.xml><?xml version="1.0" encoding="utf-8"?>
+<p:sld xmlns:a="http://schemas.openxmlformats.org/drawingml/2006/main" xmlns:r="http://schemas.openxmlformats.org/officeDocument/2006/relationships" xmlns:p="http://schemas.openxmlformats.org/presentationml/2006/main">
+  <p:cSld>
+    <p:spTree>
+      <p:nvGrpSpPr>
+        <p:cNvPr id="1" name=""/>
+        <p:cNvGrpSpPr/>
+        <p:nvPr/>
+      </p:nvGrpSpPr>
+      <p:grpSpPr>
+        <a:xfrm>
+          <a:off x="0" y="0"/>
+          <a:ext cx="0" cy="0"/>
+          <a:chOff x="0" y="0"/>
+          <a:chExt cx="0" cy="0"/>
+        </a:xfrm>
+      </p:grpSpPr>
+      <p:sp>
+        <p:nvSpPr>
+          <p:cNvPr id="17" name="Rectangle 16"/>
+          <p:cNvSpPr/>
+          <p:nvPr/>
+        </p:nvSpPr>
+        <p:spPr>
+          <a:xfrm>
+            <a:off x="4039557" y="179881"/>
+            <a:ext cx="7040235" cy="10440000"/>
+          </a:xfrm>
+          <a:prstGeom prst="rect">
+            <a:avLst/>
+          </a:prstGeom>
+          <a:ln w="57150"/>
+        </p:spPr>
+        <p:style>
+          <a:lnRef idx="2">
+            <a:schemeClr val="dk1"/>
+          </a:lnRef>
+          <a:fillRef idx="1">
+            <a:schemeClr val="lt1"/>
+          </a:fillRef>
+          <a:effectRef idx="0">
+            <a:schemeClr val="dk1"/>
+          </a:effectRef>
+          <a:fontRef idx="minor">
+            <a:schemeClr val="dk1"/>
+          </a:fontRef>
+        </p:style>
+        <p:txBody>
+          <a:bodyPr rtlCol="0" anchor="ctr"/>
+          <a:lstStyle/>
+          <a:p>
+            <a:pPr marL="72000"/>
+            <a:r>
+              <a:rPr lang="fr-FR" b="1" dirty="0">
+                <a:cs typeface="Arial" panose="020B0604020202020204" pitchFamily="34" charset="0"/>
+              </a:rPr>
+              <a:t>Contexte professionnel :</a:t>
+            </a:r>
+            <a:endParaRPr lang="fr-FR" dirty="0">
+              <a:cs typeface="Arial" panose="020B0604020202020204" pitchFamily="34" charset="0"/>
+            </a:endParaRPr>
+          </a:p>
+          <a:p>
+            <a:pPr marL="72000"/>
+            <a:r>
+              <a:rPr lang="fr-FR" sz="1600" dirty="0"/>
+              <a:t>Dans une menuiserie spécialisée, commande est passée pour une fenêtre sur mesure destinée à la rénovation d’une maison ancienne. Il exprime son souhait d’allier performance énergétique et esthétique traditionnelle, en optant pour un double vitrage haut de gamme et un design qui s’intègre parfaitement au caractère patrimonial de son logement.</a:t>
+            </a:r>
+          </a:p>
+          <a:p>
+            <a:pPr marL="72000"/>
+            <a:endParaRPr lang="fr-FR" sz="1600" dirty="0"/>
+          </a:p>
+          <a:p>
+            <a:pPr marL="72000"/>
+            <a:r>
+              <a:rPr lang="fr-FR" sz="1600" dirty="0"/>
+              <a:t>Le menuisier, conscient des enjeux techniques et esthétiques, écoute attentivement les besoins du client tout en prenant en compte les contraintes spécifiques du bâtiment, telles que les dimensions de l’ouverture, l’exposition aux intempéries et les normes d’isolation thermique et acoustique en vigueur.</a:t>
+            </a:r>
+          </a:p>
+          <a:p>
+            <a:pPr marL="72000"/>
+            <a:endParaRPr lang="fr-FR" sz="1600" dirty="0">
+              <a:cs typeface="Arial" panose="020B0604020202020204" pitchFamily="34" charset="0"/>
+            </a:endParaRPr>
+          </a:p>
+          <a:p>
+            <a:pPr marL="72000"/>
+            <a:r>
+              <a:rPr lang="fr-FR" b="1" dirty="0">
+                <a:cs typeface="Arial" panose="020B0604020202020204" pitchFamily="34" charset="0"/>
+              </a:rPr>
+              <a:t>Mise en situation :</a:t>
+            </a:r>
+          </a:p>
+          <a:p>
+            <a:pPr marL="72000"/>
+            <a:r>
+              <a:rPr lang="fr-FR" sz="1600" dirty="0">
+                <a:cs typeface="Arial" panose="020B0604020202020204" pitchFamily="34" charset="0"/>
+              </a:rPr>
+              <a:t>,,,</a:t>
+            </a:r>
+          </a:p>
+          <a:p>
+            <a:pPr marL="72000"/>
+            <a:endParaRPr lang="fr-FR" dirty="0">
+              <a:cs typeface="Arial" panose="020B0604020202020204" pitchFamily="34" charset="0"/>
+            </a:endParaRPr>
+          </a:p>
+          <a:p>
+            <a:pPr marL="72000"/>
+            <a:r>
+              <a:rPr lang="fr-FR" b="1" dirty="0">
+                <a:cs typeface="Arial" panose="020B0604020202020204" pitchFamily="34" charset="0"/>
+              </a:rPr>
+              <a:t>Objectif :</a:t>
+            </a:r>
+          </a:p>
+          <a:p>
+            <a:pPr marL="72000"/>
+            <a:r>
+              <a:rPr lang="fr-FR" sz="1600" dirty="0">
+                <a:cs typeface="Arial" panose="020B0604020202020204" pitchFamily="34" charset="0"/>
+              </a:rPr>
+              <a:t>,,,</a:t>
+            </a:r>
+          </a:p>
+        </p:txBody>
+      </p:sp>
+      <p:sp>
+        <p:nvSpPr>
+          <p:cNvPr id="18" name="Rectangle 17"/>
+          <p:cNvSpPr/>
+          <p:nvPr/>
+        </p:nvSpPr>
+        <p:spPr>
+          <a:xfrm>
+            <a:off x="142517" y="1390649"/>
+            <a:ext cx="3763202" cy="9229231"/>
+          </a:xfrm>
+          <a:prstGeom prst="rect">
+            <a:avLst/>
+          </a:prstGeom>
+          <a:ln w="57150"/>
+        </p:spPr>
+        <p:style>
+          <a:lnRef idx="2">
+            <a:schemeClr val="dk1"/>
+          </a:lnRef>
+          <a:fillRef idx="1">
+            <a:schemeClr val="lt1"/>
+          </a:fillRef>
+          <a:effectRef idx="0">
+            <a:schemeClr val="dk1"/>
+          </a:effectRef>
+          <a:fontRef idx="minor">
+            <a:schemeClr val="dk1"/>
+          </a:fontRef>
+        </p:style>
+        <p:txBody>
+          <a:bodyPr rtlCol="0" anchor="ctr"/>
+          <a:lstStyle/>
+          <a:p>
+            <a:pPr marL="72000"/>
+            <a:r>
+              <a:rPr lang="fr-FR" b="1" dirty="0">
+                <a:cs typeface="Arial" panose="020B0604020202020204" pitchFamily="34" charset="0"/>
+              </a:rPr>
+              <a:t>On demande : </a:t>
+            </a:r>
+          </a:p>
+          <a:p>
+            <a:pPr marL="72000"/>
+            <a:r>
+              <a:rPr lang="fr-FR" sz="1600" dirty="0">
+                <a:cs typeface="Arial" panose="020B0604020202020204" pitchFamily="34" charset="0"/>
+              </a:rPr>
+              <a:t>,,,</a:t>
+            </a:r>
+          </a:p>
+          <a:p>
+            <a:pPr marL="72000"/>
+            <a:endParaRPr lang="fr-FR" b="1" dirty="0">
+              <a:cs typeface="Arial" panose="020B0604020202020204" pitchFamily="34" charset="0"/>
+            </a:endParaRPr>
+          </a:p>
+          <a:p>
+            <a:pPr marL="72000"/>
+            <a:r>
+              <a:rPr lang="fr-FR" b="1" dirty="0">
+                <a:cs typeface="Arial" panose="020B0604020202020204" pitchFamily="34" charset="0"/>
+              </a:rPr>
+              <a:t>On donne :</a:t>
+            </a:r>
+          </a:p>
+          <a:p>
+            <a:pPr marL="72000"/>
+            <a:r>
+              <a:rPr lang="fr-FR" sz="1600" dirty="0">
+                <a:cs typeface="Arial" panose="020B0604020202020204" pitchFamily="34" charset="0"/>
+              </a:rPr>
+              <a:t>,,,</a:t>
+            </a:r>
+          </a:p>
+        </p:txBody>
+      </p:sp>
+      <p:sp>
+        <p:nvSpPr>
+          <p:cNvPr id="19" name="Rectangle 18"/>
+          <p:cNvSpPr/>
+          <p:nvPr/>
+        </p:nvSpPr>
+        <p:spPr>
+          <a:xfrm>
+            <a:off x="11213630" y="1390649"/>
+            <a:ext cx="3726044" cy="9229231"/>
+          </a:xfrm>
+          <a:prstGeom prst="rect">
+            <a:avLst/>
+          </a:prstGeom>
+          <a:ln w="57150"/>
+        </p:spPr>
+        <p:style>
+          <a:lnRef idx="2">
+            <a:schemeClr val="dk1"/>
+          </a:lnRef>
+          <a:fillRef idx="1">
+            <a:schemeClr val="lt1"/>
+          </a:fillRef>
+          <a:effectRef idx="0">
+            <a:schemeClr val="dk1"/>
+          </a:effectRef>
+          <a:fontRef idx="minor">
+            <a:schemeClr val="dk1"/>
+          </a:fontRef>
+        </p:style>
+        <p:txBody>
+          <a:bodyPr rtlCol="0" anchor="b"/>
+          <a:lstStyle/>
+          <a:p>
+            <a:pPr marL="72000" algn="ctr">
+              <a:lnSpc>
+                <a:spcPct val="120000"/>
+              </a:lnSpc>
+            </a:pPr>
+            <a:endParaRPr lang="fr-FR" sz="1400" spc="300" dirty="0">
+              <a:latin typeface="Comic Sans MS" panose="030F0702030302020204" pitchFamily="66" charset="0"/>
+              <a:ea typeface="JetBrains Mono" panose="02000009000000000000" pitchFamily="49" charset="0"/>
+              <a:cs typeface="JetBrains Mono" panose="02000009000000000000" pitchFamily="49" charset="0"/>
+            </a:endParaRPr>
+          </a:p>
+          <a:p>
+            <a:pPr marL="72000" algn="ctr">
+              <a:lnSpc>
+                <a:spcPct val="120000"/>
+              </a:lnSpc>
+            </a:pPr>
+            <a:endParaRPr lang="fr-FR" sz="1400" spc="300" dirty="0">
+              <a:latin typeface="Comic Sans MS" panose="030F0702030302020204" pitchFamily="66" charset="0"/>
+              <a:ea typeface="JetBrains Mono" panose="02000009000000000000" pitchFamily="49" charset="0"/>
+              <a:cs typeface="JetBrains Mono" panose="02000009000000000000" pitchFamily="49" charset="0"/>
+            </a:endParaRPr>
+          </a:p>
+          <a:p>
+            <a:pPr marL="72000" algn="ctr">
+              <a:lnSpc>
+                <a:spcPct val="120000"/>
+              </a:lnSpc>
+            </a:pPr>
+            <a:endParaRPr lang="fr-FR" sz="1400" spc="300" dirty="0">
+              <a:latin typeface="Comic Sans MS" panose="030F0702030302020204" pitchFamily="66" charset="0"/>
+              <a:ea typeface="JetBrains Mono" panose="02000009000000000000" pitchFamily="49" charset="0"/>
+              <a:cs typeface="JetBrains Mono" panose="02000009000000000000" pitchFamily="49" charset="0"/>
+            </a:endParaRPr>
+          </a:p>
+          <a:p>
+            <a:pPr marL="72000" algn="ctr">
+              <a:lnSpc>
+                <a:spcPct val="120000"/>
+              </a:lnSpc>
+            </a:pPr>
+            <a:endParaRPr lang="fr-FR" sz="1400" spc="300" dirty="0">
+              <a:latin typeface="Comic Sans MS" panose="030F0702030302020204" pitchFamily="66" charset="0"/>
+              <a:ea typeface="JetBrains Mono" panose="02000009000000000000" pitchFamily="49" charset="0"/>
+              <a:cs typeface="JetBrains Mono" panose="02000009000000000000" pitchFamily="49" charset="0"/>
+            </a:endParaRPr>
+          </a:p>
+          <a:p>
+            <a:pPr marL="72000" algn="ctr">
+              <a:lnSpc>
+                <a:spcPct val="120000"/>
+              </a:lnSpc>
+            </a:pPr>
+            <a:endParaRPr lang="fr-FR" sz="1600" spc="300" dirty="0">
+              <a:latin typeface="Comic Sans MS" panose="030F0702030302020204" pitchFamily="66" charset="0"/>
+              <a:ea typeface="JetBrains Mono" panose="02000009000000000000" pitchFamily="49" charset="0"/>
+              <a:cs typeface="JetBrains Mono" panose="02000009000000000000" pitchFamily="49" charset="0"/>
+            </a:endParaRPr>
+          </a:p>
+          <a:p>
+            <a:pPr marL="72000" algn="ctr">
+              <a:lnSpc>
+                <a:spcPct val="120000"/>
+              </a:lnSpc>
+            </a:pPr>
+            <a:endParaRPr lang="fr-FR" spc="300" dirty="0">
+              <a:latin typeface="Comic Sans MS" panose="030F0702030302020204" pitchFamily="66" charset="0"/>
+              <a:ea typeface="JetBrains Mono" panose="02000009000000000000" pitchFamily="49" charset="0"/>
+              <a:cs typeface="JetBrains Mono" panose="02000009000000000000" pitchFamily="49" charset="0"/>
+            </a:endParaRPr>
+          </a:p>
+        </p:txBody>
+      </p:sp>
+      <p:sp>
+        <p:nvSpPr>
+          <p:cNvPr id="24" name="Rectangle 23"/>
+          <p:cNvSpPr/>
+          <p:nvPr/>
+        </p:nvSpPr>
+        <p:spPr>
+          <a:xfrm>
+            <a:off x="11213630" y="179881"/>
+            <a:ext cx="3726045" cy="1067028"/>
+          </a:xfrm>
+          <a:prstGeom prst="rect">
+            <a:avLst/>
+          </a:prstGeom>
+          <a:ln w="57150"/>
+        </p:spPr>
+        <p:style>
+          <a:lnRef idx="2">
+            <a:schemeClr val="dk1"/>
+          </a:lnRef>
+          <a:fillRef idx="1">
+            <a:schemeClr val="lt1"/>
+          </a:fillRef>
+          <a:effectRef idx="0">
+            <a:schemeClr val="dk1"/>
+          </a:effectRef>
+          <a:fontRef idx="minor">
+            <a:schemeClr val="dk1"/>
+          </a:fontRef>
+        </p:style>
+        <p:txBody>
+          <a:bodyPr rtlCol="0" anchor="ctr"/>
+          <a:lstStyle/>
+          <a:p>
+            <a:pPr algn="ctr"/>
+            <a:r>
+              <a:rPr lang="fr-FR" b="1" spc="300" dirty="0">
+                <a:latin typeface="Comic Sans MS" panose="030F0702030302020204" pitchFamily="66" charset="0"/>
+                <a:ea typeface="JetBrains Mono" panose="02000009000000000000" pitchFamily="49" charset="0"/>
+                <a:cs typeface="JetBrains Mono" panose="02000009000000000000" pitchFamily="49" charset="0"/>
+              </a:rPr>
+              <a:t>M. Du Chevreuil</a:t>
+            </a:r>
+          </a:p>
+          <a:p>
+            <a:pPr algn="ctr"/>
+            <a:r>
+              <a:rPr lang="fr-FR" sz="1600" spc="300" dirty="0">
+                <a:latin typeface="Comic Sans MS" panose="030F0702030302020204" pitchFamily="66" charset="0"/>
+                <a:ea typeface="JetBrains Mono" panose="02000009000000000000" pitchFamily="49" charset="0"/>
+                <a:cs typeface="JetBrains Mono" panose="02000009000000000000" pitchFamily="49" charset="0"/>
+              </a:rPr>
+              <a:t>Professeur en génie </a:t>
+            </a:r>
+          </a:p>
+          <a:p>
+            <a:pPr algn="ctr"/>
+            <a:r>
+              <a:rPr lang="fr-FR" sz="1600" spc="300" dirty="0">
+                <a:latin typeface="Comic Sans MS" panose="030F0702030302020204" pitchFamily="66" charset="0"/>
+                <a:ea typeface="JetBrains Mono" panose="02000009000000000000" pitchFamily="49" charset="0"/>
+                <a:cs typeface="JetBrains Mono" panose="02000009000000000000" pitchFamily="49" charset="0"/>
+              </a:rPr>
+              <a:t>industriel bois</a:t>
+            </a:r>
+          </a:p>
+        </p:txBody>
+      </p:sp>
+      <p:sp>
+        <p:nvSpPr>
+          <p:cNvPr id="25" name="Rectangle 24"/>
+          <p:cNvSpPr/>
+          <p:nvPr/>
+        </p:nvSpPr>
+        <p:spPr>
+          <a:xfrm>
+            <a:off x="142517" y="179881"/>
+            <a:ext cx="3763201" cy="1067028"/>
+          </a:xfrm>
+          <a:prstGeom prst="rect">
+            <a:avLst/>
+          </a:prstGeom>
+          <a:ln w="57150"/>
+        </p:spPr>
+        <p:style>
+          <a:lnRef idx="2">
+            <a:schemeClr val="dk1"/>
+          </a:lnRef>
+          <a:fillRef idx="1">
+            <a:schemeClr val="lt1"/>
+          </a:fillRef>
+          <a:effectRef idx="0">
+            <a:schemeClr val="dk1"/>
+          </a:effectRef>
+          <a:fontRef idx="minor">
+            <a:schemeClr val="dk1"/>
+          </a:fontRef>
+        </p:style>
+        <p:txBody>
+          <a:bodyPr rtlCol="0" anchor="ctr"/>
+          <a:lstStyle/>
+          <a:p>
+            <a:pPr algn="ctr"/>
+            <a:r>
+              <a:rPr lang="fr-FR" b="1" dirty="0">
+                <a:latin typeface="Comic Sans MS" panose="030F0702030302020204" pitchFamily="66" charset="0"/>
+                <a:ea typeface="JetBrains Mono" panose="02000009000000000000" pitchFamily="49" charset="0"/>
+                <a:cs typeface="JetBrains Mono" panose="02000009000000000000" pitchFamily="49" charset="0"/>
+              </a:rPr>
+              <a:t>Sujet : Le vocabulaire </a:t>
+            </a:r>
+          </a:p>
+          <a:p>
+            <a:pPr algn="ctr"/>
+            <a:r>
+              <a:rPr lang="fr-FR" b="1" dirty="0">
+                <a:latin typeface="Comic Sans MS" panose="030F0702030302020204" pitchFamily="66" charset="0"/>
+                <a:ea typeface="JetBrains Mono" panose="02000009000000000000" pitchFamily="49" charset="0"/>
+                <a:cs typeface="JetBrains Mono" panose="02000009000000000000" pitchFamily="49" charset="0"/>
+              </a:rPr>
+              <a:t>des fenêtres</a:t>
+            </a:r>
+          </a:p>
+        </p:txBody>
+      </p:sp>
+    </p:spTree>
+    <p:extLst>
+      <p:ext uri="{BB962C8B-B14F-4D97-AF65-F5344CB8AC3E}">
+        <p14:creationId xmlns:p14="http://schemas.microsoft.com/office/powerpoint/2010/main" val="2183513427"/>
+      </p:ext>
+    </p:extLst>
+  </p:cSld>
+  <p:clrMapOvr>
+    <a:masterClrMapping/>
+  </p:clrMapOvr>
+</p:sld>
+</file>
+
+<file path=ppt/slides/slide13.xml><?xml version="1.0" encoding="utf-8"?>
 <p:sld xmlns:a="http://schemas.openxmlformats.org/drawingml/2006/main" xmlns:r="http://schemas.openxmlformats.org/officeDocument/2006/relationships" xmlns:p="http://schemas.openxmlformats.org/presentationml/2006/main">
   <p:cSld>
     <p:spTree>
@@ -4692,7 +6763,7 @@
 </p:sld>
 </file>
 
-<file path=ppt/slides/slide11.xml><?xml version="1.0" encoding="utf-8"?>
+<file path=ppt/slides/slide14.xml><?xml version="1.0" encoding="utf-8"?>
 <p:sld xmlns:a="http://schemas.openxmlformats.org/drawingml/2006/main" xmlns:r="http://schemas.openxmlformats.org/officeDocument/2006/relationships" xmlns:p="http://schemas.openxmlformats.org/presentationml/2006/main">
   <p:cSld>
     <p:spTree>
@@ -5163,7 +7234,7 @@
 </p:sld>
 </file>
 
-<file path=ppt/slides/slide12.xml><?xml version="1.0" encoding="utf-8"?>
+<file path=ppt/slides/slide15.xml><?xml version="1.0" encoding="utf-8"?>
 <p:sld xmlns:a="http://schemas.openxmlformats.org/drawingml/2006/main" xmlns:r="http://schemas.openxmlformats.org/officeDocument/2006/relationships" xmlns:p="http://schemas.openxmlformats.org/presentationml/2006/main">
   <p:cSld>
     <p:spTree>
@@ -5742,7 +7813,7 @@
 </p:sld>
 </file>
 
-<file path=ppt/slides/slide13.xml><?xml version="1.0" encoding="utf-8"?>
+<file path=ppt/slides/slide16.xml><?xml version="1.0" encoding="utf-8"?>
 <p:sld xmlns:a="http://schemas.openxmlformats.org/drawingml/2006/main" xmlns:r="http://schemas.openxmlformats.org/officeDocument/2006/relationships" xmlns:p="http://schemas.openxmlformats.org/presentationml/2006/main">
   <p:cSld>
     <p:spTree>
@@ -6352,7 +8423,7 @@
 </p:sld>
 </file>
 
-<file path=ppt/slides/slide14.xml><?xml version="1.0" encoding="utf-8"?>
+<file path=ppt/slides/slide17.xml><?xml version="1.0" encoding="utf-8"?>
 <p:sld xmlns:a="http://schemas.openxmlformats.org/drawingml/2006/main" xmlns:r="http://schemas.openxmlformats.org/officeDocument/2006/relationships" xmlns:p="http://schemas.openxmlformats.org/presentationml/2006/main">
   <p:cSld>
     <p:spTree>
@@ -6726,7 +8797,7 @@
 </p:sld>
 </file>
 
-<file path=ppt/slides/slide15.xml><?xml version="1.0" encoding="utf-8"?>
+<file path=ppt/slides/slide18.xml><?xml version="1.0" encoding="utf-8"?>
 <p:sld xmlns:a="http://schemas.openxmlformats.org/drawingml/2006/main" xmlns:r="http://schemas.openxmlformats.org/officeDocument/2006/relationships" xmlns:p="http://schemas.openxmlformats.org/presentationml/2006/main">
   <p:cSld>
     <p:spTree>
@@ -7289,7 +9360,7 @@
 </p:sld>
 </file>
 
-<file path=ppt/slides/slide16.xml><?xml version="1.0" encoding="utf-8"?>
+<file path=ppt/slides/slide19.xml><?xml version="1.0" encoding="utf-8"?>
 <p:sld xmlns:a="http://schemas.openxmlformats.org/drawingml/2006/main" xmlns:r="http://schemas.openxmlformats.org/officeDocument/2006/relationships" xmlns:p="http://schemas.openxmlformats.org/presentationml/2006/main">
   <p:cSld>
     <p:spTree>
@@ -8888,7 +10959,7 @@
 </p:sld>
 </file>
 
-<file path=ppt/slides/slide17.xml><?xml version="1.0" encoding="utf-8"?>
+<file path=ppt/slides/slide2.xml><?xml version="1.0" encoding="utf-8"?>
 <p:sld xmlns:a="http://schemas.openxmlformats.org/drawingml/2006/main" xmlns:r="http://schemas.openxmlformats.org/officeDocument/2006/relationships" xmlns:p="http://schemas.openxmlformats.org/presentationml/2006/main">
   <p:cSld>
     <p:spTree>
@@ -8913,6 +10984,101 @@
         </p:nvSpPr>
         <p:spPr>
           <a:xfrm>
+            <a:off x="171451" y="179881"/>
+            <a:ext cx="14782800" cy="10440000"/>
+          </a:xfrm>
+          <a:prstGeom prst="rect">
+            <a:avLst/>
+          </a:prstGeom>
+          <a:ln w="57150">
+            <a:solidFill>
+              <a:schemeClr val="bg1"/>
+            </a:solidFill>
+          </a:ln>
+        </p:spPr>
+        <p:style>
+          <a:lnRef idx="2">
+            <a:schemeClr val="dk1"/>
+          </a:lnRef>
+          <a:fillRef idx="1">
+            <a:schemeClr val="lt1"/>
+          </a:fillRef>
+          <a:effectRef idx="0">
+            <a:schemeClr val="dk1"/>
+          </a:effectRef>
+          <a:fontRef idx="minor">
+            <a:schemeClr val="dk1"/>
+          </a:fontRef>
+        </p:style>
+        <p:txBody>
+          <a:bodyPr rtlCol="0" anchor="ctr"/>
+          <a:lstStyle/>
+          <a:p>
+            <a:pPr marL="72000" algn="ctr">
+              <a:lnSpc>
+                <a:spcPct val="120000"/>
+              </a:lnSpc>
+            </a:pPr>
+            <a:r>
+              <a:rPr lang="fr-FR" sz="4000" b="1" dirty="0">
+                <a:solidFill>
+                  <a:schemeClr val="tx1"/>
+                </a:solidFill>
+                <a:latin typeface="Comic Sans MS" panose="030F0702030302020204" pitchFamily="66" charset="0"/>
+                <a:ea typeface="JetBrains Mono" panose="02000009000000000000" pitchFamily="49" charset="0"/>
+                <a:cs typeface="Arial" panose="020B0604020202020204" pitchFamily="34" charset="0"/>
+              </a:rPr>
+              <a:t>Le vocabulaire des fenêtres </a:t>
+            </a:r>
+            <a:endParaRPr lang="fr-FR" sz="4000" dirty="0">
+              <a:solidFill>
+                <a:schemeClr val="tx1"/>
+              </a:solidFill>
+              <a:latin typeface="Comic Sans MS" panose="030F0702030302020204" pitchFamily="66" charset="0"/>
+              <a:ea typeface="JetBrains Mono" panose="02000009000000000000" pitchFamily="49" charset="0"/>
+              <a:cs typeface="Arial" panose="020B0604020202020204" pitchFamily="34" charset="0"/>
+            </a:endParaRPr>
+          </a:p>
+        </p:txBody>
+      </p:sp>
+    </p:spTree>
+    <p:extLst>
+      <p:ext uri="{BB962C8B-B14F-4D97-AF65-F5344CB8AC3E}">
+        <p14:creationId xmlns:p14="http://schemas.microsoft.com/office/powerpoint/2010/main" val="1717320420"/>
+      </p:ext>
+    </p:extLst>
+  </p:cSld>
+  <p:clrMapOvr>
+    <a:masterClrMapping/>
+  </p:clrMapOvr>
+</p:sld>
+</file>
+
+<file path=ppt/slides/slide20.xml><?xml version="1.0" encoding="utf-8"?>
+<p:sld xmlns:a="http://schemas.openxmlformats.org/drawingml/2006/main" xmlns:r="http://schemas.openxmlformats.org/officeDocument/2006/relationships" xmlns:p="http://schemas.openxmlformats.org/presentationml/2006/main">
+  <p:cSld>
+    <p:spTree>
+      <p:nvGrpSpPr>
+        <p:cNvPr id="1" name=""/>
+        <p:cNvGrpSpPr/>
+        <p:nvPr/>
+      </p:nvGrpSpPr>
+      <p:grpSpPr>
+        <a:xfrm>
+          <a:off x="0" y="0"/>
+          <a:ext cx="0" cy="0"/>
+          <a:chOff x="0" y="0"/>
+          <a:chExt cx="0" cy="0"/>
+        </a:xfrm>
+      </p:grpSpPr>
+      <p:sp>
+        <p:nvSpPr>
+          <p:cNvPr id="17" name="Rectangle 16"/>
+          <p:cNvSpPr/>
+          <p:nvPr/>
+        </p:nvSpPr>
+        <p:spPr>
+          <a:xfrm>
             <a:off x="0" y="179881"/>
             <a:ext cx="15119349" cy="10440000"/>
           </a:xfrm>
@@ -8983,7 +11149,7 @@
 </p:sld>
 </file>
 
-<file path=ppt/slides/slide18.xml><?xml version="1.0" encoding="utf-8"?>
+<file path=ppt/slides/slide21.xml><?xml version="1.0" encoding="utf-8"?>
 <p:sld xmlns:a="http://schemas.openxmlformats.org/drawingml/2006/main" xmlns:r="http://schemas.openxmlformats.org/officeDocument/2006/relationships" xmlns:p="http://schemas.openxmlformats.org/presentationml/2006/main">
   <p:cSld>
     <p:spTree>
@@ -9567,101 +11733,6 @@
 </p:sld>
 </file>
 
-<file path=ppt/slides/slide2.xml><?xml version="1.0" encoding="utf-8"?>
-<p:sld xmlns:a="http://schemas.openxmlformats.org/drawingml/2006/main" xmlns:r="http://schemas.openxmlformats.org/officeDocument/2006/relationships" xmlns:p="http://schemas.openxmlformats.org/presentationml/2006/main">
-  <p:cSld>
-    <p:spTree>
-      <p:nvGrpSpPr>
-        <p:cNvPr id="1" name=""/>
-        <p:cNvGrpSpPr/>
-        <p:nvPr/>
-      </p:nvGrpSpPr>
-      <p:grpSpPr>
-        <a:xfrm>
-          <a:off x="0" y="0"/>
-          <a:ext cx="0" cy="0"/>
-          <a:chOff x="0" y="0"/>
-          <a:chExt cx="0" cy="0"/>
-        </a:xfrm>
-      </p:grpSpPr>
-      <p:sp>
-        <p:nvSpPr>
-          <p:cNvPr id="17" name="Rectangle 16"/>
-          <p:cNvSpPr/>
-          <p:nvPr/>
-        </p:nvSpPr>
-        <p:spPr>
-          <a:xfrm>
-            <a:off x="171451" y="179881"/>
-            <a:ext cx="14782800" cy="10440000"/>
-          </a:xfrm>
-          <a:prstGeom prst="rect">
-            <a:avLst/>
-          </a:prstGeom>
-          <a:ln w="57150">
-            <a:solidFill>
-              <a:schemeClr val="bg1"/>
-            </a:solidFill>
-          </a:ln>
-        </p:spPr>
-        <p:style>
-          <a:lnRef idx="2">
-            <a:schemeClr val="dk1"/>
-          </a:lnRef>
-          <a:fillRef idx="1">
-            <a:schemeClr val="lt1"/>
-          </a:fillRef>
-          <a:effectRef idx="0">
-            <a:schemeClr val="dk1"/>
-          </a:effectRef>
-          <a:fontRef idx="minor">
-            <a:schemeClr val="dk1"/>
-          </a:fontRef>
-        </p:style>
-        <p:txBody>
-          <a:bodyPr rtlCol="0" anchor="ctr"/>
-          <a:lstStyle/>
-          <a:p>
-            <a:pPr marL="72000" algn="ctr">
-              <a:lnSpc>
-                <a:spcPct val="120000"/>
-              </a:lnSpc>
-            </a:pPr>
-            <a:r>
-              <a:rPr lang="fr-FR" sz="4000" b="1" dirty="0">
-                <a:solidFill>
-                  <a:schemeClr val="tx1"/>
-                </a:solidFill>
-                <a:latin typeface="Comic Sans MS" panose="030F0702030302020204" pitchFamily="66" charset="0"/>
-                <a:ea typeface="JetBrains Mono" panose="02000009000000000000" pitchFamily="49" charset="0"/>
-                <a:cs typeface="Arial" panose="020B0604020202020204" pitchFamily="34" charset="0"/>
-              </a:rPr>
-              <a:t>Le vocabulaire fenêtres et volets</a:t>
-            </a:r>
-            <a:endParaRPr lang="fr-FR" sz="4000" dirty="0">
-              <a:solidFill>
-                <a:schemeClr val="tx1"/>
-              </a:solidFill>
-              <a:latin typeface="Comic Sans MS" panose="030F0702030302020204" pitchFamily="66" charset="0"/>
-              <a:ea typeface="JetBrains Mono" panose="02000009000000000000" pitchFamily="49" charset="0"/>
-              <a:cs typeface="Arial" panose="020B0604020202020204" pitchFamily="34" charset="0"/>
-            </a:endParaRPr>
-          </a:p>
-        </p:txBody>
-      </p:sp>
-    </p:spTree>
-    <p:extLst>
-      <p:ext uri="{BB962C8B-B14F-4D97-AF65-F5344CB8AC3E}">
-        <p14:creationId xmlns:p14="http://schemas.microsoft.com/office/powerpoint/2010/main" val="1717320420"/>
-      </p:ext>
-    </p:extLst>
-  </p:cSld>
-  <p:clrMapOvr>
-    <a:masterClrMapping/>
-  </p:clrMapOvr>
-</p:sld>
-</file>
-
 <file path=ppt/slides/slide3.xml><?xml version="1.0" encoding="utf-8"?>
 <p:sld xmlns:a="http://schemas.openxmlformats.org/drawingml/2006/main" xmlns:r="http://schemas.openxmlformats.org/officeDocument/2006/relationships" xmlns:p="http://schemas.openxmlformats.org/presentationml/2006/main">
   <p:cSld>
@@ -9763,37 +11834,7 @@
               <a:rPr lang="fr-FR" sz="1600" dirty="0">
                 <a:cs typeface="Arial" panose="020B0604020202020204" pitchFamily="34" charset="0"/>
               </a:rPr>
-              <a:t>Afin de répondre aux besoins de la fête organisée par la mairie vous devez réaliser des dessous de plat en chêne massif. </a:t>
-            </a:r>
-          </a:p>
-          <a:p>
-            <a:pPr marL="72000"/>
-            <a:endParaRPr lang="fr-FR" sz="1600" dirty="0">
-              <a:cs typeface="Arial" panose="020B0604020202020204" pitchFamily="34" charset="0"/>
-            </a:endParaRPr>
-          </a:p>
-          <a:p>
-            <a:pPr marL="72000"/>
-            <a:r>
-              <a:rPr lang="fr-FR" sz="1600" dirty="0">
-                <a:cs typeface="Arial" panose="020B0604020202020204" pitchFamily="34" charset="0"/>
-              </a:rPr>
-              <a:t>Soucieux de la durabilité et de l'origine du bois, il souhaite que le menuisier détaille les dates d’abattage des arbres utilisés pour garantir la qualité et la stabilité de l'ouvrage dans le temps. </a:t>
-            </a:r>
-          </a:p>
-          <a:p>
-            <a:pPr marL="72000"/>
-            <a:endParaRPr lang="fr-FR" sz="1600" dirty="0">
-              <a:cs typeface="Arial" panose="020B0604020202020204" pitchFamily="34" charset="0"/>
-            </a:endParaRPr>
-          </a:p>
-          <a:p>
-            <a:pPr marL="72000"/>
-            <a:r>
-              <a:rPr lang="fr-FR" sz="1600" dirty="0">
-                <a:cs typeface="Arial" panose="020B0604020202020204" pitchFamily="34" charset="0"/>
-              </a:rPr>
-              <a:t>Dans ce contexte, le menuisier doit faire preuve d’une expertise pointue pour déterminer l’arbre et les parties de la bille qui conviennent le mieux d’utiliser.</a:t>
+              <a:t>,,,</a:t>
             </a:r>
           </a:p>
           <a:p>
@@ -9817,7 +11858,7 @@
               <a:rPr lang="fr-FR" sz="1600" dirty="0">
                 <a:cs typeface="Arial" panose="020B0604020202020204" pitchFamily="34" charset="0"/>
               </a:rPr>
-              <a:t>Sélectionnez une bille de bois abattue pendant les mois recommandés d’abattage et déterminez les parties utile en menuiserie.</a:t>
+              <a:t>,,,</a:t>
             </a:r>
           </a:p>
         </p:txBody>
@@ -9870,22 +11911,7 @@
               <a:rPr lang="fr-FR" sz="1600" dirty="0">
                 <a:cs typeface="Arial" panose="020B0604020202020204" pitchFamily="34" charset="0"/>
               </a:rPr>
-              <a:t>De sélectionner les parties d’une bille utile à la menuiserie</a:t>
-            </a:r>
-          </a:p>
-          <a:p>
-            <a:pPr marL="72000"/>
-            <a:endParaRPr lang="fr-FR" sz="1600" dirty="0">
-              <a:cs typeface="Arial" panose="020B0604020202020204" pitchFamily="34" charset="0"/>
-            </a:endParaRPr>
-          </a:p>
-          <a:p>
-            <a:pPr marL="72000"/>
-            <a:r>
-              <a:rPr lang="fr-FR" sz="1600" dirty="0">
-                <a:cs typeface="Arial" panose="020B0604020202020204" pitchFamily="34" charset="0"/>
-              </a:rPr>
-              <a:t>De déterminer les dates d’abatage recommandées en fonction de la famille d’arbres</a:t>
+              <a:t>,,,</a:t>
             </a:r>
           </a:p>
           <a:p>
@@ -9909,7 +11935,7 @@
               <a:rPr lang="fr-FR" sz="1600" dirty="0">
                 <a:cs typeface="Arial" panose="020B0604020202020204" pitchFamily="34" charset="0"/>
               </a:rPr>
-              <a:t>Des illustrations sur l’arbre, la bille de bois et les différentes coupes</a:t>
+              <a:t>,,,</a:t>
             </a:r>
           </a:p>
         </p:txBody>
@@ -11352,6 +13378,101 @@
         </p:nvSpPr>
         <p:spPr>
           <a:xfrm>
+            <a:off x="171451" y="179881"/>
+            <a:ext cx="14782800" cy="10440000"/>
+          </a:xfrm>
+          <a:prstGeom prst="rect">
+            <a:avLst/>
+          </a:prstGeom>
+          <a:ln w="57150">
+            <a:solidFill>
+              <a:schemeClr val="bg1"/>
+            </a:solidFill>
+          </a:ln>
+        </p:spPr>
+        <p:style>
+          <a:lnRef idx="2">
+            <a:schemeClr val="dk1"/>
+          </a:lnRef>
+          <a:fillRef idx="1">
+            <a:schemeClr val="lt1"/>
+          </a:fillRef>
+          <a:effectRef idx="0">
+            <a:schemeClr val="dk1"/>
+          </a:effectRef>
+          <a:fontRef idx="minor">
+            <a:schemeClr val="dk1"/>
+          </a:fontRef>
+        </p:style>
+        <p:txBody>
+          <a:bodyPr rtlCol="0" anchor="ctr"/>
+          <a:lstStyle/>
+          <a:p>
+            <a:pPr marL="72000" algn="ctr">
+              <a:lnSpc>
+                <a:spcPct val="120000"/>
+              </a:lnSpc>
+            </a:pPr>
+            <a:r>
+              <a:rPr lang="fr-FR" sz="4000" b="1" dirty="0">
+                <a:solidFill>
+                  <a:schemeClr val="tx1"/>
+                </a:solidFill>
+                <a:latin typeface="Comic Sans MS" panose="030F0702030302020204" pitchFamily="66" charset="0"/>
+                <a:ea typeface="JetBrains Mono" panose="02000009000000000000" pitchFamily="49" charset="0"/>
+                <a:cs typeface="Arial" panose="020B0604020202020204" pitchFamily="34" charset="0"/>
+              </a:rPr>
+              <a:t>Le vocabulaire des fenêtres </a:t>
+            </a:r>
+            <a:endParaRPr lang="fr-FR" sz="4000" dirty="0">
+              <a:solidFill>
+                <a:schemeClr val="tx1"/>
+              </a:solidFill>
+              <a:latin typeface="Comic Sans MS" panose="030F0702030302020204" pitchFamily="66" charset="0"/>
+              <a:ea typeface="JetBrains Mono" panose="02000009000000000000" pitchFamily="49" charset="0"/>
+              <a:cs typeface="Arial" panose="020B0604020202020204" pitchFamily="34" charset="0"/>
+            </a:endParaRPr>
+          </a:p>
+        </p:txBody>
+      </p:sp>
+    </p:spTree>
+    <p:extLst>
+      <p:ext uri="{BB962C8B-B14F-4D97-AF65-F5344CB8AC3E}">
+        <p14:creationId xmlns:p14="http://schemas.microsoft.com/office/powerpoint/2010/main" val="3927039430"/>
+      </p:ext>
+    </p:extLst>
+  </p:cSld>
+  <p:clrMapOvr>
+    <a:masterClrMapping/>
+  </p:clrMapOvr>
+</p:sld>
+</file>
+
+<file path=ppt/slides/slide7.xml><?xml version="1.0" encoding="utf-8"?>
+<p:sld xmlns:a="http://schemas.openxmlformats.org/drawingml/2006/main" xmlns:r="http://schemas.openxmlformats.org/officeDocument/2006/relationships" xmlns:p="http://schemas.openxmlformats.org/presentationml/2006/main">
+  <p:cSld>
+    <p:spTree>
+      <p:nvGrpSpPr>
+        <p:cNvPr id="1" name=""/>
+        <p:cNvGrpSpPr/>
+        <p:nvPr/>
+      </p:nvGrpSpPr>
+      <p:grpSpPr>
+        <a:xfrm>
+          <a:off x="0" y="0"/>
+          <a:ext cx="0" cy="0"/>
+          <a:chOff x="0" y="0"/>
+          <a:chExt cx="0" cy="0"/>
+        </a:xfrm>
+      </p:grpSpPr>
+      <p:sp>
+        <p:nvSpPr>
+          <p:cNvPr id="17" name="Rectangle 16"/>
+          <p:cNvSpPr/>
+          <p:nvPr/>
+        </p:nvSpPr>
+        <p:spPr>
+          <a:xfrm>
             <a:off x="0" y="179881"/>
             <a:ext cx="15119349" cy="10440000"/>
           </a:xfrm>
@@ -11422,7 +13543,459 @@
 </p:sld>
 </file>
 
-<file path=ppt/slides/slide7.xml><?xml version="1.0" encoding="utf-8"?>
+<file path=ppt/slides/slide8.xml><?xml version="1.0" encoding="utf-8"?>
+<p:sld xmlns:a="http://schemas.openxmlformats.org/drawingml/2006/main" xmlns:r="http://schemas.openxmlformats.org/officeDocument/2006/relationships" xmlns:p="http://schemas.openxmlformats.org/presentationml/2006/main">
+  <p:cSld>
+    <p:spTree>
+      <p:nvGrpSpPr>
+        <p:cNvPr id="1" name=""/>
+        <p:cNvGrpSpPr/>
+        <p:nvPr/>
+      </p:nvGrpSpPr>
+      <p:grpSpPr>
+        <a:xfrm>
+          <a:off x="0" y="0"/>
+          <a:ext cx="0" cy="0"/>
+          <a:chOff x="0" y="0"/>
+          <a:chExt cx="0" cy="0"/>
+        </a:xfrm>
+      </p:grpSpPr>
+      <p:sp>
+        <p:nvSpPr>
+          <p:cNvPr id="17" name="Rectangle 16"/>
+          <p:cNvSpPr/>
+          <p:nvPr/>
+        </p:nvSpPr>
+        <p:spPr>
+          <a:xfrm>
+            <a:off x="4039557" y="179881"/>
+            <a:ext cx="7040235" cy="10440000"/>
+          </a:xfrm>
+          <a:prstGeom prst="rect">
+            <a:avLst/>
+          </a:prstGeom>
+          <a:ln w="57150"/>
+        </p:spPr>
+        <p:style>
+          <a:lnRef idx="2">
+            <a:schemeClr val="dk1"/>
+          </a:lnRef>
+          <a:fillRef idx="1">
+            <a:schemeClr val="lt1"/>
+          </a:fillRef>
+          <a:effectRef idx="0">
+            <a:schemeClr val="dk1"/>
+          </a:effectRef>
+          <a:fontRef idx="minor">
+            <a:schemeClr val="dk1"/>
+          </a:fontRef>
+        </p:style>
+        <p:txBody>
+          <a:bodyPr rtlCol="0" anchor="ctr"/>
+          <a:lstStyle/>
+          <a:p>
+            <a:pPr marL="72000"/>
+            <a:r>
+              <a:rPr lang="fr-FR" b="1" dirty="0">
+                <a:cs typeface="Arial" panose="020B0604020202020204" pitchFamily="34" charset="0"/>
+              </a:rPr>
+              <a:t>Contexte professionnel :</a:t>
+            </a:r>
+            <a:endParaRPr lang="fr-FR" dirty="0">
+              <a:cs typeface="Arial" panose="020B0604020202020204" pitchFamily="34" charset="0"/>
+            </a:endParaRPr>
+          </a:p>
+          <a:p>
+            <a:pPr marL="72000"/>
+            <a:r>
+              <a:rPr lang="fr-FR" sz="1600" dirty="0"/>
+              <a:t>Dans une menuiserie spécialisée, commande est passée pour une fenêtre sur mesure destinée à la rénovation d’une maison ancienne. Il exprime son souhait d’allier performance énergétique et esthétique traditionnelle, en optant pour un double vitrage haut de gamme et un design qui s’intègre parfaitement au caractère patrimonial de son logement.</a:t>
+            </a:r>
+          </a:p>
+          <a:p>
+            <a:pPr marL="72000"/>
+            <a:endParaRPr lang="fr-FR" sz="1600" dirty="0"/>
+          </a:p>
+          <a:p>
+            <a:pPr marL="72000"/>
+            <a:r>
+              <a:rPr lang="fr-FR" sz="1600" dirty="0"/>
+              <a:t>Le menuisier, conscient des enjeux techniques et esthétiques, écoute attentivement les besoins du client tout en prenant en compte les contraintes spécifiques du bâtiment, telles que les dimensions de l’ouverture, l’exposition aux intempéries et les normes d’isolation thermique et acoustique en vigueur.</a:t>
+            </a:r>
+          </a:p>
+          <a:p>
+            <a:pPr marL="72000"/>
+            <a:endParaRPr lang="fr-FR" sz="1600" dirty="0">
+              <a:cs typeface="Arial" panose="020B0604020202020204" pitchFamily="34" charset="0"/>
+            </a:endParaRPr>
+          </a:p>
+          <a:p>
+            <a:pPr marL="72000"/>
+            <a:r>
+              <a:rPr lang="fr-FR" b="1" dirty="0">
+                <a:cs typeface="Arial" panose="020B0604020202020204" pitchFamily="34" charset="0"/>
+              </a:rPr>
+              <a:t>Mise en situation :</a:t>
+            </a:r>
+          </a:p>
+          <a:p>
+            <a:pPr marL="72000"/>
+            <a:r>
+              <a:rPr lang="fr-FR" sz="1600" dirty="0">
+                <a:cs typeface="Arial" panose="020B0604020202020204" pitchFamily="34" charset="0"/>
+              </a:rPr>
+              <a:t>,,,</a:t>
+            </a:r>
+          </a:p>
+          <a:p>
+            <a:pPr marL="72000"/>
+            <a:endParaRPr lang="fr-FR" dirty="0">
+              <a:cs typeface="Arial" panose="020B0604020202020204" pitchFamily="34" charset="0"/>
+            </a:endParaRPr>
+          </a:p>
+          <a:p>
+            <a:pPr marL="72000"/>
+            <a:r>
+              <a:rPr lang="fr-FR" b="1" dirty="0">
+                <a:cs typeface="Arial" panose="020B0604020202020204" pitchFamily="34" charset="0"/>
+              </a:rPr>
+              <a:t>Objectif :</a:t>
+            </a:r>
+          </a:p>
+          <a:p>
+            <a:pPr marL="72000"/>
+            <a:r>
+              <a:rPr lang="fr-FR" sz="1600" dirty="0">
+                <a:cs typeface="Arial" panose="020B0604020202020204" pitchFamily="34" charset="0"/>
+              </a:rPr>
+              <a:t>,,,</a:t>
+            </a:r>
+          </a:p>
+        </p:txBody>
+      </p:sp>
+      <p:sp>
+        <p:nvSpPr>
+          <p:cNvPr id="18" name="Rectangle 17"/>
+          <p:cNvSpPr/>
+          <p:nvPr/>
+        </p:nvSpPr>
+        <p:spPr>
+          <a:xfrm>
+            <a:off x="142517" y="1390649"/>
+            <a:ext cx="3763202" cy="9229231"/>
+          </a:xfrm>
+          <a:prstGeom prst="rect">
+            <a:avLst/>
+          </a:prstGeom>
+          <a:ln w="57150"/>
+        </p:spPr>
+        <p:style>
+          <a:lnRef idx="2">
+            <a:schemeClr val="dk1"/>
+          </a:lnRef>
+          <a:fillRef idx="1">
+            <a:schemeClr val="lt1"/>
+          </a:fillRef>
+          <a:effectRef idx="0">
+            <a:schemeClr val="dk1"/>
+          </a:effectRef>
+          <a:fontRef idx="minor">
+            <a:schemeClr val="dk1"/>
+          </a:fontRef>
+        </p:style>
+        <p:txBody>
+          <a:bodyPr rtlCol="0" anchor="ctr"/>
+          <a:lstStyle/>
+          <a:p>
+            <a:pPr marL="72000"/>
+            <a:r>
+              <a:rPr lang="fr-FR" b="1" dirty="0">
+                <a:cs typeface="Arial" panose="020B0604020202020204" pitchFamily="34" charset="0"/>
+              </a:rPr>
+              <a:t>On demande : </a:t>
+            </a:r>
+          </a:p>
+          <a:p>
+            <a:pPr marL="72000"/>
+            <a:r>
+              <a:rPr lang="fr-FR" sz="1600" dirty="0">
+                <a:cs typeface="Arial" panose="020B0604020202020204" pitchFamily="34" charset="0"/>
+              </a:rPr>
+              <a:t>,,,</a:t>
+            </a:r>
+          </a:p>
+          <a:p>
+            <a:pPr marL="72000"/>
+            <a:endParaRPr lang="fr-FR" b="1" dirty="0">
+              <a:cs typeface="Arial" panose="020B0604020202020204" pitchFamily="34" charset="0"/>
+            </a:endParaRPr>
+          </a:p>
+          <a:p>
+            <a:pPr marL="72000"/>
+            <a:r>
+              <a:rPr lang="fr-FR" b="1" dirty="0">
+                <a:cs typeface="Arial" panose="020B0604020202020204" pitchFamily="34" charset="0"/>
+              </a:rPr>
+              <a:t>On donne :</a:t>
+            </a:r>
+          </a:p>
+          <a:p>
+            <a:pPr marL="72000"/>
+            <a:r>
+              <a:rPr lang="fr-FR" sz="1600" dirty="0">
+                <a:cs typeface="Arial" panose="020B0604020202020204" pitchFamily="34" charset="0"/>
+              </a:rPr>
+              <a:t>,,,</a:t>
+            </a:r>
+          </a:p>
+        </p:txBody>
+      </p:sp>
+      <p:sp>
+        <p:nvSpPr>
+          <p:cNvPr id="19" name="Rectangle 18"/>
+          <p:cNvSpPr/>
+          <p:nvPr/>
+        </p:nvSpPr>
+        <p:spPr>
+          <a:xfrm>
+            <a:off x="11213630" y="1390649"/>
+            <a:ext cx="3726044" cy="9229231"/>
+          </a:xfrm>
+          <a:prstGeom prst="rect">
+            <a:avLst/>
+          </a:prstGeom>
+          <a:ln w="57150"/>
+        </p:spPr>
+        <p:style>
+          <a:lnRef idx="2">
+            <a:schemeClr val="dk1"/>
+          </a:lnRef>
+          <a:fillRef idx="1">
+            <a:schemeClr val="lt1"/>
+          </a:fillRef>
+          <a:effectRef idx="0">
+            <a:schemeClr val="dk1"/>
+          </a:effectRef>
+          <a:fontRef idx="minor">
+            <a:schemeClr val="dk1"/>
+          </a:fontRef>
+        </p:style>
+        <p:txBody>
+          <a:bodyPr rtlCol="0" anchor="b"/>
+          <a:lstStyle/>
+          <a:p>
+            <a:pPr marL="72000" algn="ctr">
+              <a:lnSpc>
+                <a:spcPct val="120000"/>
+              </a:lnSpc>
+            </a:pPr>
+            <a:endParaRPr lang="fr-FR" sz="1400" spc="300" dirty="0">
+              <a:latin typeface="Comic Sans MS" panose="030F0702030302020204" pitchFamily="66" charset="0"/>
+              <a:ea typeface="JetBrains Mono" panose="02000009000000000000" pitchFamily="49" charset="0"/>
+              <a:cs typeface="JetBrains Mono" panose="02000009000000000000" pitchFamily="49" charset="0"/>
+            </a:endParaRPr>
+          </a:p>
+          <a:p>
+            <a:pPr marL="72000" algn="ctr">
+              <a:lnSpc>
+                <a:spcPct val="120000"/>
+              </a:lnSpc>
+            </a:pPr>
+            <a:endParaRPr lang="fr-FR" sz="1400" spc="300" dirty="0">
+              <a:latin typeface="Comic Sans MS" panose="030F0702030302020204" pitchFamily="66" charset="0"/>
+              <a:ea typeface="JetBrains Mono" panose="02000009000000000000" pitchFamily="49" charset="0"/>
+              <a:cs typeface="JetBrains Mono" panose="02000009000000000000" pitchFamily="49" charset="0"/>
+            </a:endParaRPr>
+          </a:p>
+          <a:p>
+            <a:pPr marL="72000" algn="ctr">
+              <a:lnSpc>
+                <a:spcPct val="120000"/>
+              </a:lnSpc>
+            </a:pPr>
+            <a:endParaRPr lang="fr-FR" sz="1400" spc="300" dirty="0">
+              <a:latin typeface="Comic Sans MS" panose="030F0702030302020204" pitchFamily="66" charset="0"/>
+              <a:ea typeface="JetBrains Mono" panose="02000009000000000000" pitchFamily="49" charset="0"/>
+              <a:cs typeface="JetBrains Mono" panose="02000009000000000000" pitchFamily="49" charset="0"/>
+            </a:endParaRPr>
+          </a:p>
+          <a:p>
+            <a:pPr marL="72000" algn="ctr">
+              <a:lnSpc>
+                <a:spcPct val="120000"/>
+              </a:lnSpc>
+            </a:pPr>
+            <a:endParaRPr lang="fr-FR" sz="1400" spc="300" dirty="0">
+              <a:latin typeface="Comic Sans MS" panose="030F0702030302020204" pitchFamily="66" charset="0"/>
+              <a:ea typeface="JetBrains Mono" panose="02000009000000000000" pitchFamily="49" charset="0"/>
+              <a:cs typeface="JetBrains Mono" panose="02000009000000000000" pitchFamily="49" charset="0"/>
+            </a:endParaRPr>
+          </a:p>
+          <a:p>
+            <a:pPr marL="72000" algn="ctr">
+              <a:lnSpc>
+                <a:spcPct val="120000"/>
+              </a:lnSpc>
+            </a:pPr>
+            <a:endParaRPr lang="fr-FR" sz="1600" spc="300" dirty="0">
+              <a:latin typeface="Comic Sans MS" panose="030F0702030302020204" pitchFamily="66" charset="0"/>
+              <a:ea typeface="JetBrains Mono" panose="02000009000000000000" pitchFamily="49" charset="0"/>
+              <a:cs typeface="JetBrains Mono" panose="02000009000000000000" pitchFamily="49" charset="0"/>
+            </a:endParaRPr>
+          </a:p>
+          <a:p>
+            <a:pPr marL="72000" algn="ctr">
+              <a:lnSpc>
+                <a:spcPct val="120000"/>
+              </a:lnSpc>
+            </a:pPr>
+            <a:endParaRPr lang="fr-FR" spc="300" dirty="0">
+              <a:latin typeface="Comic Sans MS" panose="030F0702030302020204" pitchFamily="66" charset="0"/>
+              <a:ea typeface="JetBrains Mono" panose="02000009000000000000" pitchFamily="49" charset="0"/>
+              <a:cs typeface="JetBrains Mono" panose="02000009000000000000" pitchFamily="49" charset="0"/>
+            </a:endParaRPr>
+          </a:p>
+        </p:txBody>
+      </p:sp>
+      <p:sp>
+        <p:nvSpPr>
+          <p:cNvPr id="24" name="Rectangle 23"/>
+          <p:cNvSpPr/>
+          <p:nvPr/>
+        </p:nvSpPr>
+        <p:spPr>
+          <a:xfrm>
+            <a:off x="11213630" y="179881"/>
+            <a:ext cx="3726045" cy="1067028"/>
+          </a:xfrm>
+          <a:prstGeom prst="rect">
+            <a:avLst/>
+          </a:prstGeom>
+          <a:ln w="57150"/>
+        </p:spPr>
+        <p:style>
+          <a:lnRef idx="2">
+            <a:schemeClr val="dk1"/>
+          </a:lnRef>
+          <a:fillRef idx="1">
+            <a:schemeClr val="lt1"/>
+          </a:fillRef>
+          <a:effectRef idx="0">
+            <a:schemeClr val="dk1"/>
+          </a:effectRef>
+          <a:fontRef idx="minor">
+            <a:schemeClr val="dk1"/>
+          </a:fontRef>
+        </p:style>
+        <p:txBody>
+          <a:bodyPr rtlCol="0" anchor="ctr"/>
+          <a:lstStyle/>
+          <a:p>
+            <a:pPr algn="ctr"/>
+            <a:r>
+              <a:rPr lang="fr-FR" b="1" spc="300" dirty="0">
+                <a:latin typeface="Comic Sans MS" panose="030F0702030302020204" pitchFamily="66" charset="0"/>
+                <a:ea typeface="JetBrains Mono" panose="02000009000000000000" pitchFamily="49" charset="0"/>
+                <a:cs typeface="JetBrains Mono" panose="02000009000000000000" pitchFamily="49" charset="0"/>
+              </a:rPr>
+              <a:t>M. Du Chevreuil</a:t>
+            </a:r>
+          </a:p>
+          <a:p>
+            <a:pPr algn="ctr"/>
+            <a:r>
+              <a:rPr lang="fr-FR" sz="1600" spc="300" dirty="0">
+                <a:latin typeface="Comic Sans MS" panose="030F0702030302020204" pitchFamily="66" charset="0"/>
+                <a:ea typeface="JetBrains Mono" panose="02000009000000000000" pitchFamily="49" charset="0"/>
+                <a:cs typeface="JetBrains Mono" panose="02000009000000000000" pitchFamily="49" charset="0"/>
+              </a:rPr>
+              <a:t>Professeur en génie </a:t>
+            </a:r>
+          </a:p>
+          <a:p>
+            <a:pPr algn="ctr"/>
+            <a:r>
+              <a:rPr lang="fr-FR" sz="1600" spc="300" dirty="0">
+                <a:latin typeface="Comic Sans MS" panose="030F0702030302020204" pitchFamily="66" charset="0"/>
+                <a:ea typeface="JetBrains Mono" panose="02000009000000000000" pitchFamily="49" charset="0"/>
+                <a:cs typeface="JetBrains Mono" panose="02000009000000000000" pitchFamily="49" charset="0"/>
+              </a:rPr>
+              <a:t>industriel bois</a:t>
+            </a:r>
+          </a:p>
+        </p:txBody>
+      </p:sp>
+      <p:sp>
+        <p:nvSpPr>
+          <p:cNvPr id="25" name="Rectangle 24"/>
+          <p:cNvSpPr/>
+          <p:nvPr/>
+        </p:nvSpPr>
+        <p:spPr>
+          <a:xfrm>
+            <a:off x="142517" y="179881"/>
+            <a:ext cx="3763201" cy="1067028"/>
+          </a:xfrm>
+          <a:prstGeom prst="rect">
+            <a:avLst/>
+          </a:prstGeom>
+          <a:ln w="57150"/>
+        </p:spPr>
+        <p:style>
+          <a:lnRef idx="2">
+            <a:schemeClr val="dk1"/>
+          </a:lnRef>
+          <a:fillRef idx="1">
+            <a:schemeClr val="lt1"/>
+          </a:fillRef>
+          <a:effectRef idx="0">
+            <a:schemeClr val="dk1"/>
+          </a:effectRef>
+          <a:fontRef idx="minor">
+            <a:schemeClr val="dk1"/>
+          </a:fontRef>
+        </p:style>
+        <p:txBody>
+          <a:bodyPr rtlCol="0" anchor="ctr"/>
+          <a:lstStyle/>
+          <a:p>
+            <a:pPr algn="ctr"/>
+            <a:r>
+              <a:rPr lang="fr-FR" b="1" dirty="0">
+                <a:latin typeface="Comic Sans MS" panose="030F0702030302020204" pitchFamily="66" charset="0"/>
+                <a:ea typeface="JetBrains Mono" panose="02000009000000000000" pitchFamily="49" charset="0"/>
+                <a:cs typeface="JetBrains Mono" panose="02000009000000000000" pitchFamily="49" charset="0"/>
+              </a:rPr>
+              <a:t>Sujet : Le vocabulaire </a:t>
+            </a:r>
+          </a:p>
+          <a:p>
+            <a:pPr algn="ctr"/>
+            <a:r>
+              <a:rPr lang="fr-FR" b="1" dirty="0">
+                <a:latin typeface="Comic Sans MS" panose="030F0702030302020204" pitchFamily="66" charset="0"/>
+                <a:ea typeface="JetBrains Mono" panose="02000009000000000000" pitchFamily="49" charset="0"/>
+                <a:cs typeface="JetBrains Mono" panose="02000009000000000000" pitchFamily="49" charset="0"/>
+              </a:rPr>
+              <a:t>des fenêtres</a:t>
+            </a:r>
+          </a:p>
+        </p:txBody>
+      </p:sp>
+    </p:spTree>
+    <p:extLst>
+      <p:ext uri="{BB962C8B-B14F-4D97-AF65-F5344CB8AC3E}">
+        <p14:creationId xmlns:p14="http://schemas.microsoft.com/office/powerpoint/2010/main" val="100336526"/>
+      </p:ext>
+    </p:extLst>
+  </p:cSld>
+  <p:clrMapOvr>
+    <a:masterClrMapping/>
+  </p:clrMapOvr>
+</p:sld>
+</file>
+
+<file path=ppt/slides/slide9.xml><?xml version="1.0" encoding="utf-8"?>
 <p:sld xmlns:a="http://schemas.openxmlformats.org/drawingml/2006/main" xmlns:r="http://schemas.openxmlformats.org/officeDocument/2006/relationships" xmlns:p="http://schemas.openxmlformats.org/presentationml/2006/main">
   <p:cSld>
     <p:spTree>
@@ -11910,1700 +14483,6 @@
     <p:extLst>
       <p:ext uri="{BB962C8B-B14F-4D97-AF65-F5344CB8AC3E}">
         <p14:creationId xmlns:p14="http://schemas.microsoft.com/office/powerpoint/2010/main" val="632158504"/>
-      </p:ext>
-    </p:extLst>
-  </p:cSld>
-  <p:clrMapOvr>
-    <a:masterClrMapping/>
-  </p:clrMapOvr>
-</p:sld>
-</file>
-
-<file path=ppt/slides/slide8.xml><?xml version="1.0" encoding="utf-8"?>
-<p:sld xmlns:a="http://schemas.openxmlformats.org/drawingml/2006/main" xmlns:r="http://schemas.openxmlformats.org/officeDocument/2006/relationships" xmlns:p="http://schemas.openxmlformats.org/presentationml/2006/main">
-  <p:cSld>
-    <p:spTree>
-      <p:nvGrpSpPr>
-        <p:cNvPr id="1" name=""/>
-        <p:cNvGrpSpPr/>
-        <p:nvPr/>
-      </p:nvGrpSpPr>
-      <p:grpSpPr>
-        <a:xfrm>
-          <a:off x="0" y="0"/>
-          <a:ext cx="0" cy="0"/>
-          <a:chOff x="0" y="0"/>
-          <a:chExt cx="0" cy="0"/>
-        </a:xfrm>
-      </p:grpSpPr>
-      <p:sp>
-        <p:nvSpPr>
-          <p:cNvPr id="17" name="Rectangle 16"/>
-          <p:cNvSpPr/>
-          <p:nvPr/>
-        </p:nvSpPr>
-        <p:spPr>
-          <a:xfrm>
-            <a:off x="4039557" y="179881"/>
-            <a:ext cx="7040235" cy="10440000"/>
-          </a:xfrm>
-          <a:prstGeom prst="rect">
-            <a:avLst/>
-          </a:prstGeom>
-          <a:ln w="57150"/>
-        </p:spPr>
-        <p:style>
-          <a:lnRef idx="2">
-            <a:schemeClr val="dk1"/>
-          </a:lnRef>
-          <a:fillRef idx="1">
-            <a:schemeClr val="lt1"/>
-          </a:fillRef>
-          <a:effectRef idx="0">
-            <a:schemeClr val="dk1"/>
-          </a:effectRef>
-          <a:fontRef idx="minor">
-            <a:schemeClr val="dk1"/>
-          </a:fontRef>
-        </p:style>
-        <p:txBody>
-          <a:bodyPr rtlCol="0" anchor="t"/>
-          <a:lstStyle/>
-          <a:p>
-            <a:pPr marL="72000"/>
-            <a:endParaRPr lang="fr-FR" b="1" dirty="0">
-              <a:solidFill>
-                <a:schemeClr val="tx1"/>
-              </a:solidFill>
-              <a:latin typeface="Comic Sans MS" panose="030F0702030302020204" pitchFamily="66" charset="0"/>
-              <a:ea typeface="JetBrains Mono" panose="02000009000000000000" pitchFamily="49" charset="0"/>
-              <a:cs typeface="Arial" panose="020B0604020202020204" pitchFamily="34" charset="0"/>
-            </a:endParaRPr>
-          </a:p>
-          <a:p>
-            <a:pPr marL="72000"/>
-            <a:r>
-              <a:rPr lang="fr-FR" b="1" dirty="0">
-                <a:solidFill>
-                  <a:schemeClr val="tx1"/>
-                </a:solidFill>
-                <a:latin typeface="Comic Sans MS" panose="030F0702030302020204" pitchFamily="66" charset="0"/>
-                <a:ea typeface="JetBrains Mono" panose="02000009000000000000" pitchFamily="49" charset="0"/>
-                <a:cs typeface="Arial" panose="020B0604020202020204" pitchFamily="34" charset="0"/>
-              </a:rPr>
-              <a:t>Critères de notation :</a:t>
-            </a:r>
-          </a:p>
-        </p:txBody>
-      </p:sp>
-      <p:sp>
-        <p:nvSpPr>
-          <p:cNvPr id="18" name="Rectangle 17"/>
-          <p:cNvSpPr/>
-          <p:nvPr/>
-        </p:nvSpPr>
-        <p:spPr>
-          <a:xfrm>
-            <a:off x="142517" y="1390649"/>
-            <a:ext cx="3763202" cy="9229231"/>
-          </a:xfrm>
-          <a:prstGeom prst="rect">
-            <a:avLst/>
-          </a:prstGeom>
-          <a:ln w="57150"/>
-        </p:spPr>
-        <p:style>
-          <a:lnRef idx="2">
-            <a:schemeClr val="dk1"/>
-          </a:lnRef>
-          <a:fillRef idx="1">
-            <a:schemeClr val="lt1"/>
-          </a:fillRef>
-          <a:effectRef idx="0">
-            <a:schemeClr val="dk1"/>
-          </a:effectRef>
-          <a:fontRef idx="minor">
-            <a:schemeClr val="dk1"/>
-          </a:fontRef>
-        </p:style>
-        <p:txBody>
-          <a:bodyPr rtlCol="0" anchor="ctr"/>
-          <a:lstStyle/>
-          <a:p>
-            <a:pPr marL="72000"/>
-            <a:r>
-              <a:rPr lang="fr-FR" sz="1600" b="1" dirty="0">
-                <a:solidFill>
-                  <a:schemeClr val="tx1"/>
-                </a:solidFill>
-                <a:ea typeface="JetBrains Mono" panose="02000009000000000000" pitchFamily="49" charset="0"/>
-                <a:cs typeface="Courier New" panose="02070309020205020404" pitchFamily="49" charset="0"/>
-              </a:rPr>
-              <a:t>Noms et prénoms de l’élève :</a:t>
-            </a:r>
-          </a:p>
-          <a:p>
-            <a:pPr marL="72000"/>
-            <a:endParaRPr lang="fr-FR" sz="1600" b="1" dirty="0">
-              <a:solidFill>
-                <a:schemeClr val="tx1"/>
-              </a:solidFill>
-              <a:ea typeface="JetBrains Mono" panose="02000009000000000000" pitchFamily="49" charset="0"/>
-              <a:cs typeface="Courier New" panose="02070309020205020404" pitchFamily="49" charset="0"/>
-            </a:endParaRPr>
-          </a:p>
-          <a:p>
-            <a:pPr marL="72000"/>
-            <a:r>
-              <a:rPr lang="fr-FR" sz="1600" b="1" dirty="0">
-                <a:solidFill>
-                  <a:schemeClr val="tx1"/>
-                </a:solidFill>
-                <a:ea typeface="JetBrains Mono" panose="02000009000000000000" pitchFamily="49" charset="0"/>
-                <a:cs typeface="Courier New" panose="02070309020205020404" pitchFamily="49" charset="0"/>
-              </a:rPr>
-              <a:t>………………………………………………… (TTMA)</a:t>
-            </a:r>
-          </a:p>
-          <a:p>
-            <a:pPr marL="72000"/>
-            <a:endParaRPr lang="fr-FR" sz="1600" b="1" dirty="0">
-              <a:solidFill>
-                <a:schemeClr val="tx1"/>
-              </a:solidFill>
-              <a:ea typeface="JetBrains Mono" panose="02000009000000000000" pitchFamily="49" charset="0"/>
-              <a:cs typeface="Courier New" panose="02070309020205020404" pitchFamily="49" charset="0"/>
-            </a:endParaRPr>
-          </a:p>
-          <a:p>
-            <a:pPr marL="72000"/>
-            <a:r>
-              <a:rPr lang="fr-FR" sz="1600" b="1" dirty="0">
-                <a:solidFill>
-                  <a:schemeClr val="tx1"/>
-                </a:solidFill>
-                <a:ea typeface="JetBrains Mono" panose="02000009000000000000" pitchFamily="49" charset="0"/>
-                <a:cs typeface="Courier New" panose="02070309020205020404" pitchFamily="49" charset="0"/>
-              </a:rPr>
-              <a:t>Instructions :</a:t>
-            </a:r>
-          </a:p>
-          <a:p>
-            <a:pPr marL="72000"/>
-            <a:endParaRPr lang="fr-FR" sz="1600" b="1" dirty="0">
-              <a:solidFill>
-                <a:schemeClr val="tx1"/>
-              </a:solidFill>
-              <a:ea typeface="JetBrains Mono" panose="02000009000000000000" pitchFamily="49" charset="0"/>
-              <a:cs typeface="Courier New" panose="02070309020205020404" pitchFamily="49" charset="0"/>
-            </a:endParaRPr>
-          </a:p>
-          <a:p>
-            <a:pPr marL="72000"/>
-            <a:r>
-              <a:rPr lang="fr-FR" sz="1600" dirty="0">
-                <a:solidFill>
-                  <a:schemeClr val="tx1"/>
-                </a:solidFill>
-                <a:ea typeface="JetBrains Mono" panose="02000009000000000000" pitchFamily="49" charset="0"/>
-                <a:cs typeface="Courier New" panose="02070309020205020404" pitchFamily="49" charset="0"/>
-              </a:rPr>
-              <a:t>Débiter, plaquer et affleurer les portes de l’ouvrage</a:t>
-            </a:r>
-          </a:p>
-          <a:p>
-            <a:pPr marL="72000"/>
-            <a:endParaRPr lang="fr-FR" sz="1600" b="1" dirty="0">
-              <a:solidFill>
-                <a:schemeClr val="tx1"/>
-              </a:solidFill>
-              <a:ea typeface="JetBrains Mono" panose="02000009000000000000" pitchFamily="49" charset="0"/>
-              <a:cs typeface="Courier New" panose="02070309020205020404" pitchFamily="49" charset="0"/>
-            </a:endParaRPr>
-          </a:p>
-          <a:p>
-            <a:pPr marL="72000"/>
-            <a:r>
-              <a:rPr lang="fr-FR" sz="1600" b="1" dirty="0">
-                <a:solidFill>
-                  <a:schemeClr val="tx1"/>
-                </a:solidFill>
-                <a:ea typeface="JetBrains Mono" panose="02000009000000000000" pitchFamily="49" charset="0"/>
-                <a:cs typeface="Courier New" panose="02070309020205020404" pitchFamily="49" charset="0"/>
-              </a:rPr>
-              <a:t>A Vérifier :</a:t>
-            </a:r>
-          </a:p>
-          <a:p>
-            <a:pPr marL="72000"/>
-            <a:endParaRPr lang="fr-FR" sz="1600" b="1" dirty="0">
-              <a:solidFill>
-                <a:schemeClr val="tx1"/>
-              </a:solidFill>
-              <a:ea typeface="JetBrains Mono" panose="02000009000000000000" pitchFamily="49" charset="0"/>
-              <a:cs typeface="Courier New" panose="02070309020205020404" pitchFamily="49" charset="0"/>
-            </a:endParaRPr>
-          </a:p>
-          <a:p>
-            <a:pPr marL="72000"/>
-            <a:r>
-              <a:rPr lang="fr-FR" sz="1600" dirty="0">
-                <a:solidFill>
-                  <a:schemeClr val="tx1"/>
-                </a:solidFill>
-                <a:ea typeface="JetBrains Mono" panose="02000009000000000000" pitchFamily="49" charset="0"/>
-                <a:cs typeface="Courier New" panose="02070309020205020404" pitchFamily="49" charset="0"/>
-              </a:rPr>
-              <a:t>Les portes sont débités et respectent les mesures du caisson</a:t>
-            </a:r>
-          </a:p>
-          <a:p>
-            <a:pPr marL="72000"/>
-            <a:endParaRPr lang="fr-FR" sz="1600" dirty="0">
-              <a:solidFill>
-                <a:schemeClr val="tx1"/>
-              </a:solidFill>
-              <a:ea typeface="JetBrains Mono" panose="02000009000000000000" pitchFamily="49" charset="0"/>
-              <a:cs typeface="Courier New" panose="02070309020205020404" pitchFamily="49" charset="0"/>
-            </a:endParaRPr>
-          </a:p>
-          <a:p>
-            <a:pPr marL="72000"/>
-            <a:r>
-              <a:rPr lang="fr-FR" sz="1600" dirty="0">
-                <a:solidFill>
-                  <a:schemeClr val="tx1"/>
-                </a:solidFill>
-                <a:ea typeface="JetBrains Mono" panose="02000009000000000000" pitchFamily="49" charset="0"/>
-                <a:cs typeface="Courier New" panose="02070309020205020404" pitchFamily="49" charset="0"/>
-              </a:rPr>
-              <a:t>Les portes sont plaqués des deux cotés</a:t>
-            </a:r>
-          </a:p>
-          <a:p>
-            <a:pPr marL="72000"/>
-            <a:endParaRPr lang="fr-FR" sz="1600" dirty="0"/>
-          </a:p>
-          <a:p>
-            <a:pPr marL="72000"/>
-            <a:r>
-              <a:rPr lang="fr-FR" sz="1600" dirty="0"/>
-              <a:t>La placage n’est pas vif sur les arrêtes du meubles, un chanfrein ou un ponçage a été réalisé</a:t>
-            </a:r>
-          </a:p>
-          <a:p>
-            <a:pPr marL="72000"/>
-            <a:endParaRPr lang="fr-FR" sz="1600" dirty="0"/>
-          </a:p>
-          <a:p>
-            <a:pPr marL="72000"/>
-            <a:r>
-              <a:rPr lang="fr-FR" sz="1600" dirty="0"/>
-              <a:t>Le placage doit être parfaitement appliqué, sans laisser apparaître de traces de colle, de perforations ou d'écarts sur les arêtes des portes</a:t>
-            </a:r>
-          </a:p>
-          <a:p>
-            <a:pPr marL="72000"/>
-            <a:endParaRPr lang="fr-FR" sz="1600" dirty="0"/>
-          </a:p>
-          <a:p>
-            <a:pPr marL="72000"/>
-            <a:r>
-              <a:rPr lang="fr-FR" sz="1600" dirty="0"/>
-              <a:t>Les portes sont poncés et prêtent à accueillir la finition</a:t>
-            </a:r>
-          </a:p>
-          <a:p>
-            <a:pPr marL="72000"/>
-            <a:endParaRPr lang="fr-FR" sz="1600" dirty="0">
-              <a:solidFill>
-                <a:schemeClr val="tx1"/>
-              </a:solidFill>
-              <a:ea typeface="JetBrains Mono" panose="02000009000000000000" pitchFamily="49" charset="0"/>
-              <a:cs typeface="Courier New" panose="02070309020205020404" pitchFamily="49" charset="0"/>
-            </a:endParaRPr>
-          </a:p>
-          <a:p>
-            <a:pPr marL="72000"/>
-            <a:endParaRPr lang="fr-FR" sz="1600" dirty="0">
-              <a:solidFill>
-                <a:schemeClr val="tx1"/>
-              </a:solidFill>
-              <a:ea typeface="JetBrains Mono" panose="02000009000000000000" pitchFamily="49" charset="0"/>
-              <a:cs typeface="Courier New" panose="02070309020205020404" pitchFamily="49" charset="0"/>
-            </a:endParaRPr>
-          </a:p>
-          <a:p>
-            <a:pPr marL="72000"/>
-            <a:endParaRPr lang="fr-FR" sz="1600" dirty="0">
-              <a:solidFill>
-                <a:schemeClr val="tx1"/>
-              </a:solidFill>
-              <a:ea typeface="JetBrains Mono" panose="02000009000000000000" pitchFamily="49" charset="0"/>
-              <a:cs typeface="Courier New" panose="02070309020205020404" pitchFamily="49" charset="0"/>
-            </a:endParaRPr>
-          </a:p>
-          <a:p>
-            <a:pPr marL="72000"/>
-            <a:endParaRPr lang="fr-FR" sz="1600" dirty="0">
-              <a:solidFill>
-                <a:schemeClr val="tx1"/>
-              </a:solidFill>
-              <a:ea typeface="JetBrains Mono" panose="02000009000000000000" pitchFamily="49" charset="0"/>
-              <a:cs typeface="Courier New" panose="02070309020205020404" pitchFamily="49" charset="0"/>
-            </a:endParaRPr>
-          </a:p>
-        </p:txBody>
-      </p:sp>
-      <p:sp>
-        <p:nvSpPr>
-          <p:cNvPr id="19" name="Rectangle 18"/>
-          <p:cNvSpPr/>
-          <p:nvPr/>
-        </p:nvSpPr>
-        <p:spPr>
-          <a:xfrm>
-            <a:off x="11213630" y="1390649"/>
-            <a:ext cx="3726044" cy="9229231"/>
-          </a:xfrm>
-          <a:prstGeom prst="rect">
-            <a:avLst/>
-          </a:prstGeom>
-          <a:ln w="57150"/>
-        </p:spPr>
-        <p:style>
-          <a:lnRef idx="2">
-            <a:schemeClr val="dk1"/>
-          </a:lnRef>
-          <a:fillRef idx="1">
-            <a:schemeClr val="lt1"/>
-          </a:fillRef>
-          <a:effectRef idx="0">
-            <a:schemeClr val="dk1"/>
-          </a:effectRef>
-          <a:fontRef idx="minor">
-            <a:schemeClr val="dk1"/>
-          </a:fontRef>
-        </p:style>
-        <p:txBody>
-          <a:bodyPr rtlCol="0" anchor="ctr"/>
-          <a:lstStyle/>
-          <a:p>
-            <a:r>
-              <a:rPr lang="fr-FR" sz="1400" b="1" dirty="0"/>
-              <a:t>Compétences évaluées :</a:t>
-            </a:r>
-          </a:p>
-          <a:p>
-            <a:endParaRPr lang="fr-FR" sz="1400" b="1" dirty="0"/>
-          </a:p>
-          <a:p>
-            <a:r>
-              <a:rPr lang="fr-FR" sz="1400" b="1" dirty="0"/>
-              <a:t>C3.6 Conduire les opérations de montage et de finition</a:t>
-            </a:r>
-          </a:p>
-          <a:p>
-            <a:r>
-              <a:rPr lang="fr-FR" sz="1400" b="1" dirty="0"/>
-              <a:t>	Sous-compétences :</a:t>
-            </a:r>
-          </a:p>
-          <a:p>
-            <a:r>
-              <a:rPr lang="fr-FR" sz="1400" b="1" dirty="0"/>
-              <a:t>	</a:t>
-            </a:r>
-            <a:r>
-              <a:rPr lang="fr-FR" sz="1400" dirty="0"/>
-              <a:t>C3.62 Cadrer, monter et</a:t>
-            </a:r>
-          </a:p>
-          <a:p>
-            <a:r>
-              <a:rPr lang="fr-FR" sz="1400" dirty="0"/>
-              <a:t>	solidariser les sous-</a:t>
-            </a:r>
-          </a:p>
-          <a:p>
-            <a:r>
-              <a:rPr lang="fr-FR" sz="1400" dirty="0"/>
-              <a:t>	ensembles</a:t>
-            </a:r>
-          </a:p>
-          <a:p>
-            <a:r>
-              <a:rPr lang="fr-FR" sz="1400" dirty="0"/>
-              <a:t>	C3.65 Contrôler en cours, en fin</a:t>
-            </a:r>
-          </a:p>
-          <a:p>
-            <a:r>
-              <a:rPr lang="fr-FR" sz="1400" dirty="0"/>
-              <a:t>	de montage et de finition :</a:t>
-            </a:r>
-          </a:p>
-          <a:p>
-            <a:r>
-              <a:rPr lang="fr-FR" sz="1400" dirty="0"/>
-              <a:t>	les caractéristiques</a:t>
-            </a:r>
-          </a:p>
-          <a:p>
-            <a:r>
-              <a:rPr lang="fr-FR" sz="1400" dirty="0"/>
-              <a:t>	fonctionnelles,</a:t>
-            </a:r>
-          </a:p>
-          <a:p>
-            <a:r>
-              <a:rPr lang="fr-FR" sz="1400" dirty="0"/>
-              <a:t>	dimensionnelles,</a:t>
-            </a:r>
-          </a:p>
-          <a:p>
-            <a:r>
-              <a:rPr lang="fr-FR" sz="1400" dirty="0"/>
-              <a:t>	géométriques, esthétiques</a:t>
-            </a:r>
-          </a:p>
-          <a:p>
-            <a:endParaRPr lang="fr-FR" sz="1400" b="1" dirty="0"/>
-          </a:p>
-          <a:p>
-            <a:r>
-              <a:rPr lang="fr-FR" sz="1400" b="1" dirty="0"/>
-              <a:t>C3.5 Conduire les opérations de mise en forme et de placage</a:t>
-            </a:r>
-          </a:p>
-          <a:p>
-            <a:r>
-              <a:rPr lang="fr-FR" sz="1400" b="1" dirty="0"/>
-              <a:t>	</a:t>
-            </a:r>
-            <a:r>
-              <a:rPr lang="fr-FR" sz="1400" dirty="0"/>
-              <a:t>C3.52 Encoller et/ou insérer les</a:t>
-            </a:r>
-          </a:p>
-          <a:p>
-            <a:r>
-              <a:rPr lang="fr-FR" sz="1400" dirty="0"/>
-              <a:t>	pièces et les composants</a:t>
-            </a:r>
-          </a:p>
-          <a:p>
-            <a:r>
-              <a:rPr lang="fr-FR" sz="1400" dirty="0"/>
-              <a:t>	C3.54 Contrôler les</a:t>
-            </a:r>
-          </a:p>
-          <a:p>
-            <a:r>
-              <a:rPr lang="fr-FR" sz="1400" dirty="0"/>
-              <a:t>	caractéristiques</a:t>
-            </a:r>
-          </a:p>
-          <a:p>
-            <a:r>
-              <a:rPr lang="fr-FR" sz="1400" dirty="0"/>
-              <a:t>	mécaniques</a:t>
-            </a:r>
-          </a:p>
-          <a:p>
-            <a:r>
-              <a:rPr lang="fr-FR" sz="1400" dirty="0"/>
-              <a:t>	dimensionnelles,</a:t>
-            </a:r>
-          </a:p>
-          <a:p>
-            <a:r>
-              <a:rPr lang="fr-FR" sz="1400" dirty="0"/>
-              <a:t>	géométriques et esthétique</a:t>
-            </a:r>
-          </a:p>
-          <a:p>
-            <a:endParaRPr lang="fr-FR" sz="1400" b="1" dirty="0"/>
-          </a:p>
-          <a:p>
-            <a:pPr lvl="2"/>
-            <a:endParaRPr lang="fr-FR" sz="1400" dirty="0"/>
-          </a:p>
-        </p:txBody>
-      </p:sp>
-      <p:sp>
-        <p:nvSpPr>
-          <p:cNvPr id="24" name="Rectangle 23"/>
-          <p:cNvSpPr/>
-          <p:nvPr/>
-        </p:nvSpPr>
-        <p:spPr>
-          <a:xfrm>
-            <a:off x="11213629" y="179881"/>
-            <a:ext cx="3726045" cy="1067028"/>
-          </a:xfrm>
-          <a:prstGeom prst="rect">
-            <a:avLst/>
-          </a:prstGeom>
-          <a:ln w="57150"/>
-        </p:spPr>
-        <p:style>
-          <a:lnRef idx="2">
-            <a:schemeClr val="dk1"/>
-          </a:lnRef>
-          <a:fillRef idx="1">
-            <a:schemeClr val="lt1"/>
-          </a:fillRef>
-          <a:effectRef idx="0">
-            <a:schemeClr val="dk1"/>
-          </a:effectRef>
-          <a:fontRef idx="minor">
-            <a:schemeClr val="dk1"/>
-          </a:fontRef>
-        </p:style>
-        <p:txBody>
-          <a:bodyPr rtlCol="0" anchor="ctr"/>
-          <a:lstStyle/>
-          <a:p>
-            <a:pPr algn="ctr"/>
-            <a:r>
-              <a:rPr lang="fr-FR" sz="1600" spc="300" dirty="0">
-                <a:latin typeface="Comic Sans MS" panose="030F0702030302020204" pitchFamily="66" charset="0"/>
-                <a:ea typeface="JetBrains Mono" panose="02000009000000000000" pitchFamily="49" charset="0"/>
-                <a:cs typeface="JetBrains Mono" panose="02000009000000000000" pitchFamily="49" charset="0"/>
-              </a:rPr>
-              <a:t>Technicien</a:t>
-            </a:r>
-          </a:p>
-          <a:p>
-            <a:pPr algn="ctr"/>
-            <a:r>
-              <a:rPr lang="fr-FR" sz="1600" spc="300" dirty="0">
-                <a:latin typeface="Comic Sans MS" panose="030F0702030302020204" pitchFamily="66" charset="0"/>
-                <a:ea typeface="JetBrains Mono" panose="02000009000000000000" pitchFamily="49" charset="0"/>
-                <a:cs typeface="JetBrains Mono" panose="02000009000000000000" pitchFamily="49" charset="0"/>
-              </a:rPr>
-              <a:t>Menuisier Agenceur</a:t>
-            </a:r>
-          </a:p>
-        </p:txBody>
-      </p:sp>
-      <p:sp>
-        <p:nvSpPr>
-          <p:cNvPr id="25" name="Rectangle 24"/>
-          <p:cNvSpPr/>
-          <p:nvPr/>
-        </p:nvSpPr>
-        <p:spPr>
-          <a:xfrm>
-            <a:off x="142517" y="179881"/>
-            <a:ext cx="3763201" cy="1067028"/>
-          </a:xfrm>
-          <a:prstGeom prst="rect">
-            <a:avLst/>
-          </a:prstGeom>
-          <a:ln w="57150"/>
-        </p:spPr>
-        <p:style>
-          <a:lnRef idx="2">
-            <a:schemeClr val="dk1"/>
-          </a:lnRef>
-          <a:fillRef idx="1">
-            <a:schemeClr val="lt1"/>
-          </a:fillRef>
-          <a:effectRef idx="0">
-            <a:schemeClr val="dk1"/>
-          </a:effectRef>
-          <a:fontRef idx="minor">
-            <a:schemeClr val="dk1"/>
-          </a:fontRef>
-        </p:style>
-        <p:txBody>
-          <a:bodyPr rtlCol="0" anchor="ctr"/>
-          <a:lstStyle/>
-          <a:p>
-            <a:pPr algn="ctr"/>
-            <a:r>
-              <a:rPr lang="fr-FR" b="1" dirty="0">
-                <a:latin typeface="Comic Sans MS" panose="030F0702030302020204" pitchFamily="66" charset="0"/>
-                <a:ea typeface="JetBrains Mono" panose="02000009000000000000" pitchFamily="49" charset="0"/>
-                <a:cs typeface="JetBrains Mono" panose="02000009000000000000" pitchFamily="49" charset="0"/>
-              </a:rPr>
-              <a:t>Sujet : fabrication et installation des portes</a:t>
-            </a:r>
-          </a:p>
-        </p:txBody>
-      </p:sp>
-      <p:graphicFrame>
-        <p:nvGraphicFramePr>
-          <p:cNvPr id="2" name="Table 1">
-            <a:extLst>
-              <a:ext uri="{FF2B5EF4-FFF2-40B4-BE49-F238E27FC236}">
-                <a16:creationId xmlns:a16="http://schemas.microsoft.com/office/drawing/2014/main" id="{AFCB8B3A-B6F8-4548-A2DA-06057CDA9A4C}"/>
-              </a:ext>
-            </a:extLst>
-          </p:cNvPr>
-          <p:cNvGraphicFramePr>
-            <a:graphicFrameLocks noGrp="1"/>
-          </p:cNvGraphicFramePr>
-          <p:nvPr>
-            <p:extLst/>
-          </p:nvPr>
-        </p:nvGraphicFramePr>
-        <p:xfrm>
-          <a:off x="4039556" y="944558"/>
-          <a:ext cx="7040233" cy="9675322"/>
-        </p:xfrm>
-        <a:graphic>
-          <a:graphicData uri="http://schemas.openxmlformats.org/drawingml/2006/table">
-            <a:tbl>
-              <a:tblPr firstRow="1" bandRow="1">
-                <a:tableStyleId>{5940675A-B579-460E-94D1-54222C63F5DA}</a:tableStyleId>
-              </a:tblPr>
-              <a:tblGrid>
-                <a:gridCol w="2253173">
-                  <a:extLst>
-                    <a:ext uri="{9D8B030D-6E8A-4147-A177-3AD203B41FA5}">
-                      <a16:colId xmlns:a16="http://schemas.microsoft.com/office/drawing/2014/main" val="2787692130"/>
-                    </a:ext>
-                  </a:extLst>
-                </a:gridCol>
-                <a:gridCol w="957412">
-                  <a:extLst>
-                    <a:ext uri="{9D8B030D-6E8A-4147-A177-3AD203B41FA5}">
-                      <a16:colId xmlns:a16="http://schemas.microsoft.com/office/drawing/2014/main" val="607649727"/>
-                    </a:ext>
-                  </a:extLst>
-                </a:gridCol>
-                <a:gridCol w="957412">
-                  <a:extLst>
-                    <a:ext uri="{9D8B030D-6E8A-4147-A177-3AD203B41FA5}">
-                      <a16:colId xmlns:a16="http://schemas.microsoft.com/office/drawing/2014/main" val="2879588787"/>
-                    </a:ext>
-                  </a:extLst>
-                </a:gridCol>
-                <a:gridCol w="957412">
-                  <a:extLst>
-                    <a:ext uri="{9D8B030D-6E8A-4147-A177-3AD203B41FA5}">
-                      <a16:colId xmlns:a16="http://schemas.microsoft.com/office/drawing/2014/main" val="963493659"/>
-                    </a:ext>
-                  </a:extLst>
-                </a:gridCol>
-                <a:gridCol w="957412">
-                  <a:extLst>
-                    <a:ext uri="{9D8B030D-6E8A-4147-A177-3AD203B41FA5}">
-                      <a16:colId xmlns:a16="http://schemas.microsoft.com/office/drawing/2014/main" val="283199609"/>
-                    </a:ext>
-                  </a:extLst>
-                </a:gridCol>
-                <a:gridCol w="957412">
-                  <a:extLst>
-                    <a:ext uri="{9D8B030D-6E8A-4147-A177-3AD203B41FA5}">
-                      <a16:colId xmlns:a16="http://schemas.microsoft.com/office/drawing/2014/main" val="3524401581"/>
-                    </a:ext>
-                  </a:extLst>
-                </a:gridCol>
-              </a:tblGrid>
-              <a:tr h="1371600">
-                <a:tc>
-                  <a:txBody>
-                    <a:bodyPr/>
-                    <a:lstStyle/>
-                    <a:p>
-                      <a:pPr algn="ctr"/>
-                      <a:r>
-                        <a:rPr lang="fr-FR" sz="1400" dirty="0">
-                          <a:solidFill>
-                            <a:schemeClr val="bg1"/>
-                          </a:solidFill>
-                        </a:rPr>
-                        <a:t>Critère évalué</a:t>
-                      </a:r>
-                    </a:p>
-                  </a:txBody>
-                  <a:tcPr anchor="ctr">
-                    <a:solidFill>
-                      <a:schemeClr val="tx1"/>
-                    </a:solidFill>
-                  </a:tcPr>
-                </a:tc>
-                <a:tc>
-                  <a:txBody>
-                    <a:bodyPr/>
-                    <a:lstStyle/>
-                    <a:p>
-                      <a:pPr algn="ctr"/>
-                      <a:r>
-                        <a:rPr lang="fr-FR" sz="900" dirty="0"/>
-                        <a:t>Absence</a:t>
-                      </a:r>
-                    </a:p>
-                  </a:txBody>
-                  <a:tcPr anchor="ctr">
-                    <a:solidFill>
-                      <a:schemeClr val="bg2">
-                        <a:lumMod val="75000"/>
-                      </a:schemeClr>
-                    </a:solidFill>
-                  </a:tcPr>
-                </a:tc>
-                <a:tc>
-                  <a:txBody>
-                    <a:bodyPr/>
-                    <a:lstStyle/>
-                    <a:p>
-                      <a:pPr algn="ctr"/>
-                      <a:r>
-                        <a:rPr lang="fr-FR" sz="900" dirty="0"/>
-                        <a:t>Non maitrisé</a:t>
-                      </a:r>
-                    </a:p>
-                  </a:txBody>
-                  <a:tcPr anchor="ctr">
-                    <a:solidFill>
-                      <a:srgbClr val="FF0000"/>
-                    </a:solidFill>
-                  </a:tcPr>
-                </a:tc>
-                <a:tc>
-                  <a:txBody>
-                    <a:bodyPr/>
-                    <a:lstStyle/>
-                    <a:p>
-                      <a:pPr algn="ctr"/>
-                      <a:r>
-                        <a:rPr lang="fr-FR" sz="900" dirty="0"/>
-                        <a:t>Moyennement acquis</a:t>
-                      </a:r>
-                    </a:p>
-                  </a:txBody>
-                  <a:tcPr anchor="ctr">
-                    <a:solidFill>
-                      <a:schemeClr val="accent4"/>
-                    </a:solidFill>
-                  </a:tcPr>
-                </a:tc>
-                <a:tc>
-                  <a:txBody>
-                    <a:bodyPr/>
-                    <a:lstStyle/>
-                    <a:p>
-                      <a:pPr algn="ctr"/>
-                      <a:r>
-                        <a:rPr lang="fr-FR" sz="900" dirty="0"/>
-                        <a:t>satisfaisant</a:t>
-                      </a:r>
-                    </a:p>
-                  </a:txBody>
-                  <a:tcPr anchor="ctr">
-                    <a:solidFill>
-                      <a:srgbClr val="FFFF00"/>
-                    </a:solidFill>
-                  </a:tcPr>
-                </a:tc>
-                <a:tc>
-                  <a:txBody>
-                    <a:bodyPr/>
-                    <a:lstStyle/>
-                    <a:p>
-                      <a:pPr algn="ctr"/>
-                      <a:r>
-                        <a:rPr lang="fr-FR" sz="900" dirty="0"/>
-                        <a:t>Très satisfaisant</a:t>
-                      </a:r>
-                    </a:p>
-                  </a:txBody>
-                  <a:tcPr anchor="ctr">
-                    <a:solidFill>
-                      <a:schemeClr val="accent6"/>
-                    </a:solidFill>
-                  </a:tcPr>
-                </a:tc>
-                <a:extLst>
-                  <a:ext uri="{0D108BD9-81ED-4DB2-BD59-A6C34878D82A}">
-                    <a16:rowId xmlns:a16="http://schemas.microsoft.com/office/drawing/2014/main" val="3340223667"/>
-                  </a:ext>
-                </a:extLst>
-              </a:tr>
-              <a:tr h="1186246">
-                <a:tc>
-                  <a:txBody>
-                    <a:bodyPr/>
-                    <a:lstStyle/>
-                    <a:p>
-                      <a:pPr marL="0" marR="0" lvl="0" indent="0" algn="l" defTabSz="1439997" rtl="0" eaLnBrk="1" fontAlgn="auto" latinLnBrk="0" hangingPunct="1">
-                        <a:lnSpc>
-                          <a:spcPct val="100000"/>
-                        </a:lnSpc>
-                        <a:spcBef>
-                          <a:spcPts val="0"/>
-                        </a:spcBef>
-                        <a:spcAft>
-                          <a:spcPts val="0"/>
-                        </a:spcAft>
-                        <a:buClrTx/>
-                        <a:buSzTx/>
-                        <a:buFontTx/>
-                        <a:buNone/>
-                        <a:tabLst/>
-                        <a:defRPr/>
-                      </a:pPr>
-                      <a:r>
-                        <a:rPr lang="fr-FR" sz="1400" dirty="0"/>
-                        <a:t>Les portes sont plaquées des deux cotés (4 pts)</a:t>
-                      </a:r>
-                    </a:p>
-                  </a:txBody>
-                  <a:tcPr anchor="ctr"/>
-                </a:tc>
-                <a:tc>
-                  <a:txBody>
-                    <a:bodyPr/>
-                    <a:lstStyle/>
-                    <a:p>
-                      <a:endParaRPr lang="fr-FR" sz="1400" dirty="0"/>
-                    </a:p>
-                  </a:txBody>
-                  <a:tcPr anchor="ctr">
-                    <a:blipFill>
-                      <a:blip r:embed="rId2"/>
-                      <a:tile tx="0" ty="0" sx="100000" sy="100000" flip="none" algn="tl"/>
-                    </a:blipFill>
-                  </a:tcPr>
-                </a:tc>
-                <a:tc>
-                  <a:txBody>
-                    <a:bodyPr/>
-                    <a:lstStyle/>
-                    <a:p>
-                      <a:pPr algn="ctr"/>
-                      <a:r>
-                        <a:rPr lang="fr-FR" sz="900" dirty="0"/>
-                        <a:t>Non effectué</a:t>
-                      </a:r>
-                    </a:p>
-                  </a:txBody>
-                  <a:tcPr anchor="ctr">
-                    <a:noFill/>
-                  </a:tcPr>
-                </a:tc>
-                <a:tc>
-                  <a:txBody>
-                    <a:bodyPr/>
-                    <a:lstStyle/>
-                    <a:p>
-                      <a:pPr algn="ctr"/>
-                      <a:endParaRPr lang="fr-FR" sz="900" dirty="0"/>
-                    </a:p>
-                  </a:txBody>
-                  <a:tcPr anchor="ctr">
-                    <a:solidFill>
-                      <a:schemeClr val="bg1">
-                        <a:lumMod val="65000"/>
-                      </a:schemeClr>
-                    </a:solidFill>
-                  </a:tcPr>
-                </a:tc>
-                <a:tc>
-                  <a:txBody>
-                    <a:bodyPr/>
-                    <a:lstStyle/>
-                    <a:p>
-                      <a:pPr algn="ctr"/>
-                      <a:endParaRPr lang="fr-FR" sz="900" dirty="0"/>
-                    </a:p>
-                  </a:txBody>
-                  <a:tcPr anchor="ctr">
-                    <a:solidFill>
-                      <a:schemeClr val="bg1">
-                        <a:lumMod val="65000"/>
-                      </a:schemeClr>
-                    </a:solidFill>
-                  </a:tcPr>
-                </a:tc>
-                <a:tc>
-                  <a:txBody>
-                    <a:bodyPr/>
-                    <a:lstStyle/>
-                    <a:p>
-                      <a:pPr algn="ctr"/>
-                      <a:r>
-                        <a:rPr lang="fr-FR" sz="900" dirty="0"/>
-                        <a:t>effectué</a:t>
-                      </a:r>
-                    </a:p>
-                  </a:txBody>
-                  <a:tcPr anchor="ctr"/>
-                </a:tc>
-                <a:extLst>
-                  <a:ext uri="{0D108BD9-81ED-4DB2-BD59-A6C34878D82A}">
-                    <a16:rowId xmlns:a16="http://schemas.microsoft.com/office/drawing/2014/main" val="3605164153"/>
-                  </a:ext>
-                </a:extLst>
-              </a:tr>
-              <a:tr h="1186246">
-                <a:tc>
-                  <a:txBody>
-                    <a:bodyPr/>
-                    <a:lstStyle/>
-                    <a:p>
-                      <a:r>
-                        <a:rPr lang="fr-FR" sz="1400" dirty="0"/>
-                        <a:t>Les portes sont débités aux cotes (4 pts)</a:t>
-                      </a:r>
-                    </a:p>
-                  </a:txBody>
-                  <a:tcPr anchor="ctr"/>
-                </a:tc>
-                <a:tc>
-                  <a:txBody>
-                    <a:bodyPr/>
-                    <a:lstStyle/>
-                    <a:p>
-                      <a:endParaRPr lang="fr-FR" sz="1400" dirty="0"/>
-                    </a:p>
-                  </a:txBody>
-                  <a:tcPr anchor="ctr">
-                    <a:blipFill>
-                      <a:blip r:embed="rId2"/>
-                      <a:tile tx="0" ty="0" sx="100000" sy="100000" flip="none" algn="tl"/>
-                    </a:blipFill>
-                  </a:tcPr>
-                </a:tc>
-                <a:tc>
-                  <a:txBody>
-                    <a:bodyPr/>
-                    <a:lstStyle/>
-                    <a:p>
-                      <a:pPr algn="ctr"/>
-                      <a:r>
-                        <a:rPr lang="fr-FR" sz="900" dirty="0"/>
-                        <a:t>Décalage de plus de 2 mm</a:t>
-                      </a:r>
-                    </a:p>
-                  </a:txBody>
-                  <a:tcPr anchor="ctr"/>
-                </a:tc>
-                <a:tc>
-                  <a:txBody>
-                    <a:bodyPr/>
-                    <a:lstStyle/>
-                    <a:p>
-                      <a:pPr algn="ctr"/>
-                      <a:r>
-                        <a:rPr lang="fr-FR" sz="900" dirty="0"/>
-                        <a:t>Décalage de </a:t>
-                      </a:r>
-                    </a:p>
-                    <a:p>
-                      <a:pPr algn="ctr"/>
-                      <a:r>
-                        <a:rPr lang="fr-FR" sz="900" dirty="0"/>
-                        <a:t>2 mm</a:t>
-                      </a:r>
-                    </a:p>
-                  </a:txBody>
-                  <a:tcPr anchor="ctr"/>
-                </a:tc>
-                <a:tc>
-                  <a:txBody>
-                    <a:bodyPr/>
-                    <a:lstStyle/>
-                    <a:p>
-                      <a:pPr algn="ctr"/>
-                      <a:r>
-                        <a:rPr lang="fr-FR" sz="900" dirty="0"/>
-                        <a:t>Décalage de </a:t>
-                      </a:r>
-                    </a:p>
-                    <a:p>
-                      <a:pPr algn="ctr"/>
-                      <a:r>
-                        <a:rPr lang="fr-FR" sz="900" dirty="0"/>
-                        <a:t>1 mm</a:t>
-                      </a:r>
-                    </a:p>
-                  </a:txBody>
-                  <a:tcPr anchor="ctr"/>
-                </a:tc>
-                <a:tc>
-                  <a:txBody>
-                    <a:bodyPr/>
-                    <a:lstStyle/>
-                    <a:p>
-                      <a:pPr algn="ctr"/>
-                      <a:r>
-                        <a:rPr lang="fr-FR" sz="900" dirty="0"/>
-                        <a:t>Aucun décalage</a:t>
-                      </a:r>
-                    </a:p>
-                  </a:txBody>
-                  <a:tcPr anchor="ctr"/>
-                </a:tc>
-                <a:extLst>
-                  <a:ext uri="{0D108BD9-81ED-4DB2-BD59-A6C34878D82A}">
-                    <a16:rowId xmlns:a16="http://schemas.microsoft.com/office/drawing/2014/main" val="2998772913"/>
-                  </a:ext>
-                </a:extLst>
-              </a:tr>
-              <a:tr h="1186246">
-                <a:tc>
-                  <a:txBody>
-                    <a:bodyPr/>
-                    <a:lstStyle/>
-                    <a:p>
-                      <a:endParaRPr lang="fr-FR" sz="1400" dirty="0">
-                        <a:highlight>
-                          <a:srgbClr val="FFFF00"/>
-                        </a:highlight>
-                      </a:endParaRPr>
-                    </a:p>
-                  </a:txBody>
-                  <a:tcPr anchor="ctr">
-                    <a:solidFill>
-                      <a:srgbClr val="A6A6A6"/>
-                    </a:solidFill>
-                  </a:tcPr>
-                </a:tc>
-                <a:tc>
-                  <a:txBody>
-                    <a:bodyPr/>
-                    <a:lstStyle/>
-                    <a:p>
-                      <a:endParaRPr lang="fr-FR" sz="1400" dirty="0"/>
-                    </a:p>
-                  </a:txBody>
-                  <a:tcPr anchor="ctr">
-                    <a:solidFill>
-                      <a:srgbClr val="A6A6A6"/>
-                    </a:solidFill>
-                  </a:tcPr>
-                </a:tc>
-                <a:tc>
-                  <a:txBody>
-                    <a:bodyPr/>
-                    <a:lstStyle/>
-                    <a:p>
-                      <a:pPr algn="ctr"/>
-                      <a:endParaRPr lang="fr-FR" sz="900" dirty="0"/>
-                    </a:p>
-                  </a:txBody>
-                  <a:tcPr anchor="ctr">
-                    <a:solidFill>
-                      <a:srgbClr val="A6A6A6"/>
-                    </a:solidFill>
-                  </a:tcPr>
-                </a:tc>
-                <a:tc>
-                  <a:txBody>
-                    <a:bodyPr/>
-                    <a:lstStyle/>
-                    <a:p>
-                      <a:pPr algn="ctr"/>
-                      <a:endParaRPr lang="fr-FR" sz="900" dirty="0"/>
-                    </a:p>
-                  </a:txBody>
-                  <a:tcPr anchor="ctr">
-                    <a:solidFill>
-                      <a:srgbClr val="A6A6A6"/>
-                    </a:solidFill>
-                  </a:tcPr>
-                </a:tc>
-                <a:tc>
-                  <a:txBody>
-                    <a:bodyPr/>
-                    <a:lstStyle/>
-                    <a:p>
-                      <a:pPr algn="ctr"/>
-                      <a:endParaRPr lang="fr-FR" sz="900" dirty="0"/>
-                    </a:p>
-                  </a:txBody>
-                  <a:tcPr anchor="ctr">
-                    <a:solidFill>
-                      <a:srgbClr val="A6A6A6"/>
-                    </a:solidFill>
-                  </a:tcPr>
-                </a:tc>
-                <a:tc>
-                  <a:txBody>
-                    <a:bodyPr/>
-                    <a:lstStyle/>
-                    <a:p>
-                      <a:pPr algn="ctr"/>
-                      <a:endParaRPr lang="fr-FR" sz="900" dirty="0"/>
-                    </a:p>
-                  </a:txBody>
-                  <a:tcPr anchor="ctr">
-                    <a:solidFill>
-                      <a:srgbClr val="A6A6A6"/>
-                    </a:solidFill>
-                  </a:tcPr>
-                </a:tc>
-                <a:extLst>
-                  <a:ext uri="{0D108BD9-81ED-4DB2-BD59-A6C34878D82A}">
-                    <a16:rowId xmlns:a16="http://schemas.microsoft.com/office/drawing/2014/main" val="263690387"/>
-                  </a:ext>
-                </a:extLst>
-              </a:tr>
-              <a:tr h="1186246">
-                <a:tc>
-                  <a:txBody>
-                    <a:bodyPr/>
-                    <a:lstStyle/>
-                    <a:p>
-                      <a:pPr marL="0" marR="0" lvl="0" indent="0" algn="l" defTabSz="1439997" rtl="0" eaLnBrk="1" fontAlgn="auto" latinLnBrk="0" hangingPunct="1">
-                        <a:lnSpc>
-                          <a:spcPct val="100000"/>
-                        </a:lnSpc>
-                        <a:spcBef>
-                          <a:spcPts val="0"/>
-                        </a:spcBef>
-                        <a:spcAft>
-                          <a:spcPts val="0"/>
-                        </a:spcAft>
-                        <a:buClrTx/>
-                        <a:buSzTx/>
-                        <a:buFontTx/>
-                        <a:buNone/>
-                        <a:tabLst/>
-                        <a:defRPr/>
-                      </a:pPr>
-                      <a:r>
-                        <a:rPr lang="fr-FR" sz="1400" dirty="0"/>
-                        <a:t>Le placage est parfaitement appliqué. </a:t>
-                      </a:r>
-                    </a:p>
-                    <a:p>
-                      <a:r>
-                        <a:rPr lang="fr-FR" sz="1400" dirty="0"/>
-                        <a:t>(4 pts)</a:t>
-                      </a:r>
-                    </a:p>
-                  </a:txBody>
-                  <a:tcPr anchor="ctr"/>
-                </a:tc>
-                <a:tc>
-                  <a:txBody>
-                    <a:bodyPr/>
-                    <a:lstStyle/>
-                    <a:p>
-                      <a:endParaRPr lang="fr-FR" sz="1400" dirty="0"/>
-                    </a:p>
-                  </a:txBody>
-                  <a:tcPr anchor="ctr">
-                    <a:blipFill>
-                      <a:blip r:embed="rId2"/>
-                      <a:tile tx="0" ty="0" sx="100000" sy="100000" flip="none" algn="tl"/>
-                    </a:blipFill>
-                  </a:tcPr>
-                </a:tc>
-                <a:tc>
-                  <a:txBody>
-                    <a:bodyPr/>
-                    <a:lstStyle/>
-                    <a:p>
-                      <a:pPr algn="ctr"/>
-                      <a:r>
-                        <a:rPr lang="fr-FR" sz="900" dirty="0"/>
-                        <a:t>Il y a plus d’une trace de colle, plus d’une arrête n’est pas fermée</a:t>
-                      </a:r>
-                    </a:p>
-                  </a:txBody>
-                  <a:tcPr anchor="ctr"/>
-                </a:tc>
-                <a:tc>
-                  <a:txBody>
-                    <a:bodyPr/>
-                    <a:lstStyle/>
-                    <a:p>
-                      <a:pPr algn="ctr"/>
-                      <a:endParaRPr lang="fr-FR" sz="900" dirty="0"/>
-                    </a:p>
-                  </a:txBody>
-                  <a:tcPr anchor="ctr">
-                    <a:solidFill>
-                      <a:srgbClr val="A6A6A6"/>
-                    </a:solidFill>
-                  </a:tcPr>
-                </a:tc>
-                <a:tc>
-                  <a:txBody>
-                    <a:bodyPr/>
-                    <a:lstStyle/>
-                    <a:p>
-                      <a:pPr algn="ctr"/>
-                      <a:r>
-                        <a:rPr lang="fr-FR" sz="900" dirty="0"/>
-                        <a:t>Il y a une traces de colles ou une arrête n’est pas fermée </a:t>
-                      </a:r>
-                    </a:p>
-                  </a:txBody>
-                  <a:tcPr anchor="ctr"/>
-                </a:tc>
-                <a:tc>
-                  <a:txBody>
-                    <a:bodyPr/>
-                    <a:lstStyle/>
-                    <a:p>
-                      <a:pPr algn="ctr"/>
-                      <a:r>
-                        <a:rPr lang="fr-FR" sz="900" dirty="0"/>
-                        <a:t>Toute les arrêtes sont parfaitement fermées, la surface est propre</a:t>
-                      </a:r>
-                    </a:p>
-                  </a:txBody>
-                  <a:tcPr anchor="ctr"/>
-                </a:tc>
-                <a:extLst>
-                  <a:ext uri="{0D108BD9-81ED-4DB2-BD59-A6C34878D82A}">
-                    <a16:rowId xmlns:a16="http://schemas.microsoft.com/office/drawing/2014/main" val="1047825679"/>
-                  </a:ext>
-                </a:extLst>
-              </a:tr>
-              <a:tr h="1186246">
-                <a:tc>
-                  <a:txBody>
-                    <a:bodyPr/>
-                    <a:lstStyle/>
-                    <a:p>
-                      <a:pPr marL="0" marR="0" lvl="0" indent="0" algn="l" defTabSz="1439997" rtl="0" eaLnBrk="1" fontAlgn="auto" latinLnBrk="0" hangingPunct="1">
-                        <a:lnSpc>
-                          <a:spcPct val="100000"/>
-                        </a:lnSpc>
-                        <a:spcBef>
-                          <a:spcPts val="0"/>
-                        </a:spcBef>
-                        <a:spcAft>
-                          <a:spcPts val="0"/>
-                        </a:spcAft>
-                        <a:buClrTx/>
-                        <a:buSzTx/>
-                        <a:buFontTx/>
-                        <a:buNone/>
-                        <a:tabLst/>
-                        <a:defRPr/>
-                      </a:pPr>
-                      <a:r>
-                        <a:rPr lang="fr-FR" sz="1400" dirty="0"/>
-                        <a:t>La placage n’est pas vif sur les arrêtes du meubles, un chanfrein ou un ponçage a été réalisé</a:t>
-                      </a:r>
-                    </a:p>
-                    <a:p>
-                      <a:r>
-                        <a:rPr lang="fr-FR" sz="1400" dirty="0"/>
-                        <a:t>(4 pts)</a:t>
-                      </a:r>
-                    </a:p>
-                  </a:txBody>
-                  <a:tcPr anchor="ctr"/>
-                </a:tc>
-                <a:tc>
-                  <a:txBody>
-                    <a:bodyPr/>
-                    <a:lstStyle/>
-                    <a:p>
-                      <a:endParaRPr lang="fr-FR" sz="1400" dirty="0"/>
-                    </a:p>
-                  </a:txBody>
-                  <a:tcPr anchor="ctr">
-                    <a:blipFill>
-                      <a:blip r:embed="rId2"/>
-                      <a:tile tx="0" ty="0" sx="100000" sy="100000" flip="none" algn="tl"/>
-                    </a:blipFill>
-                  </a:tcPr>
-                </a:tc>
-                <a:tc>
-                  <a:txBody>
-                    <a:bodyPr/>
-                    <a:lstStyle/>
-                    <a:p>
-                      <a:pPr marL="0" marR="0" lvl="0" indent="0" algn="ctr" defTabSz="1439997" rtl="0" eaLnBrk="1" fontAlgn="auto" latinLnBrk="0" hangingPunct="1">
-                        <a:lnSpc>
-                          <a:spcPct val="100000"/>
-                        </a:lnSpc>
-                        <a:spcBef>
-                          <a:spcPts val="0"/>
-                        </a:spcBef>
-                        <a:spcAft>
-                          <a:spcPts val="0"/>
-                        </a:spcAft>
-                        <a:buClrTx/>
-                        <a:buSzTx/>
-                        <a:buFontTx/>
-                        <a:buNone/>
-                        <a:tabLst/>
-                        <a:defRPr/>
-                      </a:pPr>
-                      <a:r>
-                        <a:rPr lang="fr-FR" sz="900" dirty="0"/>
-                        <a:t>Plus de deux arrêtes vives</a:t>
-                      </a:r>
-                    </a:p>
-                    <a:p>
-                      <a:pPr algn="ctr"/>
-                      <a:endParaRPr lang="fr-FR" sz="900" dirty="0"/>
-                    </a:p>
-                  </a:txBody>
-                  <a:tcPr anchor="ctr"/>
-                </a:tc>
-                <a:tc>
-                  <a:txBody>
-                    <a:bodyPr/>
-                    <a:lstStyle/>
-                    <a:p>
-                      <a:pPr marL="0" marR="0" lvl="0" indent="0" algn="ctr" defTabSz="1439997" rtl="0" eaLnBrk="1" fontAlgn="auto" latinLnBrk="0" hangingPunct="1">
-                        <a:lnSpc>
-                          <a:spcPct val="100000"/>
-                        </a:lnSpc>
-                        <a:spcBef>
-                          <a:spcPts val="0"/>
-                        </a:spcBef>
-                        <a:spcAft>
-                          <a:spcPts val="0"/>
-                        </a:spcAft>
-                        <a:buClrTx/>
-                        <a:buSzTx/>
-                        <a:buFontTx/>
-                        <a:buNone/>
-                        <a:tabLst/>
-                        <a:defRPr/>
-                      </a:pPr>
-                      <a:r>
-                        <a:rPr lang="fr-FR" sz="900" dirty="0"/>
-                        <a:t>Deux arrêtes vives</a:t>
-                      </a:r>
-                    </a:p>
-                    <a:p>
-                      <a:pPr algn="ctr"/>
-                      <a:endParaRPr lang="fr-FR" sz="900" dirty="0"/>
-                    </a:p>
-                  </a:txBody>
-                  <a:tcPr anchor="ctr"/>
-                </a:tc>
-                <a:tc>
-                  <a:txBody>
-                    <a:bodyPr/>
-                    <a:lstStyle/>
-                    <a:p>
-                      <a:pPr algn="ctr"/>
-                      <a:r>
-                        <a:rPr lang="fr-FR" sz="900" dirty="0"/>
-                        <a:t>Une arrête vive</a:t>
-                      </a:r>
-                    </a:p>
-                  </a:txBody>
-                  <a:tcPr anchor="ctr"/>
-                </a:tc>
-                <a:tc>
-                  <a:txBody>
-                    <a:bodyPr/>
-                    <a:lstStyle/>
-                    <a:p>
-                      <a:pPr algn="ctr"/>
-                      <a:r>
-                        <a:rPr lang="fr-FR" sz="900" dirty="0"/>
-                        <a:t>Aucune arête vives</a:t>
-                      </a:r>
-                    </a:p>
-                  </a:txBody>
-                  <a:tcPr anchor="ctr"/>
-                </a:tc>
-                <a:extLst>
-                  <a:ext uri="{0D108BD9-81ED-4DB2-BD59-A6C34878D82A}">
-                    <a16:rowId xmlns:a16="http://schemas.microsoft.com/office/drawing/2014/main" val="1911863720"/>
-                  </a:ext>
-                </a:extLst>
-              </a:tr>
-              <a:tr h="1186246">
-                <a:tc>
-                  <a:txBody>
-                    <a:bodyPr/>
-                    <a:lstStyle/>
-                    <a:p>
-                      <a:pPr marL="0" marR="0" lvl="0" indent="0" algn="l" defTabSz="1439997" rtl="0" eaLnBrk="1" fontAlgn="auto" latinLnBrk="0" hangingPunct="1">
-                        <a:lnSpc>
-                          <a:spcPct val="100000"/>
-                        </a:lnSpc>
-                        <a:spcBef>
-                          <a:spcPts val="0"/>
-                        </a:spcBef>
-                        <a:spcAft>
-                          <a:spcPts val="0"/>
-                        </a:spcAft>
-                        <a:buClrTx/>
-                        <a:buSzTx/>
-                        <a:buFontTx/>
-                        <a:buNone/>
-                        <a:tabLst/>
-                        <a:defRPr/>
-                      </a:pPr>
-                      <a:r>
-                        <a:rPr lang="fr-FR" sz="1400" dirty="0"/>
-                        <a:t>Les portes sont poncés et prêtent à accueillir la finition </a:t>
-                      </a:r>
-                    </a:p>
-                    <a:p>
-                      <a:r>
-                        <a:rPr lang="fr-FR" sz="1400" dirty="0"/>
-                        <a:t>(4 pts)</a:t>
-                      </a:r>
-                    </a:p>
-                  </a:txBody>
-                  <a:tcPr anchor="ctr"/>
-                </a:tc>
-                <a:tc>
-                  <a:txBody>
-                    <a:bodyPr/>
-                    <a:lstStyle/>
-                    <a:p>
-                      <a:endParaRPr lang="fr-FR" sz="1400" dirty="0"/>
-                    </a:p>
-                  </a:txBody>
-                  <a:tcPr anchor="ctr">
-                    <a:blipFill>
-                      <a:blip r:embed="rId2"/>
-                      <a:tile tx="0" ty="0" sx="100000" sy="100000" flip="none" algn="tl"/>
-                    </a:blipFill>
-                  </a:tcPr>
-                </a:tc>
-                <a:tc>
-                  <a:txBody>
-                    <a:bodyPr/>
-                    <a:lstStyle/>
-                    <a:p>
-                      <a:pPr algn="ctr"/>
-                      <a:r>
-                        <a:rPr lang="fr-FR" sz="900" dirty="0"/>
-                        <a:t>Non effectué</a:t>
-                      </a:r>
-                    </a:p>
-                  </a:txBody>
-                  <a:tcPr anchor="ctr"/>
-                </a:tc>
-                <a:tc>
-                  <a:txBody>
-                    <a:bodyPr/>
-                    <a:lstStyle/>
-                    <a:p>
-                      <a:pPr algn="ctr"/>
-                      <a:endParaRPr lang="fr-FR" sz="900" dirty="0"/>
-                    </a:p>
-                  </a:txBody>
-                  <a:tcPr anchor="ctr">
-                    <a:solidFill>
-                      <a:srgbClr val="A6A6A6"/>
-                    </a:solidFill>
-                  </a:tcPr>
-                </a:tc>
-                <a:tc>
-                  <a:txBody>
-                    <a:bodyPr/>
-                    <a:lstStyle/>
-                    <a:p>
-                      <a:pPr algn="ctr"/>
-                      <a:endParaRPr lang="fr-FR" sz="900" dirty="0"/>
-                    </a:p>
-                  </a:txBody>
-                  <a:tcPr anchor="ctr">
-                    <a:solidFill>
-                      <a:srgbClr val="A6A6A6"/>
-                    </a:solidFill>
-                  </a:tcPr>
-                </a:tc>
-                <a:tc>
-                  <a:txBody>
-                    <a:bodyPr/>
-                    <a:lstStyle/>
-                    <a:p>
-                      <a:pPr algn="ctr"/>
-                      <a:r>
-                        <a:rPr lang="fr-FR" sz="900" dirty="0"/>
-                        <a:t>effectué</a:t>
-                      </a:r>
-                    </a:p>
-                  </a:txBody>
-                  <a:tcPr anchor="ctr"/>
-                </a:tc>
-                <a:extLst>
-                  <a:ext uri="{0D108BD9-81ED-4DB2-BD59-A6C34878D82A}">
-                    <a16:rowId xmlns:a16="http://schemas.microsoft.com/office/drawing/2014/main" val="3673042529"/>
-                  </a:ext>
-                </a:extLst>
-              </a:tr>
-              <a:tr h="1186246">
-                <a:tc>
-                  <a:txBody>
-                    <a:bodyPr/>
-                    <a:lstStyle/>
-                    <a:p>
-                      <a:pPr algn="ctr"/>
-                      <a:r>
-                        <a:rPr lang="fr-FR" dirty="0"/>
-                        <a:t>Note finale: </a:t>
-                      </a:r>
-                    </a:p>
-                  </a:txBody>
-                  <a:tcPr anchor="ctr"/>
-                </a:tc>
-                <a:tc gridSpan="5">
-                  <a:txBody>
-                    <a:bodyPr/>
-                    <a:lstStyle/>
-                    <a:p>
-                      <a:endParaRPr lang="fr-FR" sz="1400" dirty="0"/>
-                    </a:p>
-                  </a:txBody>
-                  <a:tcPr anchor="ctr"/>
-                </a:tc>
-                <a:tc hMerge="1">
-                  <a:txBody>
-                    <a:bodyPr/>
-                    <a:lstStyle/>
-                    <a:p>
-                      <a:endParaRPr lang="fr-FR" sz="1400" dirty="0"/>
-                    </a:p>
-                  </a:txBody>
-                  <a:tcPr anchor="ctr"/>
-                </a:tc>
-                <a:tc hMerge="1">
-                  <a:txBody>
-                    <a:bodyPr/>
-                    <a:lstStyle/>
-                    <a:p>
-                      <a:endParaRPr lang="fr-FR" sz="1400" dirty="0"/>
-                    </a:p>
-                  </a:txBody>
-                  <a:tcPr anchor="ctr"/>
-                </a:tc>
-                <a:tc hMerge="1">
-                  <a:txBody>
-                    <a:bodyPr/>
-                    <a:lstStyle/>
-                    <a:p>
-                      <a:endParaRPr lang="fr-FR" sz="1400" dirty="0"/>
-                    </a:p>
-                  </a:txBody>
-                  <a:tcPr anchor="ctr"/>
-                </a:tc>
-                <a:tc hMerge="1">
-                  <a:txBody>
-                    <a:bodyPr/>
-                    <a:lstStyle/>
-                    <a:p>
-                      <a:endParaRPr lang="fr-FR" sz="1400" dirty="0"/>
-                    </a:p>
-                  </a:txBody>
-                  <a:tcPr anchor="ctr"/>
-                </a:tc>
-                <a:extLst>
-                  <a:ext uri="{0D108BD9-81ED-4DB2-BD59-A6C34878D82A}">
-                    <a16:rowId xmlns:a16="http://schemas.microsoft.com/office/drawing/2014/main" val="3834295413"/>
-                  </a:ext>
-                </a:extLst>
-              </a:tr>
-            </a:tbl>
-          </a:graphicData>
-        </a:graphic>
-      </p:graphicFrame>
-    </p:spTree>
-    <p:extLst>
-      <p:ext uri="{BB962C8B-B14F-4D97-AF65-F5344CB8AC3E}">
-        <p14:creationId xmlns:p14="http://schemas.microsoft.com/office/powerpoint/2010/main" val="3264843400"/>
-      </p:ext>
-    </p:extLst>
-  </p:cSld>
-  <p:clrMapOvr>
-    <a:masterClrMapping/>
-  </p:clrMapOvr>
-</p:sld>
-</file>
-
-<file path=ppt/slides/slide9.xml><?xml version="1.0" encoding="utf-8"?>
-<p:sld xmlns:a="http://schemas.openxmlformats.org/drawingml/2006/main" xmlns:r="http://schemas.openxmlformats.org/officeDocument/2006/relationships" xmlns:p="http://schemas.openxmlformats.org/presentationml/2006/main">
-  <p:cSld>
-    <p:spTree>
-      <p:nvGrpSpPr>
-        <p:cNvPr id="1" name=""/>
-        <p:cNvGrpSpPr/>
-        <p:nvPr/>
-      </p:nvGrpSpPr>
-      <p:grpSpPr>
-        <a:xfrm>
-          <a:off x="0" y="0"/>
-          <a:ext cx="0" cy="0"/>
-          <a:chOff x="0" y="0"/>
-          <a:chExt cx="0" cy="0"/>
-        </a:xfrm>
-      </p:grpSpPr>
-      <p:sp>
-        <p:nvSpPr>
-          <p:cNvPr id="17" name="Rectangle 16"/>
-          <p:cNvSpPr/>
-          <p:nvPr/>
-        </p:nvSpPr>
-        <p:spPr>
-          <a:xfrm>
-            <a:off x="0" y="179881"/>
-            <a:ext cx="15119349" cy="10440000"/>
-          </a:xfrm>
-          <a:prstGeom prst="rect">
-            <a:avLst/>
-          </a:prstGeom>
-          <a:ln w="57150">
-            <a:solidFill>
-              <a:schemeClr val="bg1"/>
-            </a:solidFill>
-          </a:ln>
-        </p:spPr>
-        <p:style>
-          <a:lnRef idx="2">
-            <a:schemeClr val="dk1"/>
-          </a:lnRef>
-          <a:fillRef idx="1">
-            <a:schemeClr val="lt1"/>
-          </a:fillRef>
-          <a:effectRef idx="0">
-            <a:schemeClr val="dk1"/>
-          </a:effectRef>
-          <a:fontRef idx="minor">
-            <a:schemeClr val="dk1"/>
-          </a:fontRef>
-        </p:style>
-        <p:txBody>
-          <a:bodyPr rtlCol="0" anchor="ctr"/>
-          <a:lstStyle/>
-          <a:p>
-            <a:pPr marL="72000" algn="ctr">
-              <a:lnSpc>
-                <a:spcPct val="120000"/>
-              </a:lnSpc>
-            </a:pPr>
-            <a:r>
-              <a:rPr lang="fr-FR" sz="4000" b="1" dirty="0">
-                <a:solidFill>
-                  <a:schemeClr val="tx1"/>
-                </a:solidFill>
-                <a:latin typeface="Comic Sans MS" panose="030F0702030302020204" pitchFamily="66" charset="0"/>
-                <a:ea typeface="JetBrains Mono" panose="02000009000000000000" pitchFamily="49" charset="0"/>
-                <a:cs typeface="Arial" panose="020B0604020202020204" pitchFamily="34" charset="0"/>
-              </a:rPr>
-              <a:t>Les baies</a:t>
-            </a:r>
-            <a:endParaRPr lang="fr-FR" sz="4000" dirty="0">
-              <a:solidFill>
-                <a:schemeClr val="tx1"/>
-              </a:solidFill>
-              <a:latin typeface="Comic Sans MS" panose="030F0702030302020204" pitchFamily="66" charset="0"/>
-              <a:ea typeface="JetBrains Mono" panose="02000009000000000000" pitchFamily="49" charset="0"/>
-              <a:cs typeface="Arial" panose="020B0604020202020204" pitchFamily="34" charset="0"/>
-            </a:endParaRPr>
-          </a:p>
-        </p:txBody>
-      </p:sp>
-    </p:spTree>
-    <p:extLst>
-      <p:ext uri="{BB962C8B-B14F-4D97-AF65-F5344CB8AC3E}">
-        <p14:creationId xmlns:p14="http://schemas.microsoft.com/office/powerpoint/2010/main" val="1581133045"/>
       </p:ext>
     </p:extLst>
   </p:cSld>

--- a/Dossier Fenetre Volet/Dossier Fenetre Volet.pptx
+++ b/Dossier Fenetre Volet/Dossier Fenetre Volet.pptx
@@ -5,10 +5,10 @@
     <p:sldMasterId id="2147483660" r:id="rId1"/>
   </p:sldMasterIdLst>
   <p:notesMasterIdLst>
-    <p:notesMasterId r:id="rId23"/>
+    <p:notesMasterId r:id="rId24"/>
   </p:notesMasterIdLst>
   <p:handoutMasterIdLst>
-    <p:handoutMasterId r:id="rId24"/>
+    <p:handoutMasterId r:id="rId25"/>
   </p:handoutMasterIdLst>
   <p:sldIdLst>
     <p:sldId id="256" r:id="rId2"/>
@@ -16,7 +16,7 @@
     <p:sldId id="329" r:id="rId4"/>
     <p:sldId id="331" r:id="rId5"/>
     <p:sldId id="378" r:id="rId6"/>
-    <p:sldId id="387" r:id="rId7"/>
+    <p:sldId id="388" r:id="rId7"/>
     <p:sldId id="333" r:id="rId8"/>
     <p:sldId id="385" r:id="rId9"/>
     <p:sldId id="379" r:id="rId10"/>
@@ -31,7 +31,8 @@
     <p:sldId id="375" r:id="rId19"/>
     <p:sldId id="257" r:id="rId20"/>
     <p:sldId id="381" r:id="rId21"/>
-    <p:sldId id="382" r:id="rId22"/>
+    <p:sldId id="389" r:id="rId22"/>
+    <p:sldId id="382" r:id="rId23"/>
   </p:sldIdLst>
   <p:sldSz cx="15119350" cy="10799763"/>
   <p:notesSz cx="6797675" cy="9926638"/>
@@ -223,7 +224,7 @@
           <a:p>
             <a:fld id="{175ECC00-C06A-4323-852F-768318D8586A}" type="datetimeFigureOut">
               <a:rPr lang="fr-FR" smtClean="0"/>
-              <a:t>05/03/2025</a:t>
+              <a:t>14/04/2025</a:t>
             </a:fld>
             <a:endParaRPr lang="fr-FR"/>
           </a:p>
@@ -388,7 +389,7 @@
           <a:p>
             <a:fld id="{AE8DAB01-C85E-4F33-91A5-B6D112914A5D}" type="datetimeFigureOut">
               <a:rPr lang="fr-FR" smtClean="0"/>
-              <a:t>05/03/2025</a:t>
+              <a:t>14/04/2025</a:t>
             </a:fld>
             <a:endParaRPr lang="fr-FR"/>
           </a:p>
@@ -787,7 +788,7 @@
           <a:p>
             <a:fld id="{A69F3118-5675-4AEB-B17B-1E109ACFC119}" type="datetimeFigureOut">
               <a:rPr lang="fr-FR" smtClean="0"/>
-              <a:t>05/03/2025</a:t>
+              <a:t>14/04/2025</a:t>
             </a:fld>
             <a:endParaRPr lang="fr-FR"/>
           </a:p>
@@ -957,7 +958,7 @@
           <a:p>
             <a:fld id="{A69F3118-5675-4AEB-B17B-1E109ACFC119}" type="datetimeFigureOut">
               <a:rPr lang="fr-FR" smtClean="0"/>
-              <a:t>05/03/2025</a:t>
+              <a:t>14/04/2025</a:t>
             </a:fld>
             <a:endParaRPr lang="fr-FR"/>
           </a:p>
@@ -1137,7 +1138,7 @@
           <a:p>
             <a:fld id="{A69F3118-5675-4AEB-B17B-1E109ACFC119}" type="datetimeFigureOut">
               <a:rPr lang="fr-FR" smtClean="0"/>
-              <a:t>05/03/2025</a:t>
+              <a:t>14/04/2025</a:t>
             </a:fld>
             <a:endParaRPr lang="fr-FR"/>
           </a:p>
@@ -1307,7 +1308,7 @@
           <a:p>
             <a:fld id="{A69F3118-5675-4AEB-B17B-1E109ACFC119}" type="datetimeFigureOut">
               <a:rPr lang="fr-FR" smtClean="0"/>
-              <a:t>05/03/2025</a:t>
+              <a:t>14/04/2025</a:t>
             </a:fld>
             <a:endParaRPr lang="fr-FR"/>
           </a:p>
@@ -1551,7 +1552,7 @@
           <a:p>
             <a:fld id="{A69F3118-5675-4AEB-B17B-1E109ACFC119}" type="datetimeFigureOut">
               <a:rPr lang="fr-FR" smtClean="0"/>
-              <a:t>05/03/2025</a:t>
+              <a:t>14/04/2025</a:t>
             </a:fld>
             <a:endParaRPr lang="fr-FR"/>
           </a:p>
@@ -1783,7 +1784,7 @@
           <a:p>
             <a:fld id="{A69F3118-5675-4AEB-B17B-1E109ACFC119}" type="datetimeFigureOut">
               <a:rPr lang="fr-FR" smtClean="0"/>
-              <a:t>05/03/2025</a:t>
+              <a:t>14/04/2025</a:t>
             </a:fld>
             <a:endParaRPr lang="fr-FR"/>
           </a:p>
@@ -2150,7 +2151,7 @@
           <a:p>
             <a:fld id="{A69F3118-5675-4AEB-B17B-1E109ACFC119}" type="datetimeFigureOut">
               <a:rPr lang="fr-FR" smtClean="0"/>
-              <a:t>05/03/2025</a:t>
+              <a:t>14/04/2025</a:t>
             </a:fld>
             <a:endParaRPr lang="fr-FR"/>
           </a:p>
@@ -2268,7 +2269,7 @@
           <a:p>
             <a:fld id="{A69F3118-5675-4AEB-B17B-1E109ACFC119}" type="datetimeFigureOut">
               <a:rPr lang="fr-FR" smtClean="0"/>
-              <a:t>05/03/2025</a:t>
+              <a:t>14/04/2025</a:t>
             </a:fld>
             <a:endParaRPr lang="fr-FR"/>
           </a:p>
@@ -2363,7 +2364,7 @@
           <a:p>
             <a:fld id="{A69F3118-5675-4AEB-B17B-1E109ACFC119}" type="datetimeFigureOut">
               <a:rPr lang="fr-FR" smtClean="0"/>
-              <a:t>05/03/2025</a:t>
+              <a:t>14/04/2025</a:t>
             </a:fld>
             <a:endParaRPr lang="fr-FR"/>
           </a:p>
@@ -2640,7 +2641,7 @@
           <a:p>
             <a:fld id="{A69F3118-5675-4AEB-B17B-1E109ACFC119}" type="datetimeFigureOut">
               <a:rPr lang="fr-FR" smtClean="0"/>
-              <a:t>05/03/2025</a:t>
+              <a:t>14/04/2025</a:t>
             </a:fld>
             <a:endParaRPr lang="fr-FR"/>
           </a:p>
@@ -2897,7 +2898,7 @@
           <a:p>
             <a:fld id="{A69F3118-5675-4AEB-B17B-1E109ACFC119}" type="datetimeFigureOut">
               <a:rPr lang="fr-FR" smtClean="0"/>
-              <a:t>05/03/2025</a:t>
+              <a:t>14/04/2025</a:t>
             </a:fld>
             <a:endParaRPr lang="fr-FR"/>
           </a:p>
@@ -3110,7 +3111,7 @@
           <a:p>
             <a:fld id="{A69F3118-5675-4AEB-B17B-1E109ACFC119}" type="datetimeFigureOut">
               <a:rPr lang="fr-FR" smtClean="0"/>
-              <a:t>05/03/2025</a:t>
+              <a:t>14/04/2025</a:t>
             </a:fld>
             <a:endParaRPr lang="fr-FR"/>
           </a:p>
@@ -6742,8 +6743,8 @@
         </p:blipFill>
         <p:spPr>
           <a:xfrm>
-            <a:off x="4469137" y="7861385"/>
-            <a:ext cx="6181073" cy="2525999"/>
+            <a:off x="4111044" y="7568703"/>
+            <a:ext cx="6897259" cy="2818681"/>
           </a:xfrm>
           <a:prstGeom prst="rect">
             <a:avLst/>
@@ -11028,7 +11029,7 @@
                 <a:ea typeface="JetBrains Mono" panose="02000009000000000000" pitchFamily="49" charset="0"/>
                 <a:cs typeface="Arial" panose="020B0604020202020204" pitchFamily="34" charset="0"/>
               </a:rPr>
-              <a:t>Le vocabulaire des fenêtres </a:t>
+              <a:t>Les fenêtres </a:t>
             </a:r>
             <a:endParaRPr lang="fr-FR" sz="4000" dirty="0">
               <a:solidFill>
@@ -11150,6 +11151,477 @@
 </file>
 
 <file path=ppt/slides/slide21.xml><?xml version="1.0" encoding="utf-8"?>
+<p:sld xmlns:a="http://schemas.openxmlformats.org/drawingml/2006/main" xmlns:r="http://schemas.openxmlformats.org/officeDocument/2006/relationships" xmlns:p="http://schemas.openxmlformats.org/presentationml/2006/main">
+  <p:cSld>
+    <p:spTree>
+      <p:nvGrpSpPr>
+        <p:cNvPr id="1" name=""/>
+        <p:cNvGrpSpPr/>
+        <p:nvPr/>
+      </p:nvGrpSpPr>
+      <p:grpSpPr>
+        <a:xfrm>
+          <a:off x="0" y="0"/>
+          <a:ext cx="0" cy="0"/>
+          <a:chOff x="0" y="0"/>
+          <a:chExt cx="0" cy="0"/>
+        </a:xfrm>
+      </p:grpSpPr>
+      <p:sp>
+        <p:nvSpPr>
+          <p:cNvPr id="17" name="Rectangle 16"/>
+          <p:cNvSpPr/>
+          <p:nvPr/>
+        </p:nvSpPr>
+        <p:spPr>
+          <a:xfrm>
+            <a:off x="4039557" y="179881"/>
+            <a:ext cx="7040235" cy="10440000"/>
+          </a:xfrm>
+          <a:prstGeom prst="rect">
+            <a:avLst/>
+          </a:prstGeom>
+          <a:ln w="57150"/>
+        </p:spPr>
+        <p:style>
+          <a:lnRef idx="2">
+            <a:schemeClr val="dk1"/>
+          </a:lnRef>
+          <a:fillRef idx="1">
+            <a:schemeClr val="lt1"/>
+          </a:fillRef>
+          <a:effectRef idx="0">
+            <a:schemeClr val="dk1"/>
+          </a:effectRef>
+          <a:fontRef idx="minor">
+            <a:schemeClr val="dk1"/>
+          </a:fontRef>
+        </p:style>
+        <p:txBody>
+          <a:bodyPr rtlCol="0" anchor="ctr"/>
+          <a:lstStyle/>
+          <a:p>
+            <a:pPr marL="72000"/>
+            <a:r>
+              <a:rPr lang="fr-FR" b="1" dirty="0">
+                <a:cs typeface="Arial" panose="020B0604020202020204" pitchFamily="34" charset="0"/>
+              </a:rPr>
+              <a:t>Contexte professionnel :</a:t>
+            </a:r>
+            <a:endParaRPr lang="fr-FR" dirty="0">
+              <a:cs typeface="Arial" panose="020B0604020202020204" pitchFamily="34" charset="0"/>
+            </a:endParaRPr>
+          </a:p>
+          <a:p>
+            <a:pPr marL="72000"/>
+            <a:r>
+              <a:rPr lang="fr-FR" dirty="0"/>
+              <a:t>La région a lancé un projet pour équiper les élèves de supports pour ordinateurs portables, afin d’améliorer les conditions de travail des élèves. </a:t>
+            </a:r>
+          </a:p>
+          <a:p>
+            <a:pPr marL="72000"/>
+            <a:endParaRPr lang="fr-FR" dirty="0"/>
+          </a:p>
+          <a:p>
+            <a:pPr marL="72000"/>
+            <a:r>
+              <a:rPr lang="fr-FR" dirty="0"/>
+              <a:t>Ces supports doivent être fonctionnels, robustes, esthétiques. Ce projet permet aux élèves de mettre en pratique leurs compétences en menuiserie et en conception technique, tout en contribuant à un besoin concret.</a:t>
+            </a:r>
+          </a:p>
+          <a:p>
+            <a:pPr marL="72000"/>
+            <a:endParaRPr lang="fr-FR" dirty="0">
+              <a:cs typeface="Arial" panose="020B0604020202020204" pitchFamily="34" charset="0"/>
+            </a:endParaRPr>
+          </a:p>
+          <a:p>
+            <a:pPr marL="72000"/>
+            <a:r>
+              <a:rPr lang="fr-FR" b="1" dirty="0">
+                <a:cs typeface="Arial" panose="020B0604020202020204" pitchFamily="34" charset="0"/>
+              </a:rPr>
+              <a:t>Mise en situation :</a:t>
+            </a:r>
+          </a:p>
+          <a:p>
+            <a:pPr marL="72000"/>
+            <a:r>
+              <a:rPr lang="fr-FR" dirty="0">
+                <a:cs typeface="Arial" panose="020B0604020202020204" pitchFamily="34" charset="0"/>
+              </a:rPr>
+              <a:t>Afin de déterminer si les menuisiers sont remplaçable par l’intelligence artificielle, vous participez à une expérience ou des questions sont posées à des I.A pour effectuer des analyses et des études de situations en menuiserie</a:t>
+            </a:r>
+          </a:p>
+          <a:p>
+            <a:pPr marL="72000"/>
+            <a:endParaRPr lang="fr-FR" dirty="0">
+              <a:cs typeface="Arial" panose="020B0604020202020204" pitchFamily="34" charset="0"/>
+            </a:endParaRPr>
+          </a:p>
+          <a:p>
+            <a:pPr marL="72000"/>
+            <a:r>
+              <a:rPr lang="fr-FR" b="1" dirty="0">
+                <a:cs typeface="Arial" panose="020B0604020202020204" pitchFamily="34" charset="0"/>
+              </a:rPr>
+              <a:t>Objectif :</a:t>
+            </a:r>
+          </a:p>
+          <a:p>
+            <a:pPr marL="72000"/>
+            <a:r>
+              <a:rPr lang="fr-FR" dirty="0">
+                <a:cs typeface="Arial" panose="020B0604020202020204" pitchFamily="34" charset="0"/>
+              </a:rPr>
+              <a:t>Sélectionnez une bille de bois abattue pendant les mois recommandés d’abattage et déterminez les parties utile en menuiserie.</a:t>
+            </a:r>
+          </a:p>
+        </p:txBody>
+      </p:sp>
+      <p:sp>
+        <p:nvSpPr>
+          <p:cNvPr id="18" name="Rectangle 17"/>
+          <p:cNvSpPr/>
+          <p:nvPr/>
+        </p:nvSpPr>
+        <p:spPr>
+          <a:xfrm>
+            <a:off x="142517" y="1390649"/>
+            <a:ext cx="3763202" cy="9229231"/>
+          </a:xfrm>
+          <a:prstGeom prst="rect">
+            <a:avLst/>
+          </a:prstGeom>
+          <a:ln w="57150"/>
+        </p:spPr>
+        <p:style>
+          <a:lnRef idx="2">
+            <a:schemeClr val="dk1"/>
+          </a:lnRef>
+          <a:fillRef idx="1">
+            <a:schemeClr val="lt1"/>
+          </a:fillRef>
+          <a:effectRef idx="0">
+            <a:schemeClr val="dk1"/>
+          </a:effectRef>
+          <a:fontRef idx="minor">
+            <a:schemeClr val="dk1"/>
+          </a:fontRef>
+        </p:style>
+        <p:txBody>
+          <a:bodyPr rtlCol="0" anchor="ctr"/>
+          <a:lstStyle/>
+          <a:p>
+            <a:pPr marL="72000"/>
+            <a:r>
+              <a:rPr lang="fr-FR" b="1" dirty="0">
+                <a:cs typeface="Arial" panose="020B0604020202020204" pitchFamily="34" charset="0"/>
+              </a:rPr>
+              <a:t>On demande : </a:t>
+            </a:r>
+          </a:p>
+          <a:p>
+            <a:pPr marL="72000"/>
+            <a:r>
+              <a:rPr lang="fr-FR" sz="1600" dirty="0">
+                <a:cs typeface="Arial" panose="020B0604020202020204" pitchFamily="34" charset="0"/>
+              </a:rPr>
+              <a:t>De répondre a des questions en réalisant des recherches avec l’I.A ou les moteurs de recherche.</a:t>
+            </a:r>
+          </a:p>
+          <a:p>
+            <a:pPr marL="72000"/>
+            <a:endParaRPr lang="fr-FR" b="1" dirty="0">
+              <a:cs typeface="Arial" panose="020B0604020202020204" pitchFamily="34" charset="0"/>
+            </a:endParaRPr>
+          </a:p>
+          <a:p>
+            <a:pPr marL="72000"/>
+            <a:r>
+              <a:rPr lang="fr-FR" b="1" dirty="0">
+                <a:cs typeface="Arial" panose="020B0604020202020204" pitchFamily="34" charset="0"/>
+              </a:rPr>
+              <a:t>On donne :</a:t>
+            </a:r>
+          </a:p>
+          <a:p>
+            <a:pPr marL="72000"/>
+            <a:r>
+              <a:rPr lang="fr-FR" sz="1600" dirty="0">
+                <a:cs typeface="Arial" panose="020B0604020202020204" pitchFamily="34" charset="0"/>
+              </a:rPr>
+              <a:t>Des illustrations sur l’arbre, la bille de bois et les différentes coupes</a:t>
+            </a:r>
+          </a:p>
+        </p:txBody>
+      </p:sp>
+      <p:sp>
+        <p:nvSpPr>
+          <p:cNvPr id="19" name="Rectangle 18"/>
+          <p:cNvSpPr/>
+          <p:nvPr/>
+        </p:nvSpPr>
+        <p:spPr>
+          <a:xfrm>
+            <a:off x="11213630" y="1390649"/>
+            <a:ext cx="3726044" cy="9229231"/>
+          </a:xfrm>
+          <a:prstGeom prst="rect">
+            <a:avLst/>
+          </a:prstGeom>
+          <a:ln w="57150"/>
+        </p:spPr>
+        <p:style>
+          <a:lnRef idx="2">
+            <a:schemeClr val="dk1"/>
+          </a:lnRef>
+          <a:fillRef idx="1">
+            <a:schemeClr val="lt1"/>
+          </a:fillRef>
+          <a:effectRef idx="0">
+            <a:schemeClr val="dk1"/>
+          </a:effectRef>
+          <a:fontRef idx="minor">
+            <a:schemeClr val="dk1"/>
+          </a:fontRef>
+        </p:style>
+        <p:txBody>
+          <a:bodyPr rtlCol="0" anchor="b"/>
+          <a:lstStyle/>
+          <a:p>
+            <a:pPr marL="72000" algn="ctr">
+              <a:lnSpc>
+                <a:spcPct val="120000"/>
+              </a:lnSpc>
+            </a:pPr>
+            <a:endParaRPr lang="fr-FR" sz="1400" spc="300" dirty="0">
+              <a:latin typeface="Comic Sans MS" panose="030F0702030302020204" pitchFamily="66" charset="0"/>
+              <a:ea typeface="JetBrains Mono" panose="02000009000000000000" pitchFamily="49" charset="0"/>
+              <a:cs typeface="JetBrains Mono" panose="02000009000000000000" pitchFamily="49" charset="0"/>
+            </a:endParaRPr>
+          </a:p>
+          <a:p>
+            <a:pPr marL="72000" algn="ctr">
+              <a:lnSpc>
+                <a:spcPct val="120000"/>
+              </a:lnSpc>
+            </a:pPr>
+            <a:endParaRPr lang="fr-FR" sz="1400" spc="300" dirty="0">
+              <a:latin typeface="Comic Sans MS" panose="030F0702030302020204" pitchFamily="66" charset="0"/>
+              <a:ea typeface="JetBrains Mono" panose="02000009000000000000" pitchFamily="49" charset="0"/>
+              <a:cs typeface="JetBrains Mono" panose="02000009000000000000" pitchFamily="49" charset="0"/>
+            </a:endParaRPr>
+          </a:p>
+          <a:p>
+            <a:pPr marL="72000" algn="ctr">
+              <a:lnSpc>
+                <a:spcPct val="120000"/>
+              </a:lnSpc>
+            </a:pPr>
+            <a:endParaRPr lang="fr-FR" sz="1400" spc="300" dirty="0">
+              <a:latin typeface="Comic Sans MS" panose="030F0702030302020204" pitchFamily="66" charset="0"/>
+              <a:ea typeface="JetBrains Mono" panose="02000009000000000000" pitchFamily="49" charset="0"/>
+              <a:cs typeface="JetBrains Mono" panose="02000009000000000000" pitchFamily="49" charset="0"/>
+            </a:endParaRPr>
+          </a:p>
+          <a:p>
+            <a:pPr marL="72000" algn="ctr">
+              <a:lnSpc>
+                <a:spcPct val="120000"/>
+              </a:lnSpc>
+            </a:pPr>
+            <a:endParaRPr lang="fr-FR" sz="1400" spc="300" dirty="0">
+              <a:latin typeface="Comic Sans MS" panose="030F0702030302020204" pitchFamily="66" charset="0"/>
+              <a:ea typeface="JetBrains Mono" panose="02000009000000000000" pitchFamily="49" charset="0"/>
+              <a:cs typeface="JetBrains Mono" panose="02000009000000000000" pitchFamily="49" charset="0"/>
+            </a:endParaRPr>
+          </a:p>
+          <a:p>
+            <a:pPr marL="72000" algn="ctr">
+              <a:lnSpc>
+                <a:spcPct val="120000"/>
+              </a:lnSpc>
+            </a:pPr>
+            <a:endParaRPr lang="fr-FR" sz="1600" spc="300" dirty="0">
+              <a:latin typeface="Comic Sans MS" panose="030F0702030302020204" pitchFamily="66" charset="0"/>
+              <a:ea typeface="JetBrains Mono" panose="02000009000000000000" pitchFamily="49" charset="0"/>
+              <a:cs typeface="JetBrains Mono" panose="02000009000000000000" pitchFamily="49" charset="0"/>
+            </a:endParaRPr>
+          </a:p>
+          <a:p>
+            <a:pPr marL="72000" algn="ctr">
+              <a:lnSpc>
+                <a:spcPct val="120000"/>
+              </a:lnSpc>
+            </a:pPr>
+            <a:endParaRPr lang="fr-FR" spc="300" dirty="0">
+              <a:latin typeface="Comic Sans MS" panose="030F0702030302020204" pitchFamily="66" charset="0"/>
+              <a:ea typeface="JetBrains Mono" panose="02000009000000000000" pitchFamily="49" charset="0"/>
+              <a:cs typeface="JetBrains Mono" panose="02000009000000000000" pitchFamily="49" charset="0"/>
+            </a:endParaRPr>
+          </a:p>
+        </p:txBody>
+      </p:sp>
+      <p:pic>
+        <p:nvPicPr>
+          <p:cNvPr id="22" name="Picture 21"/>
+          <p:cNvPicPr>
+            <a:picLocks noChangeAspect="1"/>
+          </p:cNvPicPr>
+          <p:nvPr/>
+        </p:nvPicPr>
+        <p:blipFill>
+          <a:blip r:embed="rId2"/>
+          <a:stretch>
+            <a:fillRect/>
+          </a:stretch>
+        </p:blipFill>
+        <p:spPr>
+          <a:xfrm>
+            <a:off x="11347468" y="4033587"/>
+            <a:ext cx="3458367" cy="2732587"/>
+          </a:xfrm>
+          <a:prstGeom prst="rect">
+            <a:avLst/>
+          </a:prstGeom>
+          <a:ln>
+            <a:noFill/>
+          </a:ln>
+          <a:effectLst>
+            <a:softEdge rad="112500"/>
+          </a:effectLst>
+        </p:spPr>
+      </p:pic>
+      <p:sp>
+        <p:nvSpPr>
+          <p:cNvPr id="24" name="Rectangle 23"/>
+          <p:cNvSpPr/>
+          <p:nvPr/>
+        </p:nvSpPr>
+        <p:spPr>
+          <a:xfrm>
+            <a:off x="11213630" y="179881"/>
+            <a:ext cx="3726045" cy="1067028"/>
+          </a:xfrm>
+          <a:prstGeom prst="rect">
+            <a:avLst/>
+          </a:prstGeom>
+          <a:ln w="57150"/>
+        </p:spPr>
+        <p:style>
+          <a:lnRef idx="2">
+            <a:schemeClr val="dk1"/>
+          </a:lnRef>
+          <a:fillRef idx="1">
+            <a:schemeClr val="lt1"/>
+          </a:fillRef>
+          <a:effectRef idx="0">
+            <a:schemeClr val="dk1"/>
+          </a:effectRef>
+          <a:fontRef idx="minor">
+            <a:schemeClr val="dk1"/>
+          </a:fontRef>
+        </p:style>
+        <p:txBody>
+          <a:bodyPr rtlCol="0" anchor="ctr"/>
+          <a:lstStyle/>
+          <a:p>
+            <a:pPr algn="ctr"/>
+            <a:r>
+              <a:rPr lang="fr-FR" b="1" spc="300" dirty="0">
+                <a:latin typeface="Comic Sans MS" panose="030F0702030302020204" pitchFamily="66" charset="0"/>
+                <a:ea typeface="JetBrains Mono" panose="02000009000000000000" pitchFamily="49" charset="0"/>
+                <a:cs typeface="JetBrains Mono" panose="02000009000000000000" pitchFamily="49" charset="0"/>
+              </a:rPr>
+              <a:t>M. Du Chevreuil</a:t>
+            </a:r>
+          </a:p>
+          <a:p>
+            <a:pPr algn="ctr"/>
+            <a:r>
+              <a:rPr lang="fr-FR" sz="1600" spc="300" dirty="0">
+                <a:latin typeface="Comic Sans MS" panose="030F0702030302020204" pitchFamily="66" charset="0"/>
+                <a:ea typeface="JetBrains Mono" panose="02000009000000000000" pitchFamily="49" charset="0"/>
+                <a:cs typeface="JetBrains Mono" panose="02000009000000000000" pitchFamily="49" charset="0"/>
+              </a:rPr>
+              <a:t>Professeur en génie </a:t>
+            </a:r>
+          </a:p>
+          <a:p>
+            <a:pPr algn="ctr"/>
+            <a:r>
+              <a:rPr lang="fr-FR" sz="1600" spc="300" dirty="0">
+                <a:latin typeface="Comic Sans MS" panose="030F0702030302020204" pitchFamily="66" charset="0"/>
+                <a:ea typeface="JetBrains Mono" panose="02000009000000000000" pitchFamily="49" charset="0"/>
+                <a:cs typeface="JetBrains Mono" panose="02000009000000000000" pitchFamily="49" charset="0"/>
+              </a:rPr>
+              <a:t>industriel bois</a:t>
+            </a:r>
+          </a:p>
+        </p:txBody>
+      </p:sp>
+      <p:sp>
+        <p:nvSpPr>
+          <p:cNvPr id="25" name="Rectangle 24"/>
+          <p:cNvSpPr/>
+          <p:nvPr/>
+        </p:nvSpPr>
+        <p:spPr>
+          <a:xfrm>
+            <a:off x="142517" y="179881"/>
+            <a:ext cx="3763201" cy="1067028"/>
+          </a:xfrm>
+          <a:prstGeom prst="rect">
+            <a:avLst/>
+          </a:prstGeom>
+          <a:ln w="57150"/>
+        </p:spPr>
+        <p:style>
+          <a:lnRef idx="2">
+            <a:schemeClr val="dk1"/>
+          </a:lnRef>
+          <a:fillRef idx="1">
+            <a:schemeClr val="lt1"/>
+          </a:fillRef>
+          <a:effectRef idx="0">
+            <a:schemeClr val="dk1"/>
+          </a:effectRef>
+          <a:fontRef idx="minor">
+            <a:schemeClr val="dk1"/>
+          </a:fontRef>
+        </p:style>
+        <p:txBody>
+          <a:bodyPr rtlCol="0" anchor="ctr"/>
+          <a:lstStyle/>
+          <a:p>
+            <a:pPr algn="ctr"/>
+            <a:r>
+              <a:rPr lang="fr-FR" b="1" dirty="0">
+                <a:latin typeface="Comic Sans MS" panose="030F0702030302020204" pitchFamily="66" charset="0"/>
+                <a:ea typeface="JetBrains Mono" panose="02000009000000000000" pitchFamily="49" charset="0"/>
+                <a:cs typeface="JetBrains Mono" panose="02000009000000000000" pitchFamily="49" charset="0"/>
+              </a:rPr>
+              <a:t>Sujet : L’I.A contre l’E.H</a:t>
+            </a:r>
+          </a:p>
+        </p:txBody>
+      </p:sp>
+    </p:spTree>
+    <p:extLst>
+      <p:ext uri="{BB962C8B-B14F-4D97-AF65-F5344CB8AC3E}">
+        <p14:creationId xmlns:p14="http://schemas.microsoft.com/office/powerpoint/2010/main" val="1788789882"/>
+      </p:ext>
+    </p:extLst>
+  </p:cSld>
+  <p:clrMapOvr>
+    <a:masterClrMapping/>
+  </p:clrMapOvr>
+</p:sld>
+</file>
+
+<file path=ppt/slides/slide22.xml><?xml version="1.0" encoding="utf-8"?>
 <p:sld xmlns:a="http://schemas.openxmlformats.org/drawingml/2006/main" xmlns:r="http://schemas.openxmlformats.org/officeDocument/2006/relationships" xmlns:p="http://schemas.openxmlformats.org/presentationml/2006/main">
   <p:cSld>
     <p:spTree>
@@ -13378,17 +13850,13 @@
         </p:nvSpPr>
         <p:spPr>
           <a:xfrm>
-            <a:off x="171451" y="179881"/>
-            <a:ext cx="14782800" cy="10440000"/>
+            <a:off x="4039557" y="179881"/>
+            <a:ext cx="7040235" cy="10440000"/>
           </a:xfrm>
           <a:prstGeom prst="rect">
             <a:avLst/>
           </a:prstGeom>
-          <a:ln w="57150">
-            <a:solidFill>
-              <a:schemeClr val="bg1"/>
-            </a:solidFill>
-          </a:ln>
+          <a:ln w="57150"/>
         </p:spPr>
         <p:style>
           <a:lnRef idx="2">
@@ -13405,26 +13873,11 @@
           </a:fontRef>
         </p:style>
         <p:txBody>
-          <a:bodyPr rtlCol="0" anchor="ctr"/>
+          <a:bodyPr rtlCol="0" anchor="t"/>
           <a:lstStyle/>
           <a:p>
-            <a:pPr marL="72000" algn="ctr">
-              <a:lnSpc>
-                <a:spcPct val="120000"/>
-              </a:lnSpc>
-            </a:pPr>
-            <a:r>
-              <a:rPr lang="fr-FR" sz="4000" b="1" dirty="0">
-                <a:solidFill>
-                  <a:schemeClr val="tx1"/>
-                </a:solidFill>
-                <a:latin typeface="Comic Sans MS" panose="030F0702030302020204" pitchFamily="66" charset="0"/>
-                <a:ea typeface="JetBrains Mono" panose="02000009000000000000" pitchFamily="49" charset="0"/>
-                <a:cs typeface="Arial" panose="020B0604020202020204" pitchFamily="34" charset="0"/>
-              </a:rPr>
-              <a:t>Le vocabulaire des fenêtres </a:t>
-            </a:r>
-            <a:endParaRPr lang="fr-FR" sz="4000" dirty="0">
+            <a:pPr marL="72000"/>
+            <a:endParaRPr lang="fr-FR" b="1" dirty="0">
               <a:solidFill>
                 <a:schemeClr val="tx1"/>
               </a:solidFill>
@@ -13433,12 +13886,1535 @@
               <a:cs typeface="Arial" panose="020B0604020202020204" pitchFamily="34" charset="0"/>
             </a:endParaRPr>
           </a:p>
-        </p:txBody>
-      </p:sp>
+          <a:p>
+            <a:pPr marL="72000"/>
+            <a:r>
+              <a:rPr lang="fr-FR" b="1" dirty="0">
+                <a:solidFill>
+                  <a:schemeClr val="tx1"/>
+                </a:solidFill>
+                <a:latin typeface="Comic Sans MS" panose="030F0702030302020204" pitchFamily="66" charset="0"/>
+                <a:ea typeface="JetBrains Mono" panose="02000009000000000000" pitchFamily="49" charset="0"/>
+                <a:cs typeface="Arial" panose="020B0604020202020204" pitchFamily="34" charset="0"/>
+              </a:rPr>
+              <a:t>Critères de notation :</a:t>
+            </a:r>
+          </a:p>
+        </p:txBody>
+      </p:sp>
+      <p:sp>
+        <p:nvSpPr>
+          <p:cNvPr id="18" name="Rectangle 17"/>
+          <p:cNvSpPr/>
+          <p:nvPr/>
+        </p:nvSpPr>
+        <p:spPr>
+          <a:xfrm>
+            <a:off x="142517" y="1390649"/>
+            <a:ext cx="3763202" cy="9229231"/>
+          </a:xfrm>
+          <a:prstGeom prst="rect">
+            <a:avLst/>
+          </a:prstGeom>
+          <a:ln w="57150"/>
+        </p:spPr>
+        <p:style>
+          <a:lnRef idx="2">
+            <a:schemeClr val="dk1"/>
+          </a:lnRef>
+          <a:fillRef idx="1">
+            <a:schemeClr val="lt1"/>
+          </a:fillRef>
+          <a:effectRef idx="0">
+            <a:schemeClr val="dk1"/>
+          </a:effectRef>
+          <a:fontRef idx="minor">
+            <a:schemeClr val="dk1"/>
+          </a:fontRef>
+        </p:style>
+        <p:txBody>
+          <a:bodyPr rtlCol="0" anchor="ctr"/>
+          <a:lstStyle/>
+          <a:p>
+            <a:pPr marL="72000"/>
+            <a:r>
+              <a:rPr lang="fr-FR" sz="1600" b="1" dirty="0">
+                <a:solidFill>
+                  <a:schemeClr val="tx1"/>
+                </a:solidFill>
+                <a:ea typeface="JetBrains Mono" panose="02000009000000000000" pitchFamily="49" charset="0"/>
+                <a:cs typeface="Courier New" panose="02070309020205020404" pitchFamily="49" charset="0"/>
+              </a:rPr>
+              <a:t>Noms et prénoms de l’élève :</a:t>
+            </a:r>
+          </a:p>
+          <a:p>
+            <a:pPr marL="72000"/>
+            <a:endParaRPr lang="fr-FR" sz="1600" b="1" dirty="0">
+              <a:solidFill>
+                <a:schemeClr val="tx1"/>
+              </a:solidFill>
+              <a:ea typeface="JetBrains Mono" panose="02000009000000000000" pitchFamily="49" charset="0"/>
+              <a:cs typeface="Courier New" panose="02070309020205020404" pitchFamily="49" charset="0"/>
+            </a:endParaRPr>
+          </a:p>
+          <a:p>
+            <a:pPr marL="72000"/>
+            <a:r>
+              <a:rPr lang="fr-FR" sz="1600" b="1" dirty="0">
+                <a:solidFill>
+                  <a:schemeClr val="tx1"/>
+                </a:solidFill>
+                <a:ea typeface="JetBrains Mono" panose="02000009000000000000" pitchFamily="49" charset="0"/>
+                <a:cs typeface="Courier New" panose="02070309020205020404" pitchFamily="49" charset="0"/>
+              </a:rPr>
+              <a:t>………………………………………………… (TTMA)</a:t>
+            </a:r>
+          </a:p>
+          <a:p>
+            <a:pPr marL="72000"/>
+            <a:endParaRPr lang="fr-FR" sz="1600" b="1" dirty="0">
+              <a:solidFill>
+                <a:schemeClr val="tx1"/>
+              </a:solidFill>
+              <a:ea typeface="JetBrains Mono" panose="02000009000000000000" pitchFamily="49" charset="0"/>
+              <a:cs typeface="Courier New" panose="02070309020205020404" pitchFamily="49" charset="0"/>
+            </a:endParaRPr>
+          </a:p>
+          <a:p>
+            <a:pPr marL="72000"/>
+            <a:r>
+              <a:rPr lang="fr-FR" sz="1600" b="1" dirty="0">
+                <a:solidFill>
+                  <a:schemeClr val="tx1"/>
+                </a:solidFill>
+                <a:ea typeface="JetBrains Mono" panose="02000009000000000000" pitchFamily="49" charset="0"/>
+                <a:cs typeface="Courier New" panose="02070309020205020404" pitchFamily="49" charset="0"/>
+              </a:rPr>
+              <a:t>Instructions :</a:t>
+            </a:r>
+          </a:p>
+          <a:p>
+            <a:pPr marL="72000"/>
+            <a:endParaRPr lang="fr-FR" sz="1600" b="1" dirty="0">
+              <a:solidFill>
+                <a:schemeClr val="tx1"/>
+              </a:solidFill>
+              <a:ea typeface="JetBrains Mono" panose="02000009000000000000" pitchFamily="49" charset="0"/>
+              <a:cs typeface="Courier New" panose="02070309020205020404" pitchFamily="49" charset="0"/>
+            </a:endParaRPr>
+          </a:p>
+          <a:p>
+            <a:pPr marL="72000"/>
+            <a:r>
+              <a:rPr lang="fr-FR" sz="1600" dirty="0">
+                <a:solidFill>
+                  <a:schemeClr val="tx1"/>
+                </a:solidFill>
+                <a:ea typeface="JetBrains Mono" panose="02000009000000000000" pitchFamily="49" charset="0"/>
+                <a:cs typeface="Courier New" panose="02070309020205020404" pitchFamily="49" charset="0"/>
+              </a:rPr>
+              <a:t>Débiter, plaquer et affleurer les portes de l’ouvrage</a:t>
+            </a:r>
+          </a:p>
+          <a:p>
+            <a:pPr marL="72000"/>
+            <a:endParaRPr lang="fr-FR" sz="1600" b="1" dirty="0">
+              <a:solidFill>
+                <a:schemeClr val="tx1"/>
+              </a:solidFill>
+              <a:ea typeface="JetBrains Mono" panose="02000009000000000000" pitchFamily="49" charset="0"/>
+              <a:cs typeface="Courier New" panose="02070309020205020404" pitchFamily="49" charset="0"/>
+            </a:endParaRPr>
+          </a:p>
+          <a:p>
+            <a:pPr marL="72000"/>
+            <a:r>
+              <a:rPr lang="fr-FR" sz="1600" b="1" dirty="0">
+                <a:solidFill>
+                  <a:schemeClr val="tx1"/>
+                </a:solidFill>
+                <a:ea typeface="JetBrains Mono" panose="02000009000000000000" pitchFamily="49" charset="0"/>
+                <a:cs typeface="Courier New" panose="02070309020205020404" pitchFamily="49" charset="0"/>
+              </a:rPr>
+              <a:t>A Vérifier :</a:t>
+            </a:r>
+          </a:p>
+          <a:p>
+            <a:pPr marL="72000"/>
+            <a:endParaRPr lang="fr-FR" sz="1600" b="1" dirty="0">
+              <a:solidFill>
+                <a:schemeClr val="tx1"/>
+              </a:solidFill>
+              <a:ea typeface="JetBrains Mono" panose="02000009000000000000" pitchFamily="49" charset="0"/>
+              <a:cs typeface="Courier New" panose="02070309020205020404" pitchFamily="49" charset="0"/>
+            </a:endParaRPr>
+          </a:p>
+          <a:p>
+            <a:pPr marL="72000"/>
+            <a:r>
+              <a:rPr lang="fr-FR" sz="1600" dirty="0">
+                <a:solidFill>
+                  <a:schemeClr val="tx1"/>
+                </a:solidFill>
+                <a:ea typeface="JetBrains Mono" panose="02000009000000000000" pitchFamily="49" charset="0"/>
+                <a:cs typeface="Courier New" panose="02070309020205020404" pitchFamily="49" charset="0"/>
+              </a:rPr>
+              <a:t>Les portes sont débités et respectent les mesures du caisson</a:t>
+            </a:r>
+          </a:p>
+          <a:p>
+            <a:pPr marL="72000"/>
+            <a:endParaRPr lang="fr-FR" sz="1600" dirty="0">
+              <a:solidFill>
+                <a:schemeClr val="tx1"/>
+              </a:solidFill>
+              <a:ea typeface="JetBrains Mono" panose="02000009000000000000" pitchFamily="49" charset="0"/>
+              <a:cs typeface="Courier New" panose="02070309020205020404" pitchFamily="49" charset="0"/>
+            </a:endParaRPr>
+          </a:p>
+          <a:p>
+            <a:pPr marL="72000"/>
+            <a:r>
+              <a:rPr lang="fr-FR" sz="1600" dirty="0">
+                <a:solidFill>
+                  <a:schemeClr val="tx1"/>
+                </a:solidFill>
+                <a:ea typeface="JetBrains Mono" panose="02000009000000000000" pitchFamily="49" charset="0"/>
+                <a:cs typeface="Courier New" panose="02070309020205020404" pitchFamily="49" charset="0"/>
+              </a:rPr>
+              <a:t>Les portes sont plaqués des deux cotés</a:t>
+            </a:r>
+          </a:p>
+          <a:p>
+            <a:pPr marL="72000"/>
+            <a:endParaRPr lang="fr-FR" sz="1600" dirty="0"/>
+          </a:p>
+          <a:p>
+            <a:pPr marL="72000"/>
+            <a:r>
+              <a:rPr lang="fr-FR" sz="1600" dirty="0"/>
+              <a:t>La placage n’est pas vif sur les arrêtes du meubles, un chanfrein ou un ponçage a été réalisé</a:t>
+            </a:r>
+          </a:p>
+          <a:p>
+            <a:pPr marL="72000"/>
+            <a:endParaRPr lang="fr-FR" sz="1600" dirty="0"/>
+          </a:p>
+          <a:p>
+            <a:pPr marL="72000"/>
+            <a:r>
+              <a:rPr lang="fr-FR" sz="1600" dirty="0"/>
+              <a:t>Le placage doit être parfaitement appliqué, sans laisser apparaître de traces de colle, de perforations ou d'écarts sur les arêtes des portes</a:t>
+            </a:r>
+          </a:p>
+          <a:p>
+            <a:pPr marL="72000"/>
+            <a:endParaRPr lang="fr-FR" sz="1600" dirty="0"/>
+          </a:p>
+          <a:p>
+            <a:pPr marL="72000"/>
+            <a:r>
+              <a:rPr lang="fr-FR" sz="1600" dirty="0"/>
+              <a:t>Les portes sont poncés et prêtent à accueillir la finition</a:t>
+            </a:r>
+          </a:p>
+          <a:p>
+            <a:pPr marL="72000"/>
+            <a:endParaRPr lang="fr-FR" sz="1600" dirty="0">
+              <a:solidFill>
+                <a:schemeClr val="tx1"/>
+              </a:solidFill>
+              <a:ea typeface="JetBrains Mono" panose="02000009000000000000" pitchFamily="49" charset="0"/>
+              <a:cs typeface="Courier New" panose="02070309020205020404" pitchFamily="49" charset="0"/>
+            </a:endParaRPr>
+          </a:p>
+          <a:p>
+            <a:pPr marL="72000"/>
+            <a:endParaRPr lang="fr-FR" sz="1600" dirty="0">
+              <a:solidFill>
+                <a:schemeClr val="tx1"/>
+              </a:solidFill>
+              <a:ea typeface="JetBrains Mono" panose="02000009000000000000" pitchFamily="49" charset="0"/>
+              <a:cs typeface="Courier New" panose="02070309020205020404" pitchFamily="49" charset="0"/>
+            </a:endParaRPr>
+          </a:p>
+          <a:p>
+            <a:pPr marL="72000"/>
+            <a:endParaRPr lang="fr-FR" sz="1600" dirty="0">
+              <a:solidFill>
+                <a:schemeClr val="tx1"/>
+              </a:solidFill>
+              <a:ea typeface="JetBrains Mono" panose="02000009000000000000" pitchFamily="49" charset="0"/>
+              <a:cs typeface="Courier New" panose="02070309020205020404" pitchFamily="49" charset="0"/>
+            </a:endParaRPr>
+          </a:p>
+          <a:p>
+            <a:pPr marL="72000"/>
+            <a:endParaRPr lang="fr-FR" sz="1600" dirty="0">
+              <a:solidFill>
+                <a:schemeClr val="tx1"/>
+              </a:solidFill>
+              <a:ea typeface="JetBrains Mono" panose="02000009000000000000" pitchFamily="49" charset="0"/>
+              <a:cs typeface="Courier New" panose="02070309020205020404" pitchFamily="49" charset="0"/>
+            </a:endParaRPr>
+          </a:p>
+        </p:txBody>
+      </p:sp>
+      <p:sp>
+        <p:nvSpPr>
+          <p:cNvPr id="19" name="Rectangle 18"/>
+          <p:cNvSpPr/>
+          <p:nvPr/>
+        </p:nvSpPr>
+        <p:spPr>
+          <a:xfrm>
+            <a:off x="11213630" y="1390649"/>
+            <a:ext cx="3726044" cy="9229231"/>
+          </a:xfrm>
+          <a:prstGeom prst="rect">
+            <a:avLst/>
+          </a:prstGeom>
+          <a:ln w="57150"/>
+        </p:spPr>
+        <p:style>
+          <a:lnRef idx="2">
+            <a:schemeClr val="dk1"/>
+          </a:lnRef>
+          <a:fillRef idx="1">
+            <a:schemeClr val="lt1"/>
+          </a:fillRef>
+          <a:effectRef idx="0">
+            <a:schemeClr val="dk1"/>
+          </a:effectRef>
+          <a:fontRef idx="minor">
+            <a:schemeClr val="dk1"/>
+          </a:fontRef>
+        </p:style>
+        <p:txBody>
+          <a:bodyPr rtlCol="0" anchor="ctr"/>
+          <a:lstStyle/>
+          <a:p>
+            <a:r>
+              <a:rPr lang="fr-FR" sz="1400" b="1" dirty="0"/>
+              <a:t>Compétences évaluées :</a:t>
+            </a:r>
+          </a:p>
+          <a:p>
+            <a:endParaRPr lang="fr-FR" sz="1400" b="1" dirty="0"/>
+          </a:p>
+          <a:p>
+            <a:r>
+              <a:rPr lang="fr-FR" sz="1400" b="1" dirty="0"/>
+              <a:t>C3.6 Conduire les opérations de montage et de finition</a:t>
+            </a:r>
+          </a:p>
+          <a:p>
+            <a:r>
+              <a:rPr lang="fr-FR" sz="1400" b="1" dirty="0"/>
+              <a:t>	Sous-compétences :</a:t>
+            </a:r>
+          </a:p>
+          <a:p>
+            <a:r>
+              <a:rPr lang="fr-FR" sz="1400" b="1" dirty="0"/>
+              <a:t>	</a:t>
+            </a:r>
+            <a:r>
+              <a:rPr lang="fr-FR" sz="1400" dirty="0"/>
+              <a:t>C3.62 Cadrer, monter et</a:t>
+            </a:r>
+          </a:p>
+          <a:p>
+            <a:r>
+              <a:rPr lang="fr-FR" sz="1400" dirty="0"/>
+              <a:t>	solidariser les sous-</a:t>
+            </a:r>
+          </a:p>
+          <a:p>
+            <a:r>
+              <a:rPr lang="fr-FR" sz="1400" dirty="0"/>
+              <a:t>	ensembles</a:t>
+            </a:r>
+          </a:p>
+          <a:p>
+            <a:r>
+              <a:rPr lang="fr-FR" sz="1400" dirty="0"/>
+              <a:t>	C3.65 Contrôler en cours, en fin</a:t>
+            </a:r>
+          </a:p>
+          <a:p>
+            <a:r>
+              <a:rPr lang="fr-FR" sz="1400" dirty="0"/>
+              <a:t>	de montage et de finition :</a:t>
+            </a:r>
+          </a:p>
+          <a:p>
+            <a:r>
+              <a:rPr lang="fr-FR" sz="1400" dirty="0"/>
+              <a:t>	les caractéristiques</a:t>
+            </a:r>
+          </a:p>
+          <a:p>
+            <a:r>
+              <a:rPr lang="fr-FR" sz="1400" dirty="0"/>
+              <a:t>	fonctionnelles,</a:t>
+            </a:r>
+          </a:p>
+          <a:p>
+            <a:r>
+              <a:rPr lang="fr-FR" sz="1400" dirty="0"/>
+              <a:t>	dimensionnelles,</a:t>
+            </a:r>
+          </a:p>
+          <a:p>
+            <a:r>
+              <a:rPr lang="fr-FR" sz="1400" dirty="0"/>
+              <a:t>	géométriques, esthétiques</a:t>
+            </a:r>
+          </a:p>
+          <a:p>
+            <a:endParaRPr lang="fr-FR" sz="1400" b="1" dirty="0"/>
+          </a:p>
+          <a:p>
+            <a:r>
+              <a:rPr lang="fr-FR" sz="1400" b="1" dirty="0"/>
+              <a:t>C3.5 Conduire les opérations de mise en forme et de placage</a:t>
+            </a:r>
+          </a:p>
+          <a:p>
+            <a:r>
+              <a:rPr lang="fr-FR" sz="1400" b="1" dirty="0"/>
+              <a:t>	</a:t>
+            </a:r>
+            <a:r>
+              <a:rPr lang="fr-FR" sz="1400" dirty="0"/>
+              <a:t>C3.52 Encoller et/ou insérer les</a:t>
+            </a:r>
+          </a:p>
+          <a:p>
+            <a:r>
+              <a:rPr lang="fr-FR" sz="1400" dirty="0"/>
+              <a:t>	pièces et les composants</a:t>
+            </a:r>
+          </a:p>
+          <a:p>
+            <a:r>
+              <a:rPr lang="fr-FR" sz="1400" dirty="0"/>
+              <a:t>	C3.54 Contrôler les</a:t>
+            </a:r>
+          </a:p>
+          <a:p>
+            <a:r>
+              <a:rPr lang="fr-FR" sz="1400" dirty="0"/>
+              <a:t>	caractéristiques</a:t>
+            </a:r>
+          </a:p>
+          <a:p>
+            <a:r>
+              <a:rPr lang="fr-FR" sz="1400" dirty="0"/>
+              <a:t>	mécaniques</a:t>
+            </a:r>
+          </a:p>
+          <a:p>
+            <a:r>
+              <a:rPr lang="fr-FR" sz="1400" dirty="0"/>
+              <a:t>	dimensionnelles,</a:t>
+            </a:r>
+          </a:p>
+          <a:p>
+            <a:r>
+              <a:rPr lang="fr-FR" sz="1400" dirty="0"/>
+              <a:t>	géométriques et esthétique</a:t>
+            </a:r>
+          </a:p>
+          <a:p>
+            <a:endParaRPr lang="fr-FR" sz="1400" b="1" dirty="0"/>
+          </a:p>
+          <a:p>
+            <a:pPr lvl="2"/>
+            <a:endParaRPr lang="fr-FR" sz="1400" dirty="0"/>
+          </a:p>
+        </p:txBody>
+      </p:sp>
+      <p:sp>
+        <p:nvSpPr>
+          <p:cNvPr id="24" name="Rectangle 23"/>
+          <p:cNvSpPr/>
+          <p:nvPr/>
+        </p:nvSpPr>
+        <p:spPr>
+          <a:xfrm>
+            <a:off x="11213629" y="179881"/>
+            <a:ext cx="3726045" cy="1067028"/>
+          </a:xfrm>
+          <a:prstGeom prst="rect">
+            <a:avLst/>
+          </a:prstGeom>
+          <a:ln w="57150"/>
+        </p:spPr>
+        <p:style>
+          <a:lnRef idx="2">
+            <a:schemeClr val="dk1"/>
+          </a:lnRef>
+          <a:fillRef idx="1">
+            <a:schemeClr val="lt1"/>
+          </a:fillRef>
+          <a:effectRef idx="0">
+            <a:schemeClr val="dk1"/>
+          </a:effectRef>
+          <a:fontRef idx="minor">
+            <a:schemeClr val="dk1"/>
+          </a:fontRef>
+        </p:style>
+        <p:txBody>
+          <a:bodyPr rtlCol="0" anchor="ctr"/>
+          <a:lstStyle/>
+          <a:p>
+            <a:pPr algn="ctr"/>
+            <a:r>
+              <a:rPr lang="fr-FR" sz="1600" spc="300" dirty="0">
+                <a:latin typeface="Comic Sans MS" panose="030F0702030302020204" pitchFamily="66" charset="0"/>
+                <a:ea typeface="JetBrains Mono" panose="02000009000000000000" pitchFamily="49" charset="0"/>
+                <a:cs typeface="JetBrains Mono" panose="02000009000000000000" pitchFamily="49" charset="0"/>
+              </a:rPr>
+              <a:t>Technicien</a:t>
+            </a:r>
+          </a:p>
+          <a:p>
+            <a:pPr algn="ctr"/>
+            <a:r>
+              <a:rPr lang="fr-FR" sz="1600" spc="300" dirty="0">
+                <a:latin typeface="Comic Sans MS" panose="030F0702030302020204" pitchFamily="66" charset="0"/>
+                <a:ea typeface="JetBrains Mono" panose="02000009000000000000" pitchFamily="49" charset="0"/>
+                <a:cs typeface="JetBrains Mono" panose="02000009000000000000" pitchFamily="49" charset="0"/>
+              </a:rPr>
+              <a:t>Menuisier Agenceur</a:t>
+            </a:r>
+          </a:p>
+        </p:txBody>
+      </p:sp>
+      <p:sp>
+        <p:nvSpPr>
+          <p:cNvPr id="25" name="Rectangle 24"/>
+          <p:cNvSpPr/>
+          <p:nvPr/>
+        </p:nvSpPr>
+        <p:spPr>
+          <a:xfrm>
+            <a:off x="142517" y="179881"/>
+            <a:ext cx="3763201" cy="1067028"/>
+          </a:xfrm>
+          <a:prstGeom prst="rect">
+            <a:avLst/>
+          </a:prstGeom>
+          <a:ln w="57150"/>
+        </p:spPr>
+        <p:style>
+          <a:lnRef idx="2">
+            <a:schemeClr val="dk1"/>
+          </a:lnRef>
+          <a:fillRef idx="1">
+            <a:schemeClr val="lt1"/>
+          </a:fillRef>
+          <a:effectRef idx="0">
+            <a:schemeClr val="dk1"/>
+          </a:effectRef>
+          <a:fontRef idx="minor">
+            <a:schemeClr val="dk1"/>
+          </a:fontRef>
+        </p:style>
+        <p:txBody>
+          <a:bodyPr rtlCol="0" anchor="ctr"/>
+          <a:lstStyle/>
+          <a:p>
+            <a:pPr algn="ctr"/>
+            <a:r>
+              <a:rPr lang="fr-FR" b="1" dirty="0">
+                <a:latin typeface="Comic Sans MS" panose="030F0702030302020204" pitchFamily="66" charset="0"/>
+                <a:ea typeface="JetBrains Mono" panose="02000009000000000000" pitchFamily="49" charset="0"/>
+                <a:cs typeface="JetBrains Mono" panose="02000009000000000000" pitchFamily="49" charset="0"/>
+              </a:rPr>
+              <a:t>Sujet : fabrication et installation des portes</a:t>
+            </a:r>
+          </a:p>
+        </p:txBody>
+      </p:sp>
+      <p:graphicFrame>
+        <p:nvGraphicFramePr>
+          <p:cNvPr id="2" name="Table 1">
+            <a:extLst>
+              <a:ext uri="{FF2B5EF4-FFF2-40B4-BE49-F238E27FC236}">
+                <a16:creationId xmlns:a16="http://schemas.microsoft.com/office/drawing/2014/main" id="{AFCB8B3A-B6F8-4548-A2DA-06057CDA9A4C}"/>
+              </a:ext>
+            </a:extLst>
+          </p:cNvPr>
+          <p:cNvGraphicFramePr>
+            <a:graphicFrameLocks noGrp="1"/>
+          </p:cNvGraphicFramePr>
+          <p:nvPr>
+            <p:extLst/>
+          </p:nvPr>
+        </p:nvGraphicFramePr>
+        <p:xfrm>
+          <a:off x="4039556" y="944558"/>
+          <a:ext cx="7040233" cy="9675322"/>
+        </p:xfrm>
+        <a:graphic>
+          <a:graphicData uri="http://schemas.openxmlformats.org/drawingml/2006/table">
+            <a:tbl>
+              <a:tblPr firstRow="1" bandRow="1">
+                <a:tableStyleId>{5940675A-B579-460E-94D1-54222C63F5DA}</a:tableStyleId>
+              </a:tblPr>
+              <a:tblGrid>
+                <a:gridCol w="2253173">
+                  <a:extLst>
+                    <a:ext uri="{9D8B030D-6E8A-4147-A177-3AD203B41FA5}">
+                      <a16:colId xmlns:a16="http://schemas.microsoft.com/office/drawing/2014/main" val="2787692130"/>
+                    </a:ext>
+                  </a:extLst>
+                </a:gridCol>
+                <a:gridCol w="957412">
+                  <a:extLst>
+                    <a:ext uri="{9D8B030D-6E8A-4147-A177-3AD203B41FA5}">
+                      <a16:colId xmlns:a16="http://schemas.microsoft.com/office/drawing/2014/main" val="607649727"/>
+                    </a:ext>
+                  </a:extLst>
+                </a:gridCol>
+                <a:gridCol w="957412">
+                  <a:extLst>
+                    <a:ext uri="{9D8B030D-6E8A-4147-A177-3AD203B41FA5}">
+                      <a16:colId xmlns:a16="http://schemas.microsoft.com/office/drawing/2014/main" val="2879588787"/>
+                    </a:ext>
+                  </a:extLst>
+                </a:gridCol>
+                <a:gridCol w="957412">
+                  <a:extLst>
+                    <a:ext uri="{9D8B030D-6E8A-4147-A177-3AD203B41FA5}">
+                      <a16:colId xmlns:a16="http://schemas.microsoft.com/office/drawing/2014/main" val="963493659"/>
+                    </a:ext>
+                  </a:extLst>
+                </a:gridCol>
+                <a:gridCol w="957412">
+                  <a:extLst>
+                    <a:ext uri="{9D8B030D-6E8A-4147-A177-3AD203B41FA5}">
+                      <a16:colId xmlns:a16="http://schemas.microsoft.com/office/drawing/2014/main" val="283199609"/>
+                    </a:ext>
+                  </a:extLst>
+                </a:gridCol>
+                <a:gridCol w="957412">
+                  <a:extLst>
+                    <a:ext uri="{9D8B030D-6E8A-4147-A177-3AD203B41FA5}">
+                      <a16:colId xmlns:a16="http://schemas.microsoft.com/office/drawing/2014/main" val="3524401581"/>
+                    </a:ext>
+                  </a:extLst>
+                </a:gridCol>
+              </a:tblGrid>
+              <a:tr h="1371600">
+                <a:tc>
+                  <a:txBody>
+                    <a:bodyPr/>
+                    <a:lstStyle/>
+                    <a:p>
+                      <a:pPr algn="ctr"/>
+                      <a:r>
+                        <a:rPr lang="fr-FR" sz="1400" dirty="0">
+                          <a:solidFill>
+                            <a:schemeClr val="bg1"/>
+                          </a:solidFill>
+                        </a:rPr>
+                        <a:t>Critère évalué</a:t>
+                      </a:r>
+                    </a:p>
+                  </a:txBody>
+                  <a:tcPr anchor="ctr">
+                    <a:solidFill>
+                      <a:schemeClr val="tx1"/>
+                    </a:solidFill>
+                  </a:tcPr>
+                </a:tc>
+                <a:tc>
+                  <a:txBody>
+                    <a:bodyPr/>
+                    <a:lstStyle/>
+                    <a:p>
+                      <a:pPr algn="ctr"/>
+                      <a:r>
+                        <a:rPr lang="fr-FR" sz="900" dirty="0"/>
+                        <a:t>Absence</a:t>
+                      </a:r>
+                    </a:p>
+                  </a:txBody>
+                  <a:tcPr anchor="ctr">
+                    <a:solidFill>
+                      <a:schemeClr val="bg2">
+                        <a:lumMod val="75000"/>
+                      </a:schemeClr>
+                    </a:solidFill>
+                  </a:tcPr>
+                </a:tc>
+                <a:tc>
+                  <a:txBody>
+                    <a:bodyPr/>
+                    <a:lstStyle/>
+                    <a:p>
+                      <a:pPr algn="ctr"/>
+                      <a:r>
+                        <a:rPr lang="fr-FR" sz="900" dirty="0"/>
+                        <a:t>Non maitrisé</a:t>
+                      </a:r>
+                    </a:p>
+                  </a:txBody>
+                  <a:tcPr anchor="ctr">
+                    <a:solidFill>
+                      <a:srgbClr val="FF0000"/>
+                    </a:solidFill>
+                  </a:tcPr>
+                </a:tc>
+                <a:tc>
+                  <a:txBody>
+                    <a:bodyPr/>
+                    <a:lstStyle/>
+                    <a:p>
+                      <a:pPr algn="ctr"/>
+                      <a:r>
+                        <a:rPr lang="fr-FR" sz="900" dirty="0"/>
+                        <a:t>Moyennement acquis</a:t>
+                      </a:r>
+                    </a:p>
+                  </a:txBody>
+                  <a:tcPr anchor="ctr">
+                    <a:solidFill>
+                      <a:schemeClr val="accent4"/>
+                    </a:solidFill>
+                  </a:tcPr>
+                </a:tc>
+                <a:tc>
+                  <a:txBody>
+                    <a:bodyPr/>
+                    <a:lstStyle/>
+                    <a:p>
+                      <a:pPr algn="ctr"/>
+                      <a:r>
+                        <a:rPr lang="fr-FR" sz="900" dirty="0"/>
+                        <a:t>satisfaisant</a:t>
+                      </a:r>
+                    </a:p>
+                  </a:txBody>
+                  <a:tcPr anchor="ctr">
+                    <a:solidFill>
+                      <a:srgbClr val="FFFF00"/>
+                    </a:solidFill>
+                  </a:tcPr>
+                </a:tc>
+                <a:tc>
+                  <a:txBody>
+                    <a:bodyPr/>
+                    <a:lstStyle/>
+                    <a:p>
+                      <a:pPr algn="ctr"/>
+                      <a:r>
+                        <a:rPr lang="fr-FR" sz="900" dirty="0"/>
+                        <a:t>Très satisfaisant</a:t>
+                      </a:r>
+                    </a:p>
+                  </a:txBody>
+                  <a:tcPr anchor="ctr">
+                    <a:solidFill>
+                      <a:schemeClr val="accent6"/>
+                    </a:solidFill>
+                  </a:tcPr>
+                </a:tc>
+                <a:extLst>
+                  <a:ext uri="{0D108BD9-81ED-4DB2-BD59-A6C34878D82A}">
+                    <a16:rowId xmlns:a16="http://schemas.microsoft.com/office/drawing/2014/main" val="3340223667"/>
+                  </a:ext>
+                </a:extLst>
+              </a:tr>
+              <a:tr h="1186246">
+                <a:tc>
+                  <a:txBody>
+                    <a:bodyPr/>
+                    <a:lstStyle/>
+                    <a:p>
+                      <a:pPr marL="0" marR="0" lvl="0" indent="0" algn="l" defTabSz="1439997" rtl="0" eaLnBrk="1" fontAlgn="auto" latinLnBrk="0" hangingPunct="1">
+                        <a:lnSpc>
+                          <a:spcPct val="100000"/>
+                        </a:lnSpc>
+                        <a:spcBef>
+                          <a:spcPts val="0"/>
+                        </a:spcBef>
+                        <a:spcAft>
+                          <a:spcPts val="0"/>
+                        </a:spcAft>
+                        <a:buClrTx/>
+                        <a:buSzTx/>
+                        <a:buFontTx/>
+                        <a:buNone/>
+                        <a:tabLst/>
+                        <a:defRPr/>
+                      </a:pPr>
+                      <a:r>
+                        <a:rPr lang="fr-FR" sz="1400" dirty="0"/>
+                        <a:t>Les portes sont plaquées des deux cotés (4 pts)</a:t>
+                      </a:r>
+                    </a:p>
+                  </a:txBody>
+                  <a:tcPr anchor="ctr"/>
+                </a:tc>
+                <a:tc>
+                  <a:txBody>
+                    <a:bodyPr/>
+                    <a:lstStyle/>
+                    <a:p>
+                      <a:endParaRPr lang="fr-FR" sz="1400" dirty="0"/>
+                    </a:p>
+                  </a:txBody>
+                  <a:tcPr anchor="ctr">
+                    <a:blipFill>
+                      <a:blip r:embed="rId2"/>
+                      <a:tile tx="0" ty="0" sx="100000" sy="100000" flip="none" algn="tl"/>
+                    </a:blipFill>
+                  </a:tcPr>
+                </a:tc>
+                <a:tc>
+                  <a:txBody>
+                    <a:bodyPr/>
+                    <a:lstStyle/>
+                    <a:p>
+                      <a:pPr algn="ctr"/>
+                      <a:r>
+                        <a:rPr lang="fr-FR" sz="900" dirty="0"/>
+                        <a:t>Non effectué</a:t>
+                      </a:r>
+                    </a:p>
+                  </a:txBody>
+                  <a:tcPr anchor="ctr">
+                    <a:noFill/>
+                  </a:tcPr>
+                </a:tc>
+                <a:tc>
+                  <a:txBody>
+                    <a:bodyPr/>
+                    <a:lstStyle/>
+                    <a:p>
+                      <a:pPr algn="ctr"/>
+                      <a:endParaRPr lang="fr-FR" sz="900" dirty="0"/>
+                    </a:p>
+                  </a:txBody>
+                  <a:tcPr anchor="ctr">
+                    <a:solidFill>
+                      <a:schemeClr val="bg1">
+                        <a:lumMod val="65000"/>
+                      </a:schemeClr>
+                    </a:solidFill>
+                  </a:tcPr>
+                </a:tc>
+                <a:tc>
+                  <a:txBody>
+                    <a:bodyPr/>
+                    <a:lstStyle/>
+                    <a:p>
+                      <a:pPr algn="ctr"/>
+                      <a:endParaRPr lang="fr-FR" sz="900" dirty="0"/>
+                    </a:p>
+                  </a:txBody>
+                  <a:tcPr anchor="ctr">
+                    <a:solidFill>
+                      <a:schemeClr val="bg1">
+                        <a:lumMod val="65000"/>
+                      </a:schemeClr>
+                    </a:solidFill>
+                  </a:tcPr>
+                </a:tc>
+                <a:tc>
+                  <a:txBody>
+                    <a:bodyPr/>
+                    <a:lstStyle/>
+                    <a:p>
+                      <a:pPr algn="ctr"/>
+                      <a:r>
+                        <a:rPr lang="fr-FR" sz="900" dirty="0"/>
+                        <a:t>effectué</a:t>
+                      </a:r>
+                    </a:p>
+                  </a:txBody>
+                  <a:tcPr anchor="ctr"/>
+                </a:tc>
+                <a:extLst>
+                  <a:ext uri="{0D108BD9-81ED-4DB2-BD59-A6C34878D82A}">
+                    <a16:rowId xmlns:a16="http://schemas.microsoft.com/office/drawing/2014/main" val="3605164153"/>
+                  </a:ext>
+                </a:extLst>
+              </a:tr>
+              <a:tr h="1186246">
+                <a:tc>
+                  <a:txBody>
+                    <a:bodyPr/>
+                    <a:lstStyle/>
+                    <a:p>
+                      <a:r>
+                        <a:rPr lang="fr-FR" sz="1400" dirty="0"/>
+                        <a:t>Les portes sont débités aux cotes (4 pts)</a:t>
+                      </a:r>
+                    </a:p>
+                  </a:txBody>
+                  <a:tcPr anchor="ctr"/>
+                </a:tc>
+                <a:tc>
+                  <a:txBody>
+                    <a:bodyPr/>
+                    <a:lstStyle/>
+                    <a:p>
+                      <a:endParaRPr lang="fr-FR" sz="1400" dirty="0"/>
+                    </a:p>
+                  </a:txBody>
+                  <a:tcPr anchor="ctr">
+                    <a:blipFill>
+                      <a:blip r:embed="rId2"/>
+                      <a:tile tx="0" ty="0" sx="100000" sy="100000" flip="none" algn="tl"/>
+                    </a:blipFill>
+                  </a:tcPr>
+                </a:tc>
+                <a:tc>
+                  <a:txBody>
+                    <a:bodyPr/>
+                    <a:lstStyle/>
+                    <a:p>
+                      <a:pPr algn="ctr"/>
+                      <a:r>
+                        <a:rPr lang="fr-FR" sz="900" dirty="0"/>
+                        <a:t>Décalage de plus de 2 mm</a:t>
+                      </a:r>
+                    </a:p>
+                  </a:txBody>
+                  <a:tcPr anchor="ctr"/>
+                </a:tc>
+                <a:tc>
+                  <a:txBody>
+                    <a:bodyPr/>
+                    <a:lstStyle/>
+                    <a:p>
+                      <a:pPr algn="ctr"/>
+                      <a:r>
+                        <a:rPr lang="fr-FR" sz="900" dirty="0"/>
+                        <a:t>Décalage de </a:t>
+                      </a:r>
+                    </a:p>
+                    <a:p>
+                      <a:pPr algn="ctr"/>
+                      <a:r>
+                        <a:rPr lang="fr-FR" sz="900" dirty="0"/>
+                        <a:t>2 mm</a:t>
+                      </a:r>
+                    </a:p>
+                  </a:txBody>
+                  <a:tcPr anchor="ctr"/>
+                </a:tc>
+                <a:tc>
+                  <a:txBody>
+                    <a:bodyPr/>
+                    <a:lstStyle/>
+                    <a:p>
+                      <a:pPr algn="ctr"/>
+                      <a:r>
+                        <a:rPr lang="fr-FR" sz="900" dirty="0"/>
+                        <a:t>Décalage de </a:t>
+                      </a:r>
+                    </a:p>
+                    <a:p>
+                      <a:pPr algn="ctr"/>
+                      <a:r>
+                        <a:rPr lang="fr-FR" sz="900" dirty="0"/>
+                        <a:t>1 mm</a:t>
+                      </a:r>
+                    </a:p>
+                  </a:txBody>
+                  <a:tcPr anchor="ctr"/>
+                </a:tc>
+                <a:tc>
+                  <a:txBody>
+                    <a:bodyPr/>
+                    <a:lstStyle/>
+                    <a:p>
+                      <a:pPr algn="ctr"/>
+                      <a:r>
+                        <a:rPr lang="fr-FR" sz="900" dirty="0"/>
+                        <a:t>Aucun décalage</a:t>
+                      </a:r>
+                    </a:p>
+                  </a:txBody>
+                  <a:tcPr anchor="ctr"/>
+                </a:tc>
+                <a:extLst>
+                  <a:ext uri="{0D108BD9-81ED-4DB2-BD59-A6C34878D82A}">
+                    <a16:rowId xmlns:a16="http://schemas.microsoft.com/office/drawing/2014/main" val="2998772913"/>
+                  </a:ext>
+                </a:extLst>
+              </a:tr>
+              <a:tr h="1186246">
+                <a:tc>
+                  <a:txBody>
+                    <a:bodyPr/>
+                    <a:lstStyle/>
+                    <a:p>
+                      <a:endParaRPr lang="fr-FR" sz="1400" dirty="0">
+                        <a:highlight>
+                          <a:srgbClr val="FFFF00"/>
+                        </a:highlight>
+                      </a:endParaRPr>
+                    </a:p>
+                  </a:txBody>
+                  <a:tcPr anchor="ctr">
+                    <a:solidFill>
+                      <a:srgbClr val="A6A6A6"/>
+                    </a:solidFill>
+                  </a:tcPr>
+                </a:tc>
+                <a:tc>
+                  <a:txBody>
+                    <a:bodyPr/>
+                    <a:lstStyle/>
+                    <a:p>
+                      <a:endParaRPr lang="fr-FR" sz="1400" dirty="0"/>
+                    </a:p>
+                  </a:txBody>
+                  <a:tcPr anchor="ctr">
+                    <a:solidFill>
+                      <a:srgbClr val="A6A6A6"/>
+                    </a:solidFill>
+                  </a:tcPr>
+                </a:tc>
+                <a:tc>
+                  <a:txBody>
+                    <a:bodyPr/>
+                    <a:lstStyle/>
+                    <a:p>
+                      <a:pPr algn="ctr"/>
+                      <a:endParaRPr lang="fr-FR" sz="900" dirty="0"/>
+                    </a:p>
+                  </a:txBody>
+                  <a:tcPr anchor="ctr">
+                    <a:solidFill>
+                      <a:srgbClr val="A6A6A6"/>
+                    </a:solidFill>
+                  </a:tcPr>
+                </a:tc>
+                <a:tc>
+                  <a:txBody>
+                    <a:bodyPr/>
+                    <a:lstStyle/>
+                    <a:p>
+                      <a:pPr algn="ctr"/>
+                      <a:endParaRPr lang="fr-FR" sz="900" dirty="0"/>
+                    </a:p>
+                  </a:txBody>
+                  <a:tcPr anchor="ctr">
+                    <a:solidFill>
+                      <a:srgbClr val="A6A6A6"/>
+                    </a:solidFill>
+                  </a:tcPr>
+                </a:tc>
+                <a:tc>
+                  <a:txBody>
+                    <a:bodyPr/>
+                    <a:lstStyle/>
+                    <a:p>
+                      <a:pPr algn="ctr"/>
+                      <a:endParaRPr lang="fr-FR" sz="900" dirty="0"/>
+                    </a:p>
+                  </a:txBody>
+                  <a:tcPr anchor="ctr">
+                    <a:solidFill>
+                      <a:srgbClr val="A6A6A6"/>
+                    </a:solidFill>
+                  </a:tcPr>
+                </a:tc>
+                <a:tc>
+                  <a:txBody>
+                    <a:bodyPr/>
+                    <a:lstStyle/>
+                    <a:p>
+                      <a:pPr algn="ctr"/>
+                      <a:endParaRPr lang="fr-FR" sz="900" dirty="0"/>
+                    </a:p>
+                  </a:txBody>
+                  <a:tcPr anchor="ctr">
+                    <a:solidFill>
+                      <a:srgbClr val="A6A6A6"/>
+                    </a:solidFill>
+                  </a:tcPr>
+                </a:tc>
+                <a:extLst>
+                  <a:ext uri="{0D108BD9-81ED-4DB2-BD59-A6C34878D82A}">
+                    <a16:rowId xmlns:a16="http://schemas.microsoft.com/office/drawing/2014/main" val="263690387"/>
+                  </a:ext>
+                </a:extLst>
+              </a:tr>
+              <a:tr h="1186246">
+                <a:tc>
+                  <a:txBody>
+                    <a:bodyPr/>
+                    <a:lstStyle/>
+                    <a:p>
+                      <a:pPr marL="0" marR="0" lvl="0" indent="0" algn="l" defTabSz="1439997" rtl="0" eaLnBrk="1" fontAlgn="auto" latinLnBrk="0" hangingPunct="1">
+                        <a:lnSpc>
+                          <a:spcPct val="100000"/>
+                        </a:lnSpc>
+                        <a:spcBef>
+                          <a:spcPts val="0"/>
+                        </a:spcBef>
+                        <a:spcAft>
+                          <a:spcPts val="0"/>
+                        </a:spcAft>
+                        <a:buClrTx/>
+                        <a:buSzTx/>
+                        <a:buFontTx/>
+                        <a:buNone/>
+                        <a:tabLst/>
+                        <a:defRPr/>
+                      </a:pPr>
+                      <a:r>
+                        <a:rPr lang="fr-FR" sz="1400" dirty="0"/>
+                        <a:t>Le placage est parfaitement appliqué. </a:t>
+                      </a:r>
+                    </a:p>
+                    <a:p>
+                      <a:r>
+                        <a:rPr lang="fr-FR" sz="1400" dirty="0"/>
+                        <a:t>(4 pts)</a:t>
+                      </a:r>
+                    </a:p>
+                  </a:txBody>
+                  <a:tcPr anchor="ctr"/>
+                </a:tc>
+                <a:tc>
+                  <a:txBody>
+                    <a:bodyPr/>
+                    <a:lstStyle/>
+                    <a:p>
+                      <a:endParaRPr lang="fr-FR" sz="1400" dirty="0"/>
+                    </a:p>
+                  </a:txBody>
+                  <a:tcPr anchor="ctr">
+                    <a:blipFill>
+                      <a:blip r:embed="rId2"/>
+                      <a:tile tx="0" ty="0" sx="100000" sy="100000" flip="none" algn="tl"/>
+                    </a:blipFill>
+                  </a:tcPr>
+                </a:tc>
+                <a:tc>
+                  <a:txBody>
+                    <a:bodyPr/>
+                    <a:lstStyle/>
+                    <a:p>
+                      <a:pPr algn="ctr"/>
+                      <a:r>
+                        <a:rPr lang="fr-FR" sz="900" dirty="0"/>
+                        <a:t>Il y a plus d’une trace de colle, plus d’une arrête n’est pas fermée</a:t>
+                      </a:r>
+                    </a:p>
+                  </a:txBody>
+                  <a:tcPr anchor="ctr"/>
+                </a:tc>
+                <a:tc>
+                  <a:txBody>
+                    <a:bodyPr/>
+                    <a:lstStyle/>
+                    <a:p>
+                      <a:pPr algn="ctr"/>
+                      <a:endParaRPr lang="fr-FR" sz="900" dirty="0"/>
+                    </a:p>
+                  </a:txBody>
+                  <a:tcPr anchor="ctr">
+                    <a:solidFill>
+                      <a:srgbClr val="A6A6A6"/>
+                    </a:solidFill>
+                  </a:tcPr>
+                </a:tc>
+                <a:tc>
+                  <a:txBody>
+                    <a:bodyPr/>
+                    <a:lstStyle/>
+                    <a:p>
+                      <a:pPr algn="ctr"/>
+                      <a:r>
+                        <a:rPr lang="fr-FR" sz="900" dirty="0"/>
+                        <a:t>Il y a une traces de colles ou une arrête n’est pas fermée </a:t>
+                      </a:r>
+                    </a:p>
+                  </a:txBody>
+                  <a:tcPr anchor="ctr"/>
+                </a:tc>
+                <a:tc>
+                  <a:txBody>
+                    <a:bodyPr/>
+                    <a:lstStyle/>
+                    <a:p>
+                      <a:pPr algn="ctr"/>
+                      <a:r>
+                        <a:rPr lang="fr-FR" sz="900" dirty="0"/>
+                        <a:t>Toute les arrêtes sont parfaitement fermées, la surface est propre</a:t>
+                      </a:r>
+                    </a:p>
+                  </a:txBody>
+                  <a:tcPr anchor="ctr"/>
+                </a:tc>
+                <a:extLst>
+                  <a:ext uri="{0D108BD9-81ED-4DB2-BD59-A6C34878D82A}">
+                    <a16:rowId xmlns:a16="http://schemas.microsoft.com/office/drawing/2014/main" val="1047825679"/>
+                  </a:ext>
+                </a:extLst>
+              </a:tr>
+              <a:tr h="1186246">
+                <a:tc>
+                  <a:txBody>
+                    <a:bodyPr/>
+                    <a:lstStyle/>
+                    <a:p>
+                      <a:pPr marL="0" marR="0" lvl="0" indent="0" algn="l" defTabSz="1439997" rtl="0" eaLnBrk="1" fontAlgn="auto" latinLnBrk="0" hangingPunct="1">
+                        <a:lnSpc>
+                          <a:spcPct val="100000"/>
+                        </a:lnSpc>
+                        <a:spcBef>
+                          <a:spcPts val="0"/>
+                        </a:spcBef>
+                        <a:spcAft>
+                          <a:spcPts val="0"/>
+                        </a:spcAft>
+                        <a:buClrTx/>
+                        <a:buSzTx/>
+                        <a:buFontTx/>
+                        <a:buNone/>
+                        <a:tabLst/>
+                        <a:defRPr/>
+                      </a:pPr>
+                      <a:r>
+                        <a:rPr lang="fr-FR" sz="1400" dirty="0"/>
+                        <a:t>La placage n’est pas vif sur les arrêtes du meubles, un chanfrein ou un ponçage a été réalisé</a:t>
+                      </a:r>
+                    </a:p>
+                    <a:p>
+                      <a:r>
+                        <a:rPr lang="fr-FR" sz="1400" dirty="0"/>
+                        <a:t>(4 pts)</a:t>
+                      </a:r>
+                    </a:p>
+                  </a:txBody>
+                  <a:tcPr anchor="ctr"/>
+                </a:tc>
+                <a:tc>
+                  <a:txBody>
+                    <a:bodyPr/>
+                    <a:lstStyle/>
+                    <a:p>
+                      <a:endParaRPr lang="fr-FR" sz="1400" dirty="0"/>
+                    </a:p>
+                  </a:txBody>
+                  <a:tcPr anchor="ctr">
+                    <a:blipFill>
+                      <a:blip r:embed="rId2"/>
+                      <a:tile tx="0" ty="0" sx="100000" sy="100000" flip="none" algn="tl"/>
+                    </a:blipFill>
+                  </a:tcPr>
+                </a:tc>
+                <a:tc>
+                  <a:txBody>
+                    <a:bodyPr/>
+                    <a:lstStyle/>
+                    <a:p>
+                      <a:pPr marL="0" marR="0" lvl="0" indent="0" algn="ctr" defTabSz="1439997" rtl="0" eaLnBrk="1" fontAlgn="auto" latinLnBrk="0" hangingPunct="1">
+                        <a:lnSpc>
+                          <a:spcPct val="100000"/>
+                        </a:lnSpc>
+                        <a:spcBef>
+                          <a:spcPts val="0"/>
+                        </a:spcBef>
+                        <a:spcAft>
+                          <a:spcPts val="0"/>
+                        </a:spcAft>
+                        <a:buClrTx/>
+                        <a:buSzTx/>
+                        <a:buFontTx/>
+                        <a:buNone/>
+                        <a:tabLst/>
+                        <a:defRPr/>
+                      </a:pPr>
+                      <a:r>
+                        <a:rPr lang="fr-FR" sz="900" dirty="0"/>
+                        <a:t>Plus de deux arrêtes vives</a:t>
+                      </a:r>
+                    </a:p>
+                    <a:p>
+                      <a:pPr algn="ctr"/>
+                      <a:endParaRPr lang="fr-FR" sz="900" dirty="0"/>
+                    </a:p>
+                  </a:txBody>
+                  <a:tcPr anchor="ctr"/>
+                </a:tc>
+                <a:tc>
+                  <a:txBody>
+                    <a:bodyPr/>
+                    <a:lstStyle/>
+                    <a:p>
+                      <a:pPr marL="0" marR="0" lvl="0" indent="0" algn="ctr" defTabSz="1439997" rtl="0" eaLnBrk="1" fontAlgn="auto" latinLnBrk="0" hangingPunct="1">
+                        <a:lnSpc>
+                          <a:spcPct val="100000"/>
+                        </a:lnSpc>
+                        <a:spcBef>
+                          <a:spcPts val="0"/>
+                        </a:spcBef>
+                        <a:spcAft>
+                          <a:spcPts val="0"/>
+                        </a:spcAft>
+                        <a:buClrTx/>
+                        <a:buSzTx/>
+                        <a:buFontTx/>
+                        <a:buNone/>
+                        <a:tabLst/>
+                        <a:defRPr/>
+                      </a:pPr>
+                      <a:r>
+                        <a:rPr lang="fr-FR" sz="900" dirty="0"/>
+                        <a:t>Deux arrêtes vives</a:t>
+                      </a:r>
+                    </a:p>
+                    <a:p>
+                      <a:pPr algn="ctr"/>
+                      <a:endParaRPr lang="fr-FR" sz="900" dirty="0"/>
+                    </a:p>
+                  </a:txBody>
+                  <a:tcPr anchor="ctr"/>
+                </a:tc>
+                <a:tc>
+                  <a:txBody>
+                    <a:bodyPr/>
+                    <a:lstStyle/>
+                    <a:p>
+                      <a:pPr algn="ctr"/>
+                      <a:r>
+                        <a:rPr lang="fr-FR" sz="900" dirty="0"/>
+                        <a:t>Une arrête vive</a:t>
+                      </a:r>
+                    </a:p>
+                  </a:txBody>
+                  <a:tcPr anchor="ctr"/>
+                </a:tc>
+                <a:tc>
+                  <a:txBody>
+                    <a:bodyPr/>
+                    <a:lstStyle/>
+                    <a:p>
+                      <a:pPr algn="ctr"/>
+                      <a:r>
+                        <a:rPr lang="fr-FR" sz="900" dirty="0"/>
+                        <a:t>Aucune arête vives</a:t>
+                      </a:r>
+                    </a:p>
+                  </a:txBody>
+                  <a:tcPr anchor="ctr"/>
+                </a:tc>
+                <a:extLst>
+                  <a:ext uri="{0D108BD9-81ED-4DB2-BD59-A6C34878D82A}">
+                    <a16:rowId xmlns:a16="http://schemas.microsoft.com/office/drawing/2014/main" val="1911863720"/>
+                  </a:ext>
+                </a:extLst>
+              </a:tr>
+              <a:tr h="1186246">
+                <a:tc>
+                  <a:txBody>
+                    <a:bodyPr/>
+                    <a:lstStyle/>
+                    <a:p>
+                      <a:pPr marL="0" marR="0" lvl="0" indent="0" algn="l" defTabSz="1439997" rtl="0" eaLnBrk="1" fontAlgn="auto" latinLnBrk="0" hangingPunct="1">
+                        <a:lnSpc>
+                          <a:spcPct val="100000"/>
+                        </a:lnSpc>
+                        <a:spcBef>
+                          <a:spcPts val="0"/>
+                        </a:spcBef>
+                        <a:spcAft>
+                          <a:spcPts val="0"/>
+                        </a:spcAft>
+                        <a:buClrTx/>
+                        <a:buSzTx/>
+                        <a:buFontTx/>
+                        <a:buNone/>
+                        <a:tabLst/>
+                        <a:defRPr/>
+                      </a:pPr>
+                      <a:r>
+                        <a:rPr lang="fr-FR" sz="1400" dirty="0"/>
+                        <a:t>Les portes sont poncés et prêtent à accueillir la finition </a:t>
+                      </a:r>
+                    </a:p>
+                    <a:p>
+                      <a:r>
+                        <a:rPr lang="fr-FR" sz="1400" dirty="0"/>
+                        <a:t>(4 pts)</a:t>
+                      </a:r>
+                    </a:p>
+                  </a:txBody>
+                  <a:tcPr anchor="ctr"/>
+                </a:tc>
+                <a:tc>
+                  <a:txBody>
+                    <a:bodyPr/>
+                    <a:lstStyle/>
+                    <a:p>
+                      <a:endParaRPr lang="fr-FR" sz="1400" dirty="0"/>
+                    </a:p>
+                  </a:txBody>
+                  <a:tcPr anchor="ctr">
+                    <a:blipFill>
+                      <a:blip r:embed="rId2"/>
+                      <a:tile tx="0" ty="0" sx="100000" sy="100000" flip="none" algn="tl"/>
+                    </a:blipFill>
+                  </a:tcPr>
+                </a:tc>
+                <a:tc>
+                  <a:txBody>
+                    <a:bodyPr/>
+                    <a:lstStyle/>
+                    <a:p>
+                      <a:pPr algn="ctr"/>
+                      <a:r>
+                        <a:rPr lang="fr-FR" sz="900" dirty="0"/>
+                        <a:t>Non effectué</a:t>
+                      </a:r>
+                    </a:p>
+                  </a:txBody>
+                  <a:tcPr anchor="ctr"/>
+                </a:tc>
+                <a:tc>
+                  <a:txBody>
+                    <a:bodyPr/>
+                    <a:lstStyle/>
+                    <a:p>
+                      <a:pPr algn="ctr"/>
+                      <a:endParaRPr lang="fr-FR" sz="900" dirty="0"/>
+                    </a:p>
+                  </a:txBody>
+                  <a:tcPr anchor="ctr">
+                    <a:solidFill>
+                      <a:srgbClr val="A6A6A6"/>
+                    </a:solidFill>
+                  </a:tcPr>
+                </a:tc>
+                <a:tc>
+                  <a:txBody>
+                    <a:bodyPr/>
+                    <a:lstStyle/>
+                    <a:p>
+                      <a:pPr algn="ctr"/>
+                      <a:endParaRPr lang="fr-FR" sz="900" dirty="0"/>
+                    </a:p>
+                  </a:txBody>
+                  <a:tcPr anchor="ctr">
+                    <a:solidFill>
+                      <a:srgbClr val="A6A6A6"/>
+                    </a:solidFill>
+                  </a:tcPr>
+                </a:tc>
+                <a:tc>
+                  <a:txBody>
+                    <a:bodyPr/>
+                    <a:lstStyle/>
+                    <a:p>
+                      <a:pPr algn="ctr"/>
+                      <a:r>
+                        <a:rPr lang="fr-FR" sz="900" dirty="0"/>
+                        <a:t>effectué</a:t>
+                      </a:r>
+                    </a:p>
+                  </a:txBody>
+                  <a:tcPr anchor="ctr"/>
+                </a:tc>
+                <a:extLst>
+                  <a:ext uri="{0D108BD9-81ED-4DB2-BD59-A6C34878D82A}">
+                    <a16:rowId xmlns:a16="http://schemas.microsoft.com/office/drawing/2014/main" val="3673042529"/>
+                  </a:ext>
+                </a:extLst>
+              </a:tr>
+              <a:tr h="1186246">
+                <a:tc>
+                  <a:txBody>
+                    <a:bodyPr/>
+                    <a:lstStyle/>
+                    <a:p>
+                      <a:pPr algn="ctr"/>
+                      <a:r>
+                        <a:rPr lang="fr-FR" dirty="0"/>
+                        <a:t>Note finale: </a:t>
+                      </a:r>
+                    </a:p>
+                  </a:txBody>
+                  <a:tcPr anchor="ctr"/>
+                </a:tc>
+                <a:tc gridSpan="5">
+                  <a:txBody>
+                    <a:bodyPr/>
+                    <a:lstStyle/>
+                    <a:p>
+                      <a:endParaRPr lang="fr-FR" sz="1400" dirty="0"/>
+                    </a:p>
+                  </a:txBody>
+                  <a:tcPr anchor="ctr"/>
+                </a:tc>
+                <a:tc hMerge="1">
+                  <a:txBody>
+                    <a:bodyPr/>
+                    <a:lstStyle/>
+                    <a:p>
+                      <a:endParaRPr lang="fr-FR" sz="1400" dirty="0"/>
+                    </a:p>
+                  </a:txBody>
+                  <a:tcPr anchor="ctr"/>
+                </a:tc>
+                <a:tc hMerge="1">
+                  <a:txBody>
+                    <a:bodyPr/>
+                    <a:lstStyle/>
+                    <a:p>
+                      <a:endParaRPr lang="fr-FR" sz="1400" dirty="0"/>
+                    </a:p>
+                  </a:txBody>
+                  <a:tcPr anchor="ctr"/>
+                </a:tc>
+                <a:tc hMerge="1">
+                  <a:txBody>
+                    <a:bodyPr/>
+                    <a:lstStyle/>
+                    <a:p>
+                      <a:endParaRPr lang="fr-FR" sz="1400" dirty="0"/>
+                    </a:p>
+                  </a:txBody>
+                  <a:tcPr anchor="ctr"/>
+                </a:tc>
+                <a:tc hMerge="1">
+                  <a:txBody>
+                    <a:bodyPr/>
+                    <a:lstStyle/>
+                    <a:p>
+                      <a:endParaRPr lang="fr-FR" sz="1400" dirty="0"/>
+                    </a:p>
+                  </a:txBody>
+                  <a:tcPr anchor="ctr"/>
+                </a:tc>
+                <a:extLst>
+                  <a:ext uri="{0D108BD9-81ED-4DB2-BD59-A6C34878D82A}">
+                    <a16:rowId xmlns:a16="http://schemas.microsoft.com/office/drawing/2014/main" val="3834295413"/>
+                  </a:ext>
+                </a:extLst>
+              </a:tr>
+            </a:tbl>
+          </a:graphicData>
+        </a:graphic>
+      </p:graphicFrame>
     </p:spTree>
     <p:extLst>
       <p:ext uri="{BB962C8B-B14F-4D97-AF65-F5344CB8AC3E}">
-        <p14:creationId xmlns:p14="http://schemas.microsoft.com/office/powerpoint/2010/main" val="3927039430"/>
+        <p14:creationId xmlns:p14="http://schemas.microsoft.com/office/powerpoint/2010/main" val="1162237335"/>
       </p:ext>
     </p:extLst>
   </p:cSld>
